--- a/技術分享/Angular 1.x/AngularJS.pptx
+++ b/技術分享/Angular 1.x/AngularJS.pptx
@@ -2,56 +2,56 @@
 <file path=ppt/presentation.xml><?xml version="1.0" encoding="utf-8"?>
 <p:presentation xmlns:a="http://schemas.openxmlformats.org/drawingml/2006/main" xmlns:r="http://schemas.openxmlformats.org/officeDocument/2006/relationships" xmlns:p="http://schemas.openxmlformats.org/presentationml/2006/main">
   <p:sldMasterIdLst>
-    <p:sldMasterId id="2147483648" r:id="rId1"/>
+    <p:sldMasterId id="2147483648" r:id="rId5"/>
   </p:sldMasterIdLst>
   <p:notesMasterIdLst>
-    <p:notesMasterId r:id="rId46"/>
+    <p:notesMasterId r:id="rId7"/>
   </p:notesMasterIdLst>
   <p:sldIdLst>
-    <p:sldId id="256" r:id="rId2"/>
-    <p:sldId id="257" r:id="rId3"/>
-    <p:sldId id="258" r:id="rId4"/>
-    <p:sldId id="259" r:id="rId5"/>
-    <p:sldId id="260" r:id="rId6"/>
-    <p:sldId id="261" r:id="rId7"/>
-    <p:sldId id="262" r:id="rId8"/>
-    <p:sldId id="263" r:id="rId9"/>
-    <p:sldId id="264" r:id="rId10"/>
-    <p:sldId id="265" r:id="rId11"/>
-    <p:sldId id="266" r:id="rId12"/>
-    <p:sldId id="267" r:id="rId13"/>
-    <p:sldId id="268" r:id="rId14"/>
-    <p:sldId id="269" r:id="rId15"/>
-    <p:sldId id="270" r:id="rId16"/>
-    <p:sldId id="271" r:id="rId17"/>
-    <p:sldId id="272" r:id="rId18"/>
-    <p:sldId id="273" r:id="rId19"/>
-    <p:sldId id="274" r:id="rId20"/>
-    <p:sldId id="275" r:id="rId21"/>
-    <p:sldId id="276" r:id="rId22"/>
-    <p:sldId id="277" r:id="rId23"/>
-    <p:sldId id="278" r:id="rId24"/>
-    <p:sldId id="279" r:id="rId25"/>
-    <p:sldId id="280" r:id="rId26"/>
-    <p:sldId id="281" r:id="rId27"/>
-    <p:sldId id="282" r:id="rId28"/>
-    <p:sldId id="283" r:id="rId29"/>
-    <p:sldId id="284" r:id="rId30"/>
-    <p:sldId id="285" r:id="rId31"/>
-    <p:sldId id="286" r:id="rId32"/>
-    <p:sldId id="287" r:id="rId33"/>
-    <p:sldId id="288" r:id="rId34"/>
-    <p:sldId id="289" r:id="rId35"/>
-    <p:sldId id="290" r:id="rId36"/>
-    <p:sldId id="291" r:id="rId37"/>
-    <p:sldId id="292" r:id="rId38"/>
-    <p:sldId id="293" r:id="rId39"/>
-    <p:sldId id="294" r:id="rId40"/>
-    <p:sldId id="295" r:id="rId41"/>
-    <p:sldId id="296" r:id="rId42"/>
-    <p:sldId id="297" r:id="rId43"/>
-    <p:sldId id="298" r:id="rId44"/>
-    <p:sldId id="299" r:id="rId45"/>
+    <p:sldId id="256" r:id="rId8"/>
+    <p:sldId id="257" r:id="rId9"/>
+    <p:sldId id="258" r:id="rId10"/>
+    <p:sldId id="259" r:id="rId11"/>
+    <p:sldId id="260" r:id="rId12"/>
+    <p:sldId id="261" r:id="rId13"/>
+    <p:sldId id="262" r:id="rId14"/>
+    <p:sldId id="263" r:id="rId15"/>
+    <p:sldId id="264" r:id="rId16"/>
+    <p:sldId id="265" r:id="rId17"/>
+    <p:sldId id="266" r:id="rId18"/>
+    <p:sldId id="267" r:id="rId19"/>
+    <p:sldId id="268" r:id="rId20"/>
+    <p:sldId id="269" r:id="rId21"/>
+    <p:sldId id="270" r:id="rId22"/>
+    <p:sldId id="271" r:id="rId23"/>
+    <p:sldId id="272" r:id="rId24"/>
+    <p:sldId id="273" r:id="rId25"/>
+    <p:sldId id="274" r:id="rId26"/>
+    <p:sldId id="275" r:id="rId27"/>
+    <p:sldId id="276" r:id="rId28"/>
+    <p:sldId id="277" r:id="rId29"/>
+    <p:sldId id="278" r:id="rId30"/>
+    <p:sldId id="279" r:id="rId31"/>
+    <p:sldId id="280" r:id="rId32"/>
+    <p:sldId id="281" r:id="rId33"/>
+    <p:sldId id="282" r:id="rId34"/>
+    <p:sldId id="283" r:id="rId35"/>
+    <p:sldId id="284" r:id="rId36"/>
+    <p:sldId id="285" r:id="rId37"/>
+    <p:sldId id="286" r:id="rId38"/>
+    <p:sldId id="287" r:id="rId39"/>
+    <p:sldId id="288" r:id="rId40"/>
+    <p:sldId id="289" r:id="rId41"/>
+    <p:sldId id="290" r:id="rId42"/>
+    <p:sldId id="291" r:id="rId43"/>
+    <p:sldId id="292" r:id="rId44"/>
+    <p:sldId id="293" r:id="rId45"/>
+    <p:sldId id="294" r:id="rId46"/>
+    <p:sldId id="295" r:id="rId47"/>
+    <p:sldId id="296" r:id="rId48"/>
+    <p:sldId id="297" r:id="rId49"/>
+    <p:sldId id="298" r:id="rId50"/>
+    <p:sldId id="299" r:id="rId51"/>
   </p:sldIdLst>
   <p:sldSz cx="13004800" cy="9753600"/>
   <p:notesSz cx="6858000" cy="9144000"/>
@@ -71,7 +71,7 @@
       <a:buFontTx/>
       <a:buNone/>
       <a:tabLst/>
-      <a:defRPr kumimoji="0" sz="1800" b="0" i="0" u="none" strike="noStrike" cap="none" spc="0" normalizeH="0" baseline="0">
+      <a:defRPr b="0" baseline="0" cap="none" i="0" spc="0" strike="noStrike" sz="1800" u="none" kumimoji="0" normalizeH="0">
         <a:ln>
           <a:noFill/>
         </a:ln>
@@ -97,7 +97,7 @@
       <a:buFontTx/>
       <a:buNone/>
       <a:tabLst/>
-      <a:defRPr kumimoji="0" sz="3600" b="0" i="0" u="none" strike="noStrike" cap="none" spc="0" normalizeH="0" baseline="0">
+      <a:defRPr b="0" baseline="0" cap="none" i="0" spc="0" strike="noStrike" sz="3600" u="none" kumimoji="0" normalizeH="0">
         <a:ln>
           <a:noFill/>
         </a:ln>
@@ -127,7 +127,7 @@
       <a:buFontTx/>
       <a:buNone/>
       <a:tabLst/>
-      <a:defRPr kumimoji="0" sz="3600" b="0" i="0" u="none" strike="noStrike" cap="none" spc="0" normalizeH="0" baseline="0">
+      <a:defRPr b="0" baseline="0" cap="none" i="0" spc="0" strike="noStrike" sz="3600" u="none" kumimoji="0" normalizeH="0">
         <a:ln>
           <a:noFill/>
         </a:ln>
@@ -157,7 +157,7 @@
       <a:buFontTx/>
       <a:buNone/>
       <a:tabLst/>
-      <a:defRPr kumimoji="0" sz="3600" b="0" i="0" u="none" strike="noStrike" cap="none" spc="0" normalizeH="0" baseline="0">
+      <a:defRPr b="0" baseline="0" cap="none" i="0" spc="0" strike="noStrike" sz="3600" u="none" kumimoji="0" normalizeH="0">
         <a:ln>
           <a:noFill/>
         </a:ln>
@@ -187,7 +187,7 @@
       <a:buFontTx/>
       <a:buNone/>
       <a:tabLst/>
-      <a:defRPr kumimoji="0" sz="3600" b="0" i="0" u="none" strike="noStrike" cap="none" spc="0" normalizeH="0" baseline="0">
+      <a:defRPr b="0" baseline="0" cap="none" i="0" spc="0" strike="noStrike" sz="3600" u="none" kumimoji="0" normalizeH="0">
         <a:ln>
           <a:noFill/>
         </a:ln>
@@ -217,7 +217,7 @@
       <a:buFontTx/>
       <a:buNone/>
       <a:tabLst/>
-      <a:defRPr kumimoji="0" sz="3600" b="0" i="0" u="none" strike="noStrike" cap="none" spc="0" normalizeH="0" baseline="0">
+      <a:defRPr b="0" baseline="0" cap="none" i="0" spc="0" strike="noStrike" sz="3600" u="none" kumimoji="0" normalizeH="0">
         <a:ln>
           <a:noFill/>
         </a:ln>
@@ -247,7 +247,7 @@
       <a:buFontTx/>
       <a:buNone/>
       <a:tabLst/>
-      <a:defRPr kumimoji="0" sz="3600" b="0" i="0" u="none" strike="noStrike" cap="none" spc="0" normalizeH="0" baseline="0">
+      <a:defRPr b="0" baseline="0" cap="none" i="0" spc="0" strike="noStrike" sz="3600" u="none" kumimoji="0" normalizeH="0">
         <a:ln>
           <a:noFill/>
         </a:ln>
@@ -277,7 +277,7 @@
       <a:buFontTx/>
       <a:buNone/>
       <a:tabLst/>
-      <a:defRPr kumimoji="0" sz="3600" b="0" i="0" u="none" strike="noStrike" cap="none" spc="0" normalizeH="0" baseline="0">
+      <a:defRPr b="0" baseline="0" cap="none" i="0" spc="0" strike="noStrike" sz="3600" u="none" kumimoji="0" normalizeH="0">
         <a:ln>
           <a:noFill/>
         </a:ln>
@@ -307,7 +307,7 @@
       <a:buFontTx/>
       <a:buNone/>
       <a:tabLst/>
-      <a:defRPr kumimoji="0" sz="3600" b="0" i="0" u="none" strike="noStrike" cap="none" spc="0" normalizeH="0" baseline="0">
+      <a:defRPr b="0" baseline="0" cap="none" i="0" spc="0" strike="noStrike" sz="3600" u="none" kumimoji="0" normalizeH="0">
         <a:ln>
           <a:noFill/>
         </a:ln>
@@ -337,7 +337,7 @@
       <a:buFontTx/>
       <a:buNone/>
       <a:tabLst/>
-      <a:defRPr kumimoji="0" sz="3600" b="0" i="0" u="none" strike="noStrike" cap="none" spc="0" normalizeH="0" baseline="0">
+      <a:defRPr b="0" baseline="0" cap="none" i="0" spc="0" strike="noStrike" sz="3600" u="none" kumimoji="0" normalizeH="0">
         <a:ln>
           <a:noFill/>
         </a:ln>
@@ -353,22 +353,16 @@
       </a:defRPr>
     </a:lvl9pPr>
   </p:defaultTextStyle>
-  <p:extLst>
-    <p:ext uri="{EFAFB233-063F-42B5-8137-9DF3F51BA10A}">
-      <p15:sldGuideLst xmlns:p15="http://schemas.microsoft.com/office/powerpoint/2012/main"/>
-    </p:ext>
-  </p:extLst>
 </p:presentation>
+</file>
+
+<file path=ppt/commentAuthors.xml><?xml version="1.0" encoding="utf-8"?>
+<p:cmAuthorLst xmlns:a="http://schemas.openxmlformats.org/drawingml/2006/main" xmlns:r="http://schemas.openxmlformats.org/officeDocument/2006/relationships" xmlns:p="http://schemas.openxmlformats.org/presentationml/2006/main"/>
 </file>
 
 <file path=ppt/notesMasters/notesMaster1.xml><?xml version="1.0" encoding="utf-8"?>
 <p:notesMaster xmlns:a="http://schemas.openxmlformats.org/drawingml/2006/main" xmlns:r="http://schemas.openxmlformats.org/officeDocument/2006/relationships" xmlns:p="http://schemas.openxmlformats.org/presentationml/2006/main">
   <p:cSld>
-    <p:bg>
-      <p:bgRef idx="1001">
-        <a:schemeClr val="bg1"/>
-      </p:bgRef>
-    </p:bg>
     <p:spTree>
       <p:nvGrpSpPr>
         <p:cNvPr id="1" name=""/>
@@ -386,9 +380,7 @@
       <p:sp>
         <p:nvSpPr>
           <p:cNvPr id="116" name="Shape 116"/>
-          <p:cNvSpPr>
-            <a:spLocks noGrp="1" noRot="1" noChangeAspect="1"/>
-          </p:cNvSpPr>
+          <p:cNvSpPr/>
           <p:nvPr>
             <p:ph type="sldImg"/>
           </p:nvPr>
@@ -406,16 +398,14 @@
           <a:bodyPr/>
           <a:lstStyle/>
           <a:p>
-            <a:endParaRPr/>
+            <a:pPr/>
           </a:p>
         </p:txBody>
       </p:sp>
       <p:sp>
         <p:nvSpPr>
           <p:cNvPr id="117" name="Shape 117"/>
-          <p:cNvSpPr>
-            <a:spLocks noGrp="1"/>
-          </p:cNvSpPr>
+          <p:cNvSpPr/>
           <p:nvPr>
             <p:ph type="body" sz="quarter" idx="1"/>
           </p:nvPr>
@@ -433,7 +423,7 @@
           <a:bodyPr/>
           <a:lstStyle/>
           <a:p>
-            <a:endParaRPr/>
+            <a:pPr/>
           </a:p>
         </p:txBody>
       </p:sp>
@@ -545,7 +535,7 @@
 </file>
 
 <file path=ppt/notesSlides/notesSlide1.xml><?xml version="1.0" encoding="utf-8"?>
-<p:notes xmlns:a="http://schemas.openxmlformats.org/drawingml/2006/main" xmlns:r="http://schemas.openxmlformats.org/officeDocument/2006/relationships" xmlns:p="http://schemas.openxmlformats.org/presentationml/2006/main">
+<p:notes xmlns:a="http://schemas.openxmlformats.org/drawingml/2006/main" xmlns:r="http://schemas.openxmlformats.org/officeDocument/2006/relationships" xmlns:p="http://schemas.openxmlformats.org/presentationml/2006/main" showMasterSp="1" showMasterPhAnim="1">
   <p:cSld>
     <p:spTree>
       <p:nvGrpSpPr>
@@ -563,41 +553,89 @@
       </p:grpSpPr>
       <p:sp>
         <p:nvSpPr>
-          <p:cNvPr id="2" name="投影片影像版面配置區 1"/>
-          <p:cNvSpPr>
-            <a:spLocks noGrp="1" noRot="1" noChangeAspect="1"/>
-          </p:cNvSpPr>
+          <p:cNvPr id="124" name="Shape 124"/>
+          <p:cNvSpPr/>
           <p:nvPr>
             <p:ph type="sldImg"/>
           </p:nvPr>
         </p:nvSpPr>
-        <p:spPr/>
-      </p:sp>
-      <p:sp>
-        <p:nvSpPr>
-          <p:cNvPr id="3" name="備忘稿版面配置區 2"/>
-          <p:cNvSpPr>
-            <a:spLocks noGrp="1"/>
-          </p:cNvSpPr>
-          <p:nvPr>
-            <p:ph type="body" idx="1"/>
-          </p:nvPr>
-        </p:nvSpPr>
-        <p:spPr/>
+        <p:spPr>
+          <a:prstGeom prst="rect">
+            <a:avLst/>
+          </a:prstGeom>
+        </p:spPr>
         <p:txBody>
           <a:bodyPr/>
           <a:lstStyle/>
           <a:p>
-            <a:endParaRPr kumimoji="1" lang="zh-TW" altLang="en-US" dirty="0"/>
+            <a:pPr/>
+          </a:p>
+        </p:txBody>
+      </p:sp>
+      <p:sp>
+        <p:nvSpPr>
+          <p:cNvPr id="125" name="Shape 125"/>
+          <p:cNvSpPr/>
+          <p:nvPr>
+            <p:ph type="body" sz="quarter" idx="1"/>
+          </p:nvPr>
+        </p:nvSpPr>
+        <p:spPr>
+          <a:prstGeom prst="rect">
+            <a:avLst/>
+          </a:prstGeom>
+        </p:spPr>
+        <p:txBody>
+          <a:bodyPr/>
+          <a:lstStyle/>
+          <a:p>
+            <a:pPr marL="272047" indent="-272047">
+              <a:buSzPct val="125000"/>
+              <a:buChar char="•"/>
+            </a:pPr>
+            <a:r>
+              <a:t>2009年，兩位Google工程師Misko Hevery和Adam Abrons撰寫一個名為GetAngular設計開發工具，用於Web設計師和前後端工程師溝通</a:t>
+            </a:r>
+          </a:p>
+          <a:p>
+            <a:pPr marL="272047" indent="-272047">
+              <a:buSzPct val="125000"/>
+              <a:buChar char="•"/>
+            </a:pPr>
+            <a:r>
+              <a:t>Misko Hevery接手Google Feedback專案開發，歷時6個月將近一萬七千多行的程式碼，開發維護舉步維艱。</a:t>
+            </a:r>
+          </a:p>
+          <a:p>
+            <a:pPr marL="272047" indent="-272047">
+              <a:buSzPct val="125000"/>
+              <a:buChar char="•"/>
+            </a:pPr>
+            <a:r>
+              <a:t>Misko跟專案經理Brad Green打賭，用GetAngular只需花兩個禮拜的時間就可以改寫既有的Feedback專案。</a:t>
+            </a:r>
+          </a:p>
+          <a:p>
+            <a:pPr marL="272047" indent="-272047">
+              <a:buSzPct val="125000"/>
+              <a:buChar char="•"/>
+            </a:pPr>
+            <a:r>
+              <a:t>最後Misko雖然賭輸，但也僅僅花了三個禮拜的時間，就成功將原有的一萬七千多行程式碼精簡到一千五百行。</a:t>
+            </a:r>
+          </a:p>
+          <a:p>
+            <a:pPr marL="272047" indent="-272047">
+              <a:buSzPct val="125000"/>
+              <a:buChar char="•"/>
+            </a:pPr>
+            <a:r>
+              <a:t>Brad Green十分驚豔並看好GetAngular的表現，於是將它改名為AngularJS，並在Google內組了團隊專職開發與維護。</a:t>
+            </a:r>
           </a:p>
         </p:txBody>
       </p:sp>
     </p:spTree>
-    <p:extLst>
-      <p:ext uri="{BB962C8B-B14F-4D97-AF65-F5344CB8AC3E}">
-        <p14:creationId xmlns:p14="http://schemas.microsoft.com/office/powerpoint/2010/main" val="1023486249"/>
-      </p:ext>
-    </p:extLst>
   </p:cSld>
   <p:clrMapOvr>
     <a:masterClrMapping/>
@@ -606,7 +644,7 @@
 </file>
 
 <file path=ppt/notesSlides/notesSlide10.xml><?xml version="1.0" encoding="utf-8"?>
-<p:notes xmlns:a="http://schemas.openxmlformats.org/drawingml/2006/main" xmlns:r="http://schemas.openxmlformats.org/officeDocument/2006/relationships" xmlns:p="http://schemas.openxmlformats.org/presentationml/2006/main">
+<p:notes xmlns:a="http://schemas.openxmlformats.org/drawingml/2006/main" xmlns:r="http://schemas.openxmlformats.org/officeDocument/2006/relationships" xmlns:p="http://schemas.openxmlformats.org/presentationml/2006/main" showMasterSp="1" showMasterPhAnim="1">
   <p:cSld>
     <p:spTree>
       <p:nvGrpSpPr>
@@ -624,10 +662,8 @@
       </p:grpSpPr>
       <p:sp>
         <p:nvSpPr>
-          <p:cNvPr id="169" name="Shape 169"/>
-          <p:cNvSpPr>
-            <a:spLocks noGrp="1" noRot="1" noChangeAspect="1"/>
-          </p:cNvSpPr>
+          <p:cNvPr id="189" name="Shape 189"/>
+          <p:cNvSpPr/>
           <p:nvPr>
             <p:ph type="sldImg"/>
           </p:nvPr>
@@ -641,16 +677,14 @@
           <a:bodyPr/>
           <a:lstStyle/>
           <a:p>
-            <a:endParaRPr/>
-          </a:p>
-        </p:txBody>
-      </p:sp>
-      <p:sp>
-        <p:nvSpPr>
-          <p:cNvPr id="170" name="Shape 170"/>
-          <p:cNvSpPr>
-            <a:spLocks noGrp="1"/>
-          </p:cNvSpPr>
+            <a:pPr/>
+          </a:p>
+        </p:txBody>
+      </p:sp>
+      <p:sp>
+        <p:nvSpPr>
+          <p:cNvPr id="190" name="Shape 190"/>
+          <p:cNvSpPr/>
           <p:nvPr>
             <p:ph type="body" sz="quarter" idx="1"/>
           </p:nvPr>
@@ -664,48 +698,42 @@
           <a:bodyPr/>
           <a:lstStyle/>
           <a:p>
-            <a:pPr marL="197852" indent="-197852">
-              <a:buSzPct val="125000"/>
-              <a:buChar char="•"/>
-            </a:pPr>
-            <a:r>
-              <a:t>Module 模組</a:t>
-            </a:r>
-          </a:p>
-          <a:p>
-            <a:pPr marL="197852" indent="-197852">
-              <a:buSzPct val="125000"/>
-              <a:buChar char="•"/>
-            </a:pPr>
-            <a:r>
-              <a:t>Component 類別（即mvc中的controller）</a:t>
-            </a:r>
-          </a:p>
-          <a:p>
-            <a:pPr marL="197852" indent="-197852">
-              <a:buSzPct val="125000"/>
-              <a:buChar char="•"/>
-            </a:pPr>
-            <a:r>
-              <a:t>Templates 樣板html片段（即mvc中的view）</a:t>
-            </a:r>
-          </a:p>
-          <a:p>
-            <a:pPr marL="197852" indent="-197852">
-              <a:buSzPct val="125000"/>
-              <a:buChar char="•"/>
-            </a:pPr>
-            <a:r>
-              <a:t>Metadata</a:t>
-            </a:r>
-          </a:p>
-          <a:p>
-            <a:pPr marL="197852" indent="-197852">
-              <a:buSzPct val="125000"/>
-              <a:buChar char="•"/>
-            </a:pPr>
-            <a:r>
-              <a:t>Service 服務、元件（即mvc中的model）</a:t>
+            <a:pPr/>
+            <a:r>
+              <a:t>Model 是儲放資料的方式，對應之前 database 的 table 部分並包含存取 datebase 的 method。</a:t>
+            </a:r>
+          </a:p>
+          <a:p>
+            <a:pPr/>
+            <a:r>
+              <a:t>View 負責資料的呈現，對應之前 GUI 的功能。</a:t>
+            </a:r>
+          </a:p>
+          <a:p>
+            <a:pPr/>
+            <a:r>
+              <a:t>Control 負責接收 user 的反應，對 Model 的操作，對應之前 server 及不包含GUI部份的 client。</a:t>
+            </a:r>
+          </a:p>
+          <a:p>
+            <a:pPr/>
+          </a:p>
+          <a:p>
+            <a:pPr/>
+            <a:r>
+              <a:t>Change Notification會透過兩種方式傳遞</a:t>
+            </a:r>
+          </a:p>
+          <a:p>
+            <a:pPr/>
+            <a:r>
+              <a:t>1.Ajax</a:t>
+            </a:r>
+          </a:p>
+          <a:p>
+            <a:pPr/>
+            <a:r>
+              <a:t>2.html5的WebSocket</a:t>
             </a:r>
           </a:p>
         </p:txBody>
@@ -719,7 +747,7 @@
 </file>
 
 <file path=ppt/notesSlides/notesSlide11.xml><?xml version="1.0" encoding="utf-8"?>
-<p:notes xmlns:a="http://schemas.openxmlformats.org/drawingml/2006/main" xmlns:r="http://schemas.openxmlformats.org/officeDocument/2006/relationships" xmlns:p="http://schemas.openxmlformats.org/presentationml/2006/main">
+<p:notes xmlns:a="http://schemas.openxmlformats.org/drawingml/2006/main" xmlns:r="http://schemas.openxmlformats.org/officeDocument/2006/relationships" xmlns:p="http://schemas.openxmlformats.org/presentationml/2006/main" showMasterSp="1" showMasterPhAnim="1">
   <p:cSld>
     <p:spTree>
       <p:nvGrpSpPr>
@@ -737,10 +765,8 @@
       </p:grpSpPr>
       <p:sp>
         <p:nvSpPr>
-          <p:cNvPr id="189" name="Shape 189"/>
-          <p:cNvSpPr>
-            <a:spLocks noGrp="1" noRot="1" noChangeAspect="1"/>
-          </p:cNvSpPr>
+          <p:cNvPr id="199" name="Shape 199"/>
+          <p:cNvSpPr/>
           <p:nvPr>
             <p:ph type="sldImg"/>
           </p:nvPr>
@@ -754,16 +780,14 @@
           <a:bodyPr/>
           <a:lstStyle/>
           <a:p>
-            <a:endParaRPr/>
-          </a:p>
-        </p:txBody>
-      </p:sp>
-      <p:sp>
-        <p:nvSpPr>
-          <p:cNvPr id="190" name="Shape 190"/>
-          <p:cNvSpPr>
-            <a:spLocks noGrp="1"/>
-          </p:cNvSpPr>
+            <a:pPr/>
+          </a:p>
+        </p:txBody>
+      </p:sp>
+      <p:sp>
+        <p:nvSpPr>
+          <p:cNvPr id="200" name="Shape 200"/>
+          <p:cNvSpPr/>
           <p:nvPr>
             <p:ph type="body" sz="quarter" idx="1"/>
           </p:nvPr>
@@ -777,36 +801,33 @@
           <a:bodyPr/>
           <a:lstStyle/>
           <a:p>
-            <a:r>
-              <a:t>Model 是儲放資料的方式，對應之前 database 的 table 部分並包含存取 datebase 的 method。</a:t>
-            </a:r>
-          </a:p>
-          <a:p>
-            <a:r>
-              <a:t>View 負責資料的呈現，對應之前 GUI 的功能。</a:t>
-            </a:r>
-          </a:p>
-          <a:p>
-            <a:r>
-              <a:t>Control 負責接收 user 的反應，對 Model 的操作，對應之前 server 及不包含GUI部份的 client。</a:t>
-            </a:r>
-          </a:p>
-          <a:p>
-            <a:endParaRPr/>
-          </a:p>
-          <a:p>
-            <a:r>
-              <a:t>Change Notification會透過兩種方式傳遞</a:t>
-            </a:r>
-          </a:p>
-          <a:p>
-            <a:r>
-              <a:t>1.Ajax</a:t>
-            </a:r>
-          </a:p>
-          <a:p>
-            <a:r>
-              <a:t>2.html5的WebSocket</a:t>
+            <a:pPr/>
+            <a:r>
+              <a:t>1.載入Angular JS框架的JavaScript檔（透過CDN）</a:t>
+            </a:r>
+          </a:p>
+          <a:p>
+            <a:pPr/>
+            <a:r>
+              <a:t>2.利用ng-app指令定義哪一部分的html屬於AngularJS 可以操作的範圍</a:t>
+            </a:r>
+          </a:p>
+          <a:p>
+            <a:pPr/>
+            <a:r>
+              <a:t>3.利用ng-model指令定義model變數名稱</a:t>
+            </a:r>
+          </a:p>
+          <a:p>
+            <a:pPr/>
+            <a:r>
+              <a:t>4.利用ng-bind指令繫結(binding)model變數值</a:t>
+            </a:r>
+          </a:p>
+          <a:p>
+            <a:pPr/>
+            <a:r>
+              <a:t>也可以用兩個大括號取代ng-bind</a:t>
             </a:r>
           </a:p>
         </p:txBody>
@@ -820,7 +841,7 @@
 </file>
 
 <file path=ppt/notesSlides/notesSlide12.xml><?xml version="1.0" encoding="utf-8"?>
-<p:notes xmlns:a="http://schemas.openxmlformats.org/drawingml/2006/main" xmlns:r="http://schemas.openxmlformats.org/officeDocument/2006/relationships" xmlns:p="http://schemas.openxmlformats.org/presentationml/2006/main">
+<p:notes xmlns:a="http://schemas.openxmlformats.org/drawingml/2006/main" xmlns:r="http://schemas.openxmlformats.org/officeDocument/2006/relationships" xmlns:p="http://schemas.openxmlformats.org/presentationml/2006/main" showMasterSp="1" showMasterPhAnim="1">
   <p:cSld>
     <p:spTree>
       <p:nvGrpSpPr>
@@ -838,10 +859,8 @@
       </p:grpSpPr>
       <p:sp>
         <p:nvSpPr>
-          <p:cNvPr id="199" name="Shape 199"/>
-          <p:cNvSpPr>
-            <a:spLocks noGrp="1" noRot="1" noChangeAspect="1"/>
-          </p:cNvSpPr>
+          <p:cNvPr id="223" name="Shape 223"/>
+          <p:cNvSpPr/>
           <p:nvPr>
             <p:ph type="sldImg"/>
           </p:nvPr>
@@ -855,16 +874,14 @@
           <a:bodyPr/>
           <a:lstStyle/>
           <a:p>
-            <a:endParaRPr/>
-          </a:p>
-        </p:txBody>
-      </p:sp>
-      <p:sp>
-        <p:nvSpPr>
-          <p:cNvPr id="200" name="Shape 200"/>
-          <p:cNvSpPr>
-            <a:spLocks noGrp="1"/>
-          </p:cNvSpPr>
+            <a:pPr/>
+          </a:p>
+        </p:txBody>
+      </p:sp>
+      <p:sp>
+        <p:nvSpPr>
+          <p:cNvPr id="224" name="Shape 224"/>
+          <p:cNvSpPr/>
           <p:nvPr>
             <p:ph type="body" sz="quarter" idx="1"/>
           </p:nvPr>
@@ -878,28 +895,27 @@
           <a:bodyPr/>
           <a:lstStyle/>
           <a:p>
-            <a:r>
-              <a:t>1.載入Angular JS框架的JavaScript檔（透過CDN）</a:t>
-            </a:r>
-          </a:p>
-          <a:p>
-            <a:r>
-              <a:t>2.利用ng-app指令定義哪一部分的html屬於AngularJS 可以操作的範圍</a:t>
-            </a:r>
-          </a:p>
-          <a:p>
-            <a:r>
-              <a:t>3.利用ng-model指令定義model變數名稱</a:t>
-            </a:r>
-          </a:p>
-          <a:p>
-            <a:r>
-              <a:t>4.利用ng-bind指令繫結(binding)model變數值</a:t>
-            </a:r>
-          </a:p>
-          <a:p>
-            <a:r>
-              <a:t>也可以用兩個大括號取代ng-bind</a:t>
+            <a:pPr/>
+            <a:r>
+              <a:t>看上面的程式碼ng-app定義名稱，並且使用ng-controller指定給studentController</a:t>
+            </a:r>
+          </a:p>
+          <a:p>
+            <a:pPr/>
+            <a:r>
+              <a:t>下方的JS則為宣告controller的方式</a:t>
+            </a:r>
+          </a:p>
+          <a:p>
+            <a:pPr/>
+            <a:r>
+              <a:t>angular.module(‘mainApp’,[]);  &lt;&lt;&lt;矩陣可以放service實現服務依賴注入</a:t>
+            </a:r>
+          </a:p>
+          <a:p>
+            <a:pPr/>
+            <a:r>
+              <a:t>function傳入$scope做繫結使用，夾帶物件等資料</a:t>
             </a:r>
           </a:p>
         </p:txBody>
@@ -913,7 +929,7 @@
 </file>
 
 <file path=ppt/notesSlides/notesSlide13.xml><?xml version="1.0" encoding="utf-8"?>
-<p:notes xmlns:a="http://schemas.openxmlformats.org/drawingml/2006/main" xmlns:r="http://schemas.openxmlformats.org/officeDocument/2006/relationships" xmlns:p="http://schemas.openxmlformats.org/presentationml/2006/main">
+<p:notes xmlns:a="http://schemas.openxmlformats.org/drawingml/2006/main" xmlns:r="http://schemas.openxmlformats.org/officeDocument/2006/relationships" xmlns:p="http://schemas.openxmlformats.org/presentationml/2006/main" showMasterSp="1" showMasterPhAnim="1">
   <p:cSld>
     <p:spTree>
       <p:nvGrpSpPr>
@@ -931,10 +947,8 @@
       </p:grpSpPr>
       <p:sp>
         <p:nvSpPr>
-          <p:cNvPr id="223" name="Shape 223"/>
-          <p:cNvSpPr>
-            <a:spLocks noGrp="1" noRot="1" noChangeAspect="1"/>
-          </p:cNvSpPr>
+          <p:cNvPr id="228" name="Shape 228"/>
+          <p:cNvSpPr/>
           <p:nvPr>
             <p:ph type="sldImg"/>
           </p:nvPr>
@@ -948,16 +962,14 @@
           <a:bodyPr/>
           <a:lstStyle/>
           <a:p>
-            <a:endParaRPr/>
-          </a:p>
-        </p:txBody>
-      </p:sp>
-      <p:sp>
-        <p:nvSpPr>
-          <p:cNvPr id="224" name="Shape 224"/>
-          <p:cNvSpPr>
-            <a:spLocks noGrp="1"/>
-          </p:cNvSpPr>
+            <a:pPr/>
+          </a:p>
+        </p:txBody>
+      </p:sp>
+      <p:sp>
+        <p:nvSpPr>
+          <p:cNvPr id="229" name="Shape 229"/>
+          <p:cNvSpPr/>
           <p:nvPr>
             <p:ph type="body" sz="quarter" idx="1"/>
           </p:nvPr>
@@ -971,23 +983,57 @@
           <a:bodyPr/>
           <a:lstStyle/>
           <a:p>
-            <a:r>
-              <a:t>看上面的程式碼ng-app定義名稱，並且使用ng-controller指定給studentController</a:t>
-            </a:r>
-          </a:p>
-          <a:p>
-            <a:r>
-              <a:t>下方的JS則為宣告controller的方式</a:t>
-            </a:r>
-          </a:p>
-          <a:p>
-            <a:r>
-              <a:t>angular.module(‘mainApp’,[]);  &lt;&lt;&lt;矩陣可以放service實現服務依賴注入</a:t>
-            </a:r>
-          </a:p>
-          <a:p>
-            <a:r>
-              <a:t>function傳入$scope做繫結使用，夾帶物件等資料</a:t>
+            <a:pPr marL="197852" indent="-197852">
+              <a:buSzPct val="125000"/>
+              <a:buChar char="•"/>
+            </a:pPr>
+            <a:r>
+              <a:t>Filter可用來將原始資料轉換成另一種形式</a:t>
+            </a:r>
+          </a:p>
+          <a:p>
+            <a:pPr marL="197852" indent="-197852">
+              <a:buSzPct val="125000"/>
+              <a:buChar char="•"/>
+            </a:pPr>
+            <a:r>
+              <a:t>uppercase filter 轉大寫</a:t>
+            </a:r>
+          </a:p>
+          <a:p>
+            <a:pPr marL="197852" indent="-197852">
+              <a:buSzPct val="125000"/>
+              <a:buChar char="•"/>
+            </a:pPr>
+            <a:r>
+              <a:t>lowercase filter 轉小寫</a:t>
+            </a:r>
+          </a:p>
+          <a:p>
+            <a:pPr marL="197852" indent="-197852">
+              <a:buSzPct val="125000"/>
+              <a:buChar char="•"/>
+            </a:pPr>
+            <a:r>
+              <a:t>currency filter 幣別格式</a:t>
+            </a:r>
+          </a:p>
+          <a:p>
+            <a:pPr marL="197852" indent="-197852">
+              <a:buSzPct val="125000"/>
+              <a:buChar char="•"/>
+            </a:pPr>
+            <a:r>
+              <a:t>filter filter 篩選字</a:t>
+            </a:r>
+          </a:p>
+          <a:p>
+            <a:pPr marL="197852" indent="-197852">
+              <a:buSzPct val="125000"/>
+              <a:buChar char="•"/>
+            </a:pPr>
+            <a:r>
+              <a:t>orderby filter 排序</a:t>
             </a:r>
           </a:p>
         </p:txBody>
@@ -1001,7 +1047,7 @@
 </file>
 
 <file path=ppt/notesSlides/notesSlide14.xml><?xml version="1.0" encoding="utf-8"?>
-<p:notes xmlns:a="http://schemas.openxmlformats.org/drawingml/2006/main" xmlns:r="http://schemas.openxmlformats.org/officeDocument/2006/relationships" xmlns:p="http://schemas.openxmlformats.org/presentationml/2006/main">
+<p:notes xmlns:a="http://schemas.openxmlformats.org/drawingml/2006/main" xmlns:r="http://schemas.openxmlformats.org/officeDocument/2006/relationships" xmlns:p="http://schemas.openxmlformats.org/presentationml/2006/main" showMasterSp="1" showMasterPhAnim="1">
   <p:cSld>
     <p:spTree>
       <p:nvGrpSpPr>
@@ -1019,10 +1065,8 @@
       </p:grpSpPr>
       <p:sp>
         <p:nvSpPr>
-          <p:cNvPr id="228" name="Shape 228"/>
-          <p:cNvSpPr>
-            <a:spLocks noGrp="1" noRot="1" noChangeAspect="1"/>
-          </p:cNvSpPr>
+          <p:cNvPr id="247" name="Shape 247"/>
+          <p:cNvSpPr/>
           <p:nvPr>
             <p:ph type="sldImg"/>
           </p:nvPr>
@@ -1036,16 +1080,14 @@
           <a:bodyPr/>
           <a:lstStyle/>
           <a:p>
-            <a:endParaRPr/>
-          </a:p>
-        </p:txBody>
-      </p:sp>
-      <p:sp>
-        <p:nvSpPr>
-          <p:cNvPr id="229" name="Shape 229"/>
-          <p:cNvSpPr>
-            <a:spLocks noGrp="1"/>
-          </p:cNvSpPr>
+            <a:pPr/>
+          </a:p>
+        </p:txBody>
+      </p:sp>
+      <p:sp>
+        <p:nvSpPr>
+          <p:cNvPr id="248" name="Shape 248"/>
+          <p:cNvSpPr/>
           <p:nvPr>
             <p:ph type="body" sz="quarter" idx="1"/>
           </p:nvPr>
@@ -1059,57 +1101,78 @@
           <a:bodyPr/>
           <a:lstStyle/>
           <a:p>
-            <a:pPr marL="197852" indent="-197852">
-              <a:buSzPct val="125000"/>
-              <a:buChar char="•"/>
-            </a:pPr>
-            <a:r>
-              <a:t>Filter可用來將原始資料轉換成另一種形式</a:t>
-            </a:r>
-          </a:p>
-          <a:p>
-            <a:pPr marL="197852" indent="-197852">
-              <a:buSzPct val="125000"/>
-              <a:buChar char="•"/>
-            </a:pPr>
-            <a:r>
-              <a:t>uppercase filter 轉大寫</a:t>
-            </a:r>
-          </a:p>
-          <a:p>
-            <a:pPr marL="197852" indent="-197852">
-              <a:buSzPct val="125000"/>
-              <a:buChar char="•"/>
-            </a:pPr>
-            <a:r>
-              <a:t>lowercase filter 轉小寫</a:t>
-            </a:r>
-          </a:p>
-          <a:p>
-            <a:pPr marL="197852" indent="-197852">
-              <a:buSzPct val="125000"/>
-              <a:buChar char="•"/>
-            </a:pPr>
-            <a:r>
-              <a:t>currency filter 幣別格式</a:t>
-            </a:r>
-          </a:p>
-          <a:p>
-            <a:pPr marL="197852" indent="-197852">
-              <a:buSzPct val="125000"/>
-              <a:buChar char="•"/>
-            </a:pPr>
-            <a:r>
-              <a:t>filter filter 篩選字</a:t>
-            </a:r>
-          </a:p>
-          <a:p>
-            <a:pPr marL="197852" indent="-197852">
-              <a:buSzPct val="125000"/>
-              <a:buChar char="•"/>
-            </a:pPr>
-            <a:r>
-              <a:t>orderby filter 排序</a:t>
+            <a:pPr/>
+            <a:r>
+              <a:t>ng-click	單擊</a:t>
+            </a:r>
+          </a:p>
+          <a:p>
+            <a:pPr/>
+            <a:r>
+              <a:t>ng-dblclick	雙擊</a:t>
+            </a:r>
+          </a:p>
+          <a:p>
+            <a:pPr/>
+            <a:r>
+              <a:t>ng-mousedown	按下按鈕（與click作用不同，click一定要按下放開才有作用，但mousedown不用）</a:t>
+            </a:r>
+          </a:p>
+          <a:p>
+            <a:pPr/>
+            <a:r>
+              <a:t>ng-mouseup	鬆開滑鼠按鈕</a:t>
+            </a:r>
+          </a:p>
+          <a:p>
+            <a:pPr/>
+            <a:r>
+              <a:t>ng-mouseenter	滑鼠穿過某個元素、區塊上時觸發</a:t>
+            </a:r>
+          </a:p>
+          <a:p>
+            <a:pPr/>
+            <a:r>
+              <a:t>ng-mouseleave	滑鼠離開某個元素、區塊時觸發</a:t>
+            </a:r>
+          </a:p>
+          <a:p>
+            <a:pPr/>
+          </a:p>
+          <a:p>
+            <a:pPr/>
+            <a:r>
+              <a:t>ng-mousemove 	滑鼠在某個元素中的位置</a:t>
+            </a:r>
+          </a:p>
+          <a:p>
+            <a:pPr/>
+            <a:r>
+              <a:t>ng-mouseover</a:t>
+            </a:r>
+          </a:p>
+          <a:p>
+            <a:pPr/>
+            <a:r>
+              <a:t>ng-keydown</a:t>
+            </a:r>
+          </a:p>
+          <a:p>
+            <a:pPr/>
+            <a:r>
+              <a:t>ng-keyup</a:t>
+            </a:r>
+          </a:p>
+          <a:p>
+            <a:pPr/>
+            <a:r>
+              <a:t>ng-keypress</a:t>
+            </a:r>
+          </a:p>
+          <a:p>
+            <a:pPr/>
+            <a:r>
+              <a:t>ng-change</a:t>
             </a:r>
           </a:p>
         </p:txBody>
@@ -1123,7 +1186,7 @@
 </file>
 
 <file path=ppt/notesSlides/notesSlide15.xml><?xml version="1.0" encoding="utf-8"?>
-<p:notes xmlns:a="http://schemas.openxmlformats.org/drawingml/2006/main" xmlns:r="http://schemas.openxmlformats.org/officeDocument/2006/relationships" xmlns:p="http://schemas.openxmlformats.org/presentationml/2006/main">
+<p:notes xmlns:a="http://schemas.openxmlformats.org/drawingml/2006/main" xmlns:r="http://schemas.openxmlformats.org/officeDocument/2006/relationships" xmlns:p="http://schemas.openxmlformats.org/presentationml/2006/main" showMasterSp="1" showMasterPhAnim="1">
   <p:cSld>
     <p:spTree>
       <p:nvGrpSpPr>
@@ -1141,10 +1204,8 @@
       </p:grpSpPr>
       <p:sp>
         <p:nvSpPr>
-          <p:cNvPr id="247" name="Shape 247"/>
-          <p:cNvSpPr>
-            <a:spLocks noGrp="1" noRot="1" noChangeAspect="1"/>
-          </p:cNvSpPr>
+          <p:cNvPr id="252" name="Shape 252"/>
+          <p:cNvSpPr/>
           <p:nvPr>
             <p:ph type="sldImg"/>
           </p:nvPr>
@@ -1158,16 +1219,14 @@
           <a:bodyPr/>
           <a:lstStyle/>
           <a:p>
-            <a:endParaRPr/>
-          </a:p>
-        </p:txBody>
-      </p:sp>
-      <p:sp>
-        <p:nvSpPr>
-          <p:cNvPr id="248" name="Shape 248"/>
-          <p:cNvSpPr>
-            <a:spLocks noGrp="1"/>
-          </p:cNvSpPr>
+            <a:pPr/>
+          </a:p>
+        </p:txBody>
+      </p:sp>
+      <p:sp>
+        <p:nvSpPr>
+          <p:cNvPr id="253" name="Shape 253"/>
+          <p:cNvSpPr/>
           <p:nvPr>
             <p:ph type="body" sz="quarter" idx="1"/>
           </p:nvPr>
@@ -1181,66 +1240,21 @@
           <a:bodyPr/>
           <a:lstStyle/>
           <a:p>
-            <a:r>
-              <a:t>ng-click	單擊</a:t>
-            </a:r>
-          </a:p>
-          <a:p>
-            <a:r>
-              <a:t>ng-dblclick	雙擊</a:t>
-            </a:r>
-          </a:p>
-          <a:p>
-            <a:r>
-              <a:t>ng-mousedown	按下按鈕（與click作用不同，click一定要按下放開才有作用，但mousedown不用）</a:t>
-            </a:r>
-          </a:p>
-          <a:p>
-            <a:r>
-              <a:t>ng-mouseup	鬆開滑鼠按鈕</a:t>
-            </a:r>
-          </a:p>
-          <a:p>
-            <a:r>
-              <a:t>ng-mouseenter	滑鼠穿過某個元素、區塊上時觸發</a:t>
-            </a:r>
-          </a:p>
-          <a:p>
-            <a:r>
-              <a:t>ng-mouseleave	滑鼠離開某個元素、區塊時觸發</a:t>
-            </a:r>
-          </a:p>
-          <a:p>
-            <a:endParaRPr/>
-          </a:p>
-          <a:p>
-            <a:r>
-              <a:t>ng-mousemove 	滑鼠在某個元素中的位置</a:t>
-            </a:r>
-          </a:p>
-          <a:p>
-            <a:r>
-              <a:t>ng-mouseover</a:t>
-            </a:r>
-          </a:p>
-          <a:p>
-            <a:r>
-              <a:t>ng-keydown</a:t>
-            </a:r>
-          </a:p>
-          <a:p>
-            <a:r>
-              <a:t>ng-keyup</a:t>
-            </a:r>
-          </a:p>
-          <a:p>
-            <a:r>
-              <a:t>ng-keypress</a:t>
-            </a:r>
-          </a:p>
-          <a:p>
-            <a:r>
-              <a:t>ng-change</a:t>
+            <a:pPr/>
+            <a:r>
+              <a:t>$dirty	被異動過，若該欄位之前曾經輸入過值就會返回 true 反之則是 false</a:t>
+            </a:r>
+          </a:p>
+          <a:p>
+            <a:pPr/>
+            <a:r>
+              <a:t>$invalid	不正確的，若該欄位沒有通過驗證的話就會返回 true 反之 false</a:t>
+            </a:r>
+          </a:p>
+          <a:p>
+            <a:pPr/>
+            <a:r>
+              <a:t>$error 物件顧名思義就是一個有關錯誤的物件，把抓取到的 $error 物件呈現出來看就會長這樣</a:t>
             </a:r>
           </a:p>
         </p:txBody>
@@ -1254,7 +1268,7 @@
 </file>
 
 <file path=ppt/notesSlides/notesSlide16.xml><?xml version="1.0" encoding="utf-8"?>
-<p:notes xmlns:a="http://schemas.openxmlformats.org/drawingml/2006/main" xmlns:r="http://schemas.openxmlformats.org/officeDocument/2006/relationships" xmlns:p="http://schemas.openxmlformats.org/presentationml/2006/main">
+<p:notes xmlns:a="http://schemas.openxmlformats.org/drawingml/2006/main" xmlns:r="http://schemas.openxmlformats.org/officeDocument/2006/relationships" xmlns:p="http://schemas.openxmlformats.org/presentationml/2006/main" showMasterSp="1" showMasterPhAnim="1">
   <p:cSld>
     <p:spTree>
       <p:nvGrpSpPr>
@@ -1272,10 +1286,8 @@
       </p:grpSpPr>
       <p:sp>
         <p:nvSpPr>
-          <p:cNvPr id="252" name="Shape 252"/>
-          <p:cNvSpPr>
-            <a:spLocks noGrp="1" noRot="1" noChangeAspect="1"/>
-          </p:cNvSpPr>
+          <p:cNvPr id="276" name="Shape 276"/>
+          <p:cNvSpPr/>
           <p:nvPr>
             <p:ph type="sldImg"/>
           </p:nvPr>
@@ -1289,16 +1301,14 @@
           <a:bodyPr/>
           <a:lstStyle/>
           <a:p>
-            <a:endParaRPr/>
-          </a:p>
-        </p:txBody>
-      </p:sp>
-      <p:sp>
-        <p:nvSpPr>
-          <p:cNvPr id="253" name="Shape 253"/>
-          <p:cNvSpPr>
-            <a:spLocks noGrp="1"/>
-          </p:cNvSpPr>
+            <a:pPr/>
+          </a:p>
+        </p:txBody>
+      </p:sp>
+      <p:sp>
+        <p:nvSpPr>
+          <p:cNvPr id="277" name="Shape 277"/>
+          <p:cNvSpPr/>
           <p:nvPr>
             <p:ph type="body" sz="quarter" idx="1"/>
           </p:nvPr>
@@ -1312,19 +1322,16 @@
           <a:bodyPr/>
           <a:lstStyle/>
           <a:p>
-            <a:r>
-              <a:t>$dirty	被異動過，若該欄位之前曾經輸入過值就會返回 true 反之則是 false</a:t>
-            </a:r>
-          </a:p>
-          <a:p>
-            <a:r>
-              <a:t>$invalid	不正確的，若該欄位沒有通過驗證的話就會返回 true 反之 false</a:t>
-            </a:r>
-          </a:p>
-          <a:p>
-            <a:r>
-              <a:t>$error 物件顧名思義就是一個有關錯誤的物件，把抓取到的 $error 物件呈現出來看就會長這樣</a:t>
-            </a:r>
+            <a:pPr/>
+            <a:r>
+              <a:rPr u="sng">
+                <a:hlinkClick r:id="rId3" invalidUrl="" action="" tgtFrame="" tooltip="" history="1" highlightClick="0" endSnd="0"/>
+              </a:rPr>
+              <a:t>https://code.angularjs.org/1.5.8/docs/api/ng/function/angular.module</a:t>
+            </a:r>
+          </a:p>
+          <a:p>
+            <a:pPr/>
           </a:p>
         </p:txBody>
       </p:sp>
@@ -1337,7 +1344,7 @@
 </file>
 
 <file path=ppt/notesSlides/notesSlide17.xml><?xml version="1.0" encoding="utf-8"?>
-<p:notes xmlns:a="http://schemas.openxmlformats.org/drawingml/2006/main" xmlns:r="http://schemas.openxmlformats.org/officeDocument/2006/relationships" xmlns:p="http://schemas.openxmlformats.org/presentationml/2006/main">
+<p:notes xmlns:a="http://schemas.openxmlformats.org/drawingml/2006/main" xmlns:r="http://schemas.openxmlformats.org/officeDocument/2006/relationships" xmlns:p="http://schemas.openxmlformats.org/presentationml/2006/main" showMasterSp="1" showMasterPhAnim="1">
   <p:cSld>
     <p:spTree>
       <p:nvGrpSpPr>
@@ -1355,10 +1362,8 @@
       </p:grpSpPr>
       <p:sp>
         <p:nvSpPr>
-          <p:cNvPr id="275" name="Shape 275"/>
-          <p:cNvSpPr>
-            <a:spLocks noGrp="1" noRot="1" noChangeAspect="1"/>
-          </p:cNvSpPr>
+          <p:cNvPr id="304" name="Shape 304"/>
+          <p:cNvSpPr/>
           <p:nvPr>
             <p:ph type="sldImg"/>
           </p:nvPr>
@@ -1372,16 +1377,14 @@
           <a:bodyPr/>
           <a:lstStyle/>
           <a:p>
-            <a:endParaRPr/>
-          </a:p>
-        </p:txBody>
-      </p:sp>
-      <p:sp>
-        <p:nvSpPr>
-          <p:cNvPr id="276" name="Shape 276"/>
-          <p:cNvSpPr>
-            <a:spLocks noGrp="1"/>
-          </p:cNvSpPr>
+            <a:pPr/>
+          </a:p>
+        </p:txBody>
+      </p:sp>
+      <p:sp>
+        <p:nvSpPr>
+          <p:cNvPr id="305" name="Shape 305"/>
+          <p:cNvSpPr/>
           <p:nvPr>
             <p:ph type="body" sz="quarter" idx="1"/>
           </p:nvPr>
@@ -1395,17 +1398,10 @@
           <a:bodyPr/>
           <a:lstStyle/>
           <a:p>
-            <a:r>
-              <a:rPr u="sng">
-                <a:hlinkClick r:id="rId3"/>
-              </a:rPr>
-              <a:t>https://code.angularjs.org/1.5.8/docs/api/ng/function/angular.module</a:t>
-            </a:r>
-          </a:p>
-          <a:p>
-            <a:endParaRPr u="sng">
-              <a:hlinkClick r:id="rId3"/>
-            </a:endParaRPr>
+            <a:pPr/>
+            <a:r>
+              <a:t>MyGithub: https://github.com/c85645/AngularLab</a:t>
+            </a:r>
           </a:p>
         </p:txBody>
       </p:sp>
@@ -1417,8 +1413,8 @@
 </p:notes>
 </file>
 
-<file path=ppt/notesSlides/notesSlide18.xml><?xml version="1.0" encoding="utf-8"?>
-<p:notes xmlns:a="http://schemas.openxmlformats.org/drawingml/2006/main" xmlns:r="http://schemas.openxmlformats.org/officeDocument/2006/relationships" xmlns:p="http://schemas.openxmlformats.org/presentationml/2006/main">
+<file path=ppt/notesSlides/notesSlide2.xml><?xml version="1.0" encoding="utf-8"?>
+<p:notes xmlns:a="http://schemas.openxmlformats.org/drawingml/2006/main" xmlns:r="http://schemas.openxmlformats.org/officeDocument/2006/relationships" xmlns:p="http://schemas.openxmlformats.org/presentationml/2006/main" showMasterSp="1" showMasterPhAnim="1">
   <p:cSld>
     <p:spTree>
       <p:nvGrpSpPr>
@@ -1436,65 +1432,89 @@
       </p:grpSpPr>
       <p:sp>
         <p:nvSpPr>
-          <p:cNvPr id="2" name="投影片影像版面配置區 1"/>
-          <p:cNvSpPr>
-            <a:spLocks noGrp="1" noRot="1" noChangeAspect="1"/>
-          </p:cNvSpPr>
+          <p:cNvPr id="129" name="Shape 129"/>
+          <p:cNvSpPr/>
           <p:nvPr>
             <p:ph type="sldImg"/>
           </p:nvPr>
         </p:nvSpPr>
-        <p:spPr/>
-      </p:sp>
-      <p:sp>
-        <p:nvSpPr>
-          <p:cNvPr id="3" name="備忘稿版面配置區 2"/>
-          <p:cNvSpPr>
-            <a:spLocks noGrp="1"/>
-          </p:cNvSpPr>
-          <p:nvPr>
-            <p:ph type="body" idx="1"/>
-          </p:nvPr>
-        </p:nvSpPr>
-        <p:spPr/>
+        <p:spPr>
+          <a:prstGeom prst="rect">
+            <a:avLst/>
+          </a:prstGeom>
+        </p:spPr>
         <p:txBody>
           <a:bodyPr/>
           <a:lstStyle/>
           <a:p>
-            <a:r>
-              <a:rPr kumimoji="1" lang="en-US" altLang="zh-TW" dirty="0"/>
-              <a:t>My </a:t>
-            </a:r>
-            <a:r>
-              <a:rPr kumimoji="1" lang="en-US" altLang="zh-TW" dirty="0" err="1"/>
-              <a:t>github:https</a:t>
-            </a:r>
-            <a:r>
-              <a:rPr kumimoji="1" lang="en-US" altLang="zh-TW" dirty="0"/>
-              <a:t>://</a:t>
-            </a:r>
-            <a:r>
-              <a:rPr kumimoji="1" lang="en-US" altLang="zh-TW" dirty="0" err="1"/>
-              <a:t>github.com</a:t>
-            </a:r>
-            <a:r>
-              <a:rPr kumimoji="1" lang="en-US" altLang="zh-TW" dirty="0"/>
-              <a:t>/c85645/</a:t>
-            </a:r>
-            <a:r>
-              <a:rPr kumimoji="1" lang="en-US" altLang="zh-TW"/>
-              <a:t>AngularLab</a:t>
-            </a:r>
-            <a:endParaRPr kumimoji="1" lang="zh-TW" altLang="en-US" dirty="0"/>
+            <a:pPr/>
+          </a:p>
+        </p:txBody>
+      </p:sp>
+      <p:sp>
+        <p:nvSpPr>
+          <p:cNvPr id="130" name="Shape 130"/>
+          <p:cNvSpPr/>
+          <p:nvPr>
+            <p:ph type="body" sz="quarter" idx="1"/>
+          </p:nvPr>
+        </p:nvSpPr>
+        <p:spPr>
+          <a:prstGeom prst="rect">
+            <a:avLst/>
+          </a:prstGeom>
+        </p:spPr>
+        <p:txBody>
+          <a:bodyPr/>
+          <a:lstStyle/>
+          <a:p>
+            <a:pPr marL="272047" indent="-272047">
+              <a:buSzPct val="125000"/>
+              <a:buChar char="•"/>
+            </a:pPr>
+            <a:r>
+              <a:t>後來適逢DoubleClick被Google收購，AngularJS被用來改寫其部分的商業邏輯，由於開發效率高到令人稱奇，至此AngularJS在Google公司內部一戰成名</a:t>
+            </a:r>
+          </a:p>
+          <a:p>
+            <a:pPr marL="272047" indent="-272047">
+              <a:buSzPct val="125000"/>
+              <a:buChar char="•"/>
+            </a:pPr>
+            <a:r>
+              <a:t>2012年6月，在前後經歷12個rc版本後，Google正式對外釋出AngularJS 1.0版本。</a:t>
+            </a:r>
+          </a:p>
+          <a:p>
+            <a:pPr marL="272047" indent="-272047">
+              <a:buSzPct val="125000"/>
+              <a:buChar char="•"/>
+            </a:pPr>
+            <a:r>
+              <a:t>AngularJS 1.0版本釋出後，AngularJS團隊在接下來的幾個月內採用1.1和1.2並行開發的方式，其中1.1開發新功能特性，並引入不相容的改造，待穩定性與相容性沒問題後才合併到1.2版。</a:t>
+            </a:r>
+          </a:p>
+          <a:p>
+            <a:pPr marL="272047" indent="-272047">
+              <a:buSzPct val="125000"/>
+              <a:buChar char="•"/>
+            </a:pPr>
+            <a:r>
+              <a:t>由於微軟停止對WindowsXP的支援，2014年10月發佈的AngularJS 1.3版宣布不再支援IE8。</a:t>
+            </a:r>
+          </a:p>
+          <a:p>
+            <a:pPr marL="272047" indent="-272047">
+              <a:buSzPct val="125000"/>
+              <a:buChar char="•"/>
+            </a:pPr>
+            <a:r>
+              <a:t>目前官方的最新版本是AngularJS 1.6.7</a:t>
+            </a:r>
           </a:p>
         </p:txBody>
       </p:sp>
     </p:spTree>
-    <p:extLst>
-      <p:ext uri="{BB962C8B-B14F-4D97-AF65-F5344CB8AC3E}">
-        <p14:creationId xmlns:p14="http://schemas.microsoft.com/office/powerpoint/2010/main" val="3409692278"/>
-      </p:ext>
-    </p:extLst>
   </p:cSld>
   <p:clrMapOvr>
     <a:masterClrMapping/>
@@ -1502,8 +1522,8 @@
 </p:notes>
 </file>
 
-<file path=ppt/notesSlides/notesSlide2.xml><?xml version="1.0" encoding="utf-8"?>
-<p:notes xmlns:a="http://schemas.openxmlformats.org/drawingml/2006/main" xmlns:r="http://schemas.openxmlformats.org/officeDocument/2006/relationships" xmlns:p="http://schemas.openxmlformats.org/presentationml/2006/main">
+<file path=ppt/notesSlides/notesSlide3.xml><?xml version="1.0" encoding="utf-8"?>
+<p:notes xmlns:a="http://schemas.openxmlformats.org/drawingml/2006/main" xmlns:r="http://schemas.openxmlformats.org/officeDocument/2006/relationships" xmlns:p="http://schemas.openxmlformats.org/presentationml/2006/main" showMasterSp="1" showMasterPhAnim="1">
   <p:cSld>
     <p:spTree>
       <p:nvGrpSpPr>
@@ -1521,10 +1541,8 @@
       </p:grpSpPr>
       <p:sp>
         <p:nvSpPr>
-          <p:cNvPr id="124" name="Shape 124"/>
-          <p:cNvSpPr>
-            <a:spLocks noGrp="1" noRot="1" noChangeAspect="1"/>
-          </p:cNvSpPr>
+          <p:cNvPr id="134" name="Shape 134"/>
+          <p:cNvSpPr/>
           <p:nvPr>
             <p:ph type="sldImg"/>
           </p:nvPr>
@@ -1538,16 +1556,14 @@
           <a:bodyPr/>
           <a:lstStyle/>
           <a:p>
-            <a:endParaRPr/>
-          </a:p>
-        </p:txBody>
-      </p:sp>
-      <p:sp>
-        <p:nvSpPr>
-          <p:cNvPr id="125" name="Shape 125"/>
-          <p:cNvSpPr>
-            <a:spLocks noGrp="1"/>
-          </p:cNvSpPr>
+            <a:pPr/>
+          </a:p>
+        </p:txBody>
+      </p:sp>
+      <p:sp>
+        <p:nvSpPr>
+          <p:cNvPr id="135" name="Shape 135"/>
+          <p:cNvSpPr/>
           <p:nvPr>
             <p:ph type="body" sz="quarter" idx="1"/>
           </p:nvPr>
@@ -1566,7 +1582,7 @@
               <a:buChar char="•"/>
             </a:pPr>
             <a:r>
-              <a:t>2009年，兩位Google工程師Misko Hevery和Adam Abrons撰寫一個名為GetAngular設計開發工具，用於Web設計師和前後端工程師溝通</a:t>
+              <a:t>2014年3月，官網預告正在打造全新的Angular 2架構。</a:t>
             </a:r>
           </a:p>
           <a:p>
@@ -1575,7 +1591,7 @@
               <a:buChar char="•"/>
             </a:pPr>
             <a:r>
-              <a:t>Misko Hevery接手Google Feedback專案開發，歷時6個月將近一萬七千多行的程式碼，開發維護舉步維艱。</a:t>
+              <a:t>屏棄Angular JS 1.x的歷史包袱，全新的Anguler 2改以元件(Component)/服務(Service)的架構，取代Angular JS 1.x版MVVM(or MVC)的架構，並從框架(Framework)躍升為平台(platform)等級。</a:t>
             </a:r>
           </a:p>
           <a:p>
@@ -1584,7 +1600,7 @@
               <a:buChar char="•"/>
             </a:pPr>
             <a:r>
-              <a:t>Misko跟專案經理Brad Green打賭，用GetAngular只需花兩個禮拜的時間就可以改寫既有的Feedback專案。</a:t>
+              <a:t>2014年9月在ng-Europe大會上，Angular 2首度公開亮相。由於架構跟Angular JS有著天南地北的差異，初期在Angular JS 1.x開發的社群中引起不小的爭議。</a:t>
             </a:r>
           </a:p>
           <a:p>
@@ -1593,7 +1609,7 @@
               <a:buChar char="•"/>
             </a:pPr>
             <a:r>
-              <a:t>最後Misko雖然賭輸，但也僅僅花了三個禮拜的時間，就成功將原有的一萬七千多行程式碼精簡到一千五百行。</a:t>
+              <a:t>2016年9月，在Google HQ的見面會上，官方正式發佈了Angular 2版本。</a:t>
             </a:r>
           </a:p>
           <a:p>
@@ -1602,7 +1618,13 @@
               <a:buChar char="•"/>
             </a:pPr>
             <a:r>
-              <a:t>Brad Green十分驚豔並看好GetAngular的表現，於是將它改名為AngularJS，並在Google內組了團隊專職開發與維護。</a:t>
+              <a:t>AtScript原先被Angular團隊評選為Angular2主要的建構語言，AtScript被設計運行在TypeScript之上，同時從Dart引進一些有用的新特性。</a:t>
+            </a:r>
+          </a:p>
+          <a:p>
+            <a:pPr/>
+            <a:r>
+              <a:t>PS.Dart為Google的自創語言</a:t>
             </a:r>
           </a:p>
         </p:txBody>
@@ -1615,8 +1637,8 @@
 </p:notes>
 </file>
 
-<file path=ppt/notesSlides/notesSlide3.xml><?xml version="1.0" encoding="utf-8"?>
-<p:notes xmlns:a="http://schemas.openxmlformats.org/drawingml/2006/main" xmlns:r="http://schemas.openxmlformats.org/officeDocument/2006/relationships" xmlns:p="http://schemas.openxmlformats.org/presentationml/2006/main">
+<file path=ppt/notesSlides/notesSlide4.xml><?xml version="1.0" encoding="utf-8"?>
+<p:notes xmlns:a="http://schemas.openxmlformats.org/drawingml/2006/main" xmlns:r="http://schemas.openxmlformats.org/officeDocument/2006/relationships" xmlns:p="http://schemas.openxmlformats.org/presentationml/2006/main" showMasterSp="1" showMasterPhAnim="1">
   <p:cSld>
     <p:spTree>
       <p:nvGrpSpPr>
@@ -1634,10 +1656,8 @@
       </p:grpSpPr>
       <p:sp>
         <p:nvSpPr>
-          <p:cNvPr id="129" name="Shape 129"/>
-          <p:cNvSpPr>
-            <a:spLocks noGrp="1" noRot="1" noChangeAspect="1"/>
-          </p:cNvSpPr>
+          <p:cNvPr id="139" name="Shape 139"/>
+          <p:cNvSpPr/>
           <p:nvPr>
             <p:ph type="sldImg"/>
           </p:nvPr>
@@ -1651,16 +1671,14 @@
           <a:bodyPr/>
           <a:lstStyle/>
           <a:p>
-            <a:endParaRPr/>
-          </a:p>
-        </p:txBody>
-      </p:sp>
-      <p:sp>
-        <p:nvSpPr>
-          <p:cNvPr id="130" name="Shape 130"/>
-          <p:cNvSpPr>
-            <a:spLocks noGrp="1"/>
-          </p:cNvSpPr>
+            <a:pPr/>
+          </a:p>
+        </p:txBody>
+      </p:sp>
+      <p:sp>
+        <p:nvSpPr>
+          <p:cNvPr id="140" name="Shape 140"/>
+          <p:cNvSpPr/>
           <p:nvPr>
             <p:ph type="body" sz="quarter" idx="1"/>
           </p:nvPr>
@@ -1679,7 +1697,7 @@
               <a:buChar char="•"/>
             </a:pPr>
             <a:r>
-              <a:t>後來適逢DoubleClick被Google收購，AngularJS被用來改寫其部分的商業邏輯，由於開發效率高到令人稱奇，至此AngularJS在Google公司內部一戰成名</a:t>
+              <a:t>2015年3月在鹽埕湖會議上，微軟的TypeScript和Google的Angular開發團隊共同宣布會把AtScript中不少新的功能特性加入TypeScript 1.5版中，同時Angular將放棄AtScript改使用TypeScript作為首選的開發語言。</a:t>
             </a:r>
           </a:p>
           <a:p>
@@ -1688,7 +1706,7 @@
               <a:buChar char="•"/>
             </a:pPr>
             <a:r>
-              <a:t>2012年6月，在前後經歷12個rc版本後，Google正式對外釋出AngularJS 1.0版本。</a:t>
+              <a:t>2016年12月，為了避免套件版本衝突的問題，Anguler 2跳過Angular 3直接升級到Angular 4。</a:t>
             </a:r>
           </a:p>
           <a:p>
@@ -1697,7 +1715,7 @@
               <a:buChar char="•"/>
             </a:pPr>
             <a:r>
-              <a:t>AngularJS 1.0版本釋出後，AngularJS團隊在接下來的幾個月內採用1.1和1.2並行開發的方式，其中1.1開發新功能特性，並引入不相容的改造，待穩定性與相容性沒問題後才合併到1.2版。</a:t>
+              <a:t>Angular 4版本在2017年3月正式推出，並且向下相容Angular 2。</a:t>
             </a:r>
           </a:p>
           <a:p>
@@ -1706,16 +1724,7 @@
               <a:buChar char="•"/>
             </a:pPr>
             <a:r>
-              <a:t>由於微軟停止對WindowsXP的支援，2014年10月發佈的AngularJS 1.3版宣布不再支援IE8。</a:t>
-            </a:r>
-          </a:p>
-          <a:p>
-            <a:pPr marL="272047" indent="-272047">
-              <a:buSzPct val="125000"/>
-              <a:buChar char="•"/>
-            </a:pPr>
-            <a:r>
-              <a:t>目前官方的最新版本是AngularJS 1.6.7</a:t>
+              <a:t>2017年11月正式釋出Angular 5，未來預計2018年4月釋出Angular 6，2018年10月釋出Angular 7，Google承諾每年會有兩個版本的升級計畫。</a:t>
             </a:r>
           </a:p>
         </p:txBody>
@@ -1728,8 +1737,8 @@
 </p:notes>
 </file>
 
-<file path=ppt/notesSlides/notesSlide4.xml><?xml version="1.0" encoding="utf-8"?>
-<p:notes xmlns:a="http://schemas.openxmlformats.org/drawingml/2006/main" xmlns:r="http://schemas.openxmlformats.org/officeDocument/2006/relationships" xmlns:p="http://schemas.openxmlformats.org/presentationml/2006/main">
+<file path=ppt/notesSlides/notesSlide5.xml><?xml version="1.0" encoding="utf-8"?>
+<p:notes xmlns:a="http://schemas.openxmlformats.org/drawingml/2006/main" xmlns:r="http://schemas.openxmlformats.org/officeDocument/2006/relationships" xmlns:p="http://schemas.openxmlformats.org/presentationml/2006/main" showMasterSp="1" showMasterPhAnim="1">
   <p:cSld>
     <p:spTree>
       <p:nvGrpSpPr>
@@ -1747,10 +1756,8 @@
       </p:grpSpPr>
       <p:sp>
         <p:nvSpPr>
-          <p:cNvPr id="134" name="Shape 134"/>
-          <p:cNvSpPr>
-            <a:spLocks noGrp="1" noRot="1" noChangeAspect="1"/>
-          </p:cNvSpPr>
+          <p:cNvPr id="146" name="Shape 146"/>
+          <p:cNvSpPr/>
           <p:nvPr>
             <p:ph type="sldImg"/>
           </p:nvPr>
@@ -1764,16 +1771,14 @@
           <a:bodyPr/>
           <a:lstStyle/>
           <a:p>
-            <a:endParaRPr/>
-          </a:p>
-        </p:txBody>
-      </p:sp>
-      <p:sp>
-        <p:nvSpPr>
-          <p:cNvPr id="135" name="Shape 135"/>
-          <p:cNvSpPr>
-            <a:spLocks noGrp="1"/>
-          </p:cNvSpPr>
+            <a:pPr/>
+          </a:p>
+        </p:txBody>
+      </p:sp>
+      <p:sp>
+        <p:nvSpPr>
+          <p:cNvPr id="147" name="Shape 147"/>
+          <p:cNvSpPr/>
           <p:nvPr>
             <p:ph type="body" sz="quarter" idx="1"/>
           </p:nvPr>
@@ -1787,53 +1792,9 @@
           <a:bodyPr/>
           <a:lstStyle/>
           <a:p>
-            <a:pPr marL="272047" indent="-272047">
-              <a:buSzPct val="125000"/>
-              <a:buChar char="•"/>
-            </a:pPr>
-            <a:r>
-              <a:t>2014年3月，官網預告正在打造全新的Angular 2架構。</a:t>
-            </a:r>
-          </a:p>
-          <a:p>
-            <a:pPr marL="272047" indent="-272047">
-              <a:buSzPct val="125000"/>
-              <a:buChar char="•"/>
-            </a:pPr>
-            <a:r>
-              <a:t>屏棄Angular JS 1.x的歷史包袱，全新的Anguler 2改以元件(Component)/服務(Service)的架構，取代Angular JS 1.x版MVVM(or MVC)的架構，並從框架(Framework)躍升為平台(platform)等級。</a:t>
-            </a:r>
-          </a:p>
-          <a:p>
-            <a:pPr marL="272047" indent="-272047">
-              <a:buSzPct val="125000"/>
-              <a:buChar char="•"/>
-            </a:pPr>
-            <a:r>
-              <a:t>2014年9月在ng-Europe大會上，Angular 2首度公開亮相。由於架構跟Angular JS有著天南地北的差異，初期在Angular JS 1.x開發的社群中引起不小的爭議。</a:t>
-            </a:r>
-          </a:p>
-          <a:p>
-            <a:pPr marL="272047" indent="-272047">
-              <a:buSzPct val="125000"/>
-              <a:buChar char="•"/>
-            </a:pPr>
-            <a:r>
-              <a:t>2016年9月，在Google HQ的見面會上，官方正式發佈了Angular 2版本。</a:t>
-            </a:r>
-          </a:p>
-          <a:p>
-            <a:pPr marL="272047" indent="-272047">
-              <a:buSzPct val="125000"/>
-              <a:buChar char="•"/>
-            </a:pPr>
-            <a:r>
-              <a:t>AtScript原先被Angular團隊評選為Angular2主要的建構語言，AtScript被設計運行在TypeScript之上，同時從Dart引進一些有用的新特性。</a:t>
-            </a:r>
-          </a:p>
-          <a:p>
-            <a:r>
-              <a:t>PS.Dart為Google的自創語言</a:t>
+            <a:pPr/>
+            <a:r>
+              <a:t>$scope &gt; 資料交換的管道，Angular JS 1.x版都是使用這個變數，但在Angular 2之後就不會使用該變數。</a:t>
             </a:r>
           </a:p>
         </p:txBody>
@@ -1846,8 +1807,8 @@
 </p:notes>
 </file>
 
-<file path=ppt/notesSlides/notesSlide5.xml><?xml version="1.0" encoding="utf-8"?>
-<p:notes xmlns:a="http://schemas.openxmlformats.org/drawingml/2006/main" xmlns:r="http://schemas.openxmlformats.org/officeDocument/2006/relationships" xmlns:p="http://schemas.openxmlformats.org/presentationml/2006/main">
+<file path=ppt/notesSlides/notesSlide6.xml><?xml version="1.0" encoding="utf-8"?>
+<p:notes xmlns:a="http://schemas.openxmlformats.org/drawingml/2006/main" xmlns:r="http://schemas.openxmlformats.org/officeDocument/2006/relationships" xmlns:p="http://schemas.openxmlformats.org/presentationml/2006/main" showMasterSp="1" showMasterPhAnim="1">
   <p:cSld>
     <p:spTree>
       <p:nvGrpSpPr>
@@ -1865,10 +1826,8 @@
       </p:grpSpPr>
       <p:sp>
         <p:nvSpPr>
-          <p:cNvPr id="139" name="Shape 139"/>
-          <p:cNvSpPr>
-            <a:spLocks noGrp="1" noRot="1" noChangeAspect="1"/>
-          </p:cNvSpPr>
+          <p:cNvPr id="151" name="Shape 151"/>
+          <p:cNvSpPr/>
           <p:nvPr>
             <p:ph type="sldImg"/>
           </p:nvPr>
@@ -1882,16 +1841,14 @@
           <a:bodyPr/>
           <a:lstStyle/>
           <a:p>
-            <a:endParaRPr/>
-          </a:p>
-        </p:txBody>
-      </p:sp>
-      <p:sp>
-        <p:nvSpPr>
-          <p:cNvPr id="140" name="Shape 140"/>
-          <p:cNvSpPr>
-            <a:spLocks noGrp="1"/>
-          </p:cNvSpPr>
+            <a:pPr/>
+          </a:p>
+        </p:txBody>
+      </p:sp>
+      <p:sp>
+        <p:nvSpPr>
+          <p:cNvPr id="152" name="Shape 152"/>
+          <p:cNvSpPr/>
           <p:nvPr>
             <p:ph type="body" sz="quarter" idx="1"/>
           </p:nvPr>
@@ -1905,39 +1862,48 @@
           <a:bodyPr/>
           <a:lstStyle/>
           <a:p>
-            <a:pPr marL="272047" indent="-272047">
+            <a:pPr marL="197852" indent="-197852">
               <a:buSzPct val="125000"/>
               <a:buChar char="•"/>
             </a:pPr>
             <a:r>
-              <a:t>2015年3月在鹽埕湖會議上，微軟的TypeScript和Google的Angular開發團隊共同宣布會把AtScript中不少新的功能特性加入TypeScript 1.5版中，同時Angular將放棄AtScript改使用TypeScript作為首選的開發語言。</a:t>
-            </a:r>
-          </a:p>
-          <a:p>
-            <a:pPr marL="272047" indent="-272047">
+              <a:t>功能強大的JavaScript MVC框架</a:t>
+            </a:r>
+          </a:p>
+          <a:p>
+            <a:pPr marL="197852" indent="-197852">
               <a:buSzPct val="125000"/>
               <a:buChar char="•"/>
             </a:pPr>
             <a:r>
-              <a:t>2016年12月，為了避免套件版本衝突的問題，Anguler 2跳過Angular 3直接升級到Angular 4。</a:t>
-            </a:r>
-          </a:p>
-          <a:p>
-            <a:pPr marL="272047" indent="-272047">
+              <a:t>適合用來開發Single Page Application(SPA)</a:t>
+            </a:r>
+          </a:p>
+          <a:p>
+            <a:pPr marL="197852" indent="-197852">
               <a:buSzPct val="125000"/>
               <a:buChar char="•"/>
             </a:pPr>
             <a:r>
-              <a:t>Angular 4版本在2017年3月正式推出，並且向下相容Angular 2。</a:t>
-            </a:r>
-          </a:p>
-          <a:p>
-            <a:pPr marL="272047" indent="-272047">
+              <a:t>藉由屬性(Attribute)來擴充HTML既有的功能</a:t>
+            </a:r>
+          </a:p>
+          <a:p>
+            <a:pPr marL="197852" indent="-197852">
               <a:buSzPct val="125000"/>
               <a:buChar char="•"/>
             </a:pPr>
             <a:r>
-              <a:t>2017年11月正式釋出Angular 5，未來預計2018年4月釋出Angular 6，2018年10月釋出Angular 7，Google承諾每年會有兩個版本的升級計畫。</a:t>
+              <a:t>跨瀏覽器</a:t>
+            </a:r>
+          </a:p>
+          <a:p>
+            <a:pPr marL="197852" indent="-197852">
+              <a:buSzPct val="125000"/>
+              <a:buChar char="•"/>
+            </a:pPr>
+            <a:r>
+              <a:t>Open Source(Apache license version 2.0)</a:t>
             </a:r>
           </a:p>
         </p:txBody>
@@ -1950,8 +1916,8 @@
 </p:notes>
 </file>
 
-<file path=ppt/notesSlides/notesSlide6.xml><?xml version="1.0" encoding="utf-8"?>
-<p:notes xmlns:a="http://schemas.openxmlformats.org/drawingml/2006/main" xmlns:r="http://schemas.openxmlformats.org/officeDocument/2006/relationships" xmlns:p="http://schemas.openxmlformats.org/presentationml/2006/main">
+<file path=ppt/notesSlides/notesSlide7.xml><?xml version="1.0" encoding="utf-8"?>
+<p:notes xmlns:a="http://schemas.openxmlformats.org/drawingml/2006/main" xmlns:r="http://schemas.openxmlformats.org/officeDocument/2006/relationships" xmlns:p="http://schemas.openxmlformats.org/presentationml/2006/main" showMasterSp="1" showMasterPhAnim="1">
   <p:cSld>
     <p:spTree>
       <p:nvGrpSpPr>
@@ -1969,10 +1935,8 @@
       </p:grpSpPr>
       <p:sp>
         <p:nvSpPr>
-          <p:cNvPr id="146" name="Shape 146"/>
-          <p:cNvSpPr>
-            <a:spLocks noGrp="1" noRot="1" noChangeAspect="1"/>
-          </p:cNvSpPr>
+          <p:cNvPr id="156" name="Shape 156"/>
+          <p:cNvSpPr/>
           <p:nvPr>
             <p:ph type="sldImg"/>
           </p:nvPr>
@@ -1986,16 +1950,14 @@
           <a:bodyPr/>
           <a:lstStyle/>
           <a:p>
-            <a:endParaRPr/>
-          </a:p>
-        </p:txBody>
-      </p:sp>
-      <p:sp>
-        <p:nvSpPr>
-          <p:cNvPr id="147" name="Shape 147"/>
-          <p:cNvSpPr>
-            <a:spLocks noGrp="1"/>
-          </p:cNvSpPr>
+            <a:pPr/>
+          </a:p>
+        </p:txBody>
+      </p:sp>
+      <p:sp>
+        <p:nvSpPr>
+          <p:cNvPr id="157" name="Shape 157"/>
+          <p:cNvSpPr/>
           <p:nvPr>
             <p:ph type="body" sz="quarter" idx="1"/>
           </p:nvPr>
@@ -2009,8 +1971,84 @@
           <a:bodyPr/>
           <a:lstStyle/>
           <a:p>
-            <a:r>
-              <a:t>$scope &gt; 資料交換的管道，Angular JS 1.x版都是使用這個變數，但在Angular 2之後就不會使用該變數。</a:t>
+            <a:pPr marL="197852" indent="-197852">
+              <a:buSzPct val="125000"/>
+              <a:buChar char="•"/>
+            </a:pPr>
+            <a:r>
+              <a:t>Data Binding 資料繫結</a:t>
+            </a:r>
+          </a:p>
+          <a:p>
+            <a:pPr marL="197852" indent="-197852">
+              <a:buSzPct val="125000"/>
+              <a:buChar char="•"/>
+            </a:pPr>
+            <a:r>
+              <a:t>Scope</a:t>
+            </a:r>
+          </a:p>
+          <a:p>
+            <a:pPr marL="197852" indent="-197852">
+              <a:buSzPct val="125000"/>
+              <a:buChar char="•"/>
+            </a:pPr>
+            <a:r>
+              <a:t>Controller</a:t>
+            </a:r>
+          </a:p>
+          <a:p>
+            <a:pPr marL="197852" indent="-197852">
+              <a:buSzPct val="125000"/>
+              <a:buChar char="•"/>
+            </a:pPr>
+            <a:r>
+              <a:t>Services</a:t>
+            </a:r>
+          </a:p>
+          <a:p>
+            <a:pPr marL="197852" indent="-197852">
+              <a:buSzPct val="125000"/>
+              <a:buChar char="•"/>
+            </a:pPr>
+            <a:r>
+              <a:t>Filters</a:t>
+            </a:r>
+          </a:p>
+          <a:p>
+            <a:pPr marL="197852" indent="-197852">
+              <a:buSzPct val="125000"/>
+              <a:buChar char="•"/>
+            </a:pPr>
+            <a:r>
+              <a:t>Directives 指令</a:t>
+            </a:r>
+          </a:p>
+          <a:p>
+            <a:pPr marL="197852" indent="-197852">
+              <a:buSzPct val="125000"/>
+              <a:buChar char="•"/>
+            </a:pPr>
+            <a:r>
+              <a:t>Templates 樣板</a:t>
+            </a:r>
+          </a:p>
+          <a:p>
+            <a:pPr marL="197852" indent="-197852">
+              <a:buSzPct val="125000"/>
+              <a:buChar char="•"/>
+            </a:pPr>
+            <a:r>
+              <a:t>Model View Whatever 任何的model view都可以（玩笑話）</a:t>
+            </a:r>
+          </a:p>
+          <a:p>
+            <a:pPr marL="197852" indent="-197852">
+              <a:buSzPct val="125000"/>
+              <a:buChar char="•"/>
+            </a:pPr>
+            <a:r>
+              <a:t>Dependency Injection 依賴注入</a:t>
             </a:r>
           </a:p>
         </p:txBody>
@@ -2023,8 +2061,8 @@
 </p:notes>
 </file>
 
-<file path=ppt/notesSlides/notesSlide7.xml><?xml version="1.0" encoding="utf-8"?>
-<p:notes xmlns:a="http://schemas.openxmlformats.org/drawingml/2006/main" xmlns:r="http://schemas.openxmlformats.org/officeDocument/2006/relationships" xmlns:p="http://schemas.openxmlformats.org/presentationml/2006/main">
+<file path=ppt/notesSlides/notesSlide8.xml><?xml version="1.0" encoding="utf-8"?>
+<p:notes xmlns:a="http://schemas.openxmlformats.org/drawingml/2006/main" xmlns:r="http://schemas.openxmlformats.org/officeDocument/2006/relationships" xmlns:p="http://schemas.openxmlformats.org/presentationml/2006/main" showMasterSp="1" showMasterPhAnim="1">
   <p:cSld>
     <p:spTree>
       <p:nvGrpSpPr>
@@ -2042,10 +2080,8 @@
       </p:grpSpPr>
       <p:sp>
         <p:nvSpPr>
-          <p:cNvPr id="151" name="Shape 151"/>
-          <p:cNvSpPr>
-            <a:spLocks noGrp="1" noRot="1" noChangeAspect="1"/>
-          </p:cNvSpPr>
+          <p:cNvPr id="164" name="Shape 164"/>
+          <p:cNvSpPr/>
           <p:nvPr>
             <p:ph type="sldImg"/>
           </p:nvPr>
@@ -2059,16 +2095,14 @@
           <a:bodyPr/>
           <a:lstStyle/>
           <a:p>
-            <a:endParaRPr/>
-          </a:p>
-        </p:txBody>
-      </p:sp>
-      <p:sp>
-        <p:nvSpPr>
-          <p:cNvPr id="152" name="Shape 152"/>
-          <p:cNvSpPr>
-            <a:spLocks noGrp="1"/>
-          </p:cNvSpPr>
+            <a:pPr/>
+          </a:p>
+        </p:txBody>
+      </p:sp>
+      <p:sp>
+        <p:nvSpPr>
+          <p:cNvPr id="165" name="Shape 165"/>
+          <p:cNvSpPr/>
           <p:nvPr>
             <p:ph type="body" sz="quarter" idx="1"/>
           </p:nvPr>
@@ -2087,7 +2121,7 @@
               <a:buChar char="•"/>
             </a:pPr>
             <a:r>
-              <a:t>功能強大的JavaScript MVC框架</a:t>
+              <a:t>功能強大的JavaScript開發平台(有點類似Java EE, .NET平台)</a:t>
             </a:r>
           </a:p>
           <a:p>
@@ -2105,7 +2139,7 @@
               <a:buChar char="•"/>
             </a:pPr>
             <a:r>
-              <a:t>藉由屬性(Attribute)來擴充HTML既有的功能</a:t>
+              <a:t>採用Component/Service架構</a:t>
             </a:r>
           </a:p>
           <a:p>
@@ -2114,7 +2148,7 @@
               <a:buChar char="•"/>
             </a:pPr>
             <a:r>
-              <a:t>跨瀏覽器</a:t>
+              <a:t>採用TypeScript為主要建構語言，TypeScript 為JavaScript的超集合(superset)</a:t>
             </a:r>
           </a:p>
           <a:p>
@@ -2123,7 +2157,7 @@
               <a:buChar char="•"/>
             </a:pPr>
             <a:r>
-              <a:t>Open Source(Apache license version 2.0)</a:t>
+              <a:t>Open Source</a:t>
             </a:r>
           </a:p>
         </p:txBody>
@@ -2136,8 +2170,8 @@
 </p:notes>
 </file>
 
-<file path=ppt/notesSlides/notesSlide8.xml><?xml version="1.0" encoding="utf-8"?>
-<p:notes xmlns:a="http://schemas.openxmlformats.org/drawingml/2006/main" xmlns:r="http://schemas.openxmlformats.org/officeDocument/2006/relationships" xmlns:p="http://schemas.openxmlformats.org/presentationml/2006/main">
+<file path=ppt/notesSlides/notesSlide9.xml><?xml version="1.0" encoding="utf-8"?>
+<p:notes xmlns:a="http://schemas.openxmlformats.org/drawingml/2006/main" xmlns:r="http://schemas.openxmlformats.org/officeDocument/2006/relationships" xmlns:p="http://schemas.openxmlformats.org/presentationml/2006/main" showMasterSp="1" showMasterPhAnim="1">
   <p:cSld>
     <p:spTree>
       <p:nvGrpSpPr>
@@ -2155,10 +2189,8 @@
       </p:grpSpPr>
       <p:sp>
         <p:nvSpPr>
-          <p:cNvPr id="156" name="Shape 156"/>
-          <p:cNvSpPr>
-            <a:spLocks noGrp="1" noRot="1" noChangeAspect="1"/>
-          </p:cNvSpPr>
+          <p:cNvPr id="169" name="Shape 169"/>
+          <p:cNvSpPr/>
           <p:nvPr>
             <p:ph type="sldImg"/>
           </p:nvPr>
@@ -2172,16 +2204,14 @@
           <a:bodyPr/>
           <a:lstStyle/>
           <a:p>
-            <a:endParaRPr/>
-          </a:p>
-        </p:txBody>
-      </p:sp>
-      <p:sp>
-        <p:nvSpPr>
-          <p:cNvPr id="157" name="Shape 157"/>
-          <p:cNvSpPr>
-            <a:spLocks noGrp="1"/>
-          </p:cNvSpPr>
+            <a:pPr/>
+          </a:p>
+        </p:txBody>
+      </p:sp>
+      <p:sp>
+        <p:nvSpPr>
+          <p:cNvPr id="170" name="Shape 170"/>
+          <p:cNvSpPr/>
           <p:nvPr>
             <p:ph type="body" sz="quarter" idx="1"/>
           </p:nvPr>
@@ -2200,7 +2230,7 @@
               <a:buChar char="•"/>
             </a:pPr>
             <a:r>
-              <a:t>Data Binding 資料繫結</a:t>
+              <a:t>Module 模組</a:t>
             </a:r>
           </a:p>
           <a:p>
@@ -2209,7 +2239,7 @@
               <a:buChar char="•"/>
             </a:pPr>
             <a:r>
-              <a:t>Scope</a:t>
+              <a:t>Component 類別（即mvc中的controller）</a:t>
             </a:r>
           </a:p>
           <a:p>
@@ -2218,7 +2248,7 @@
               <a:buChar char="•"/>
             </a:pPr>
             <a:r>
-              <a:t>Controller</a:t>
+              <a:t>Templates 樣板html片段（即mvc中的view）</a:t>
             </a:r>
           </a:p>
           <a:p>
@@ -2227,7 +2257,7 @@
               <a:buChar char="•"/>
             </a:pPr>
             <a:r>
-              <a:t>Services</a:t>
+              <a:t>Metadata</a:t>
             </a:r>
           </a:p>
           <a:p>
@@ -2236,156 +2266,7 @@
               <a:buChar char="•"/>
             </a:pPr>
             <a:r>
-              <a:t>Filters</a:t>
-            </a:r>
-          </a:p>
-          <a:p>
-            <a:pPr marL="197852" indent="-197852">
-              <a:buSzPct val="125000"/>
-              <a:buChar char="•"/>
-            </a:pPr>
-            <a:r>
-              <a:t>Directives 指令</a:t>
-            </a:r>
-          </a:p>
-          <a:p>
-            <a:pPr marL="197852" indent="-197852">
-              <a:buSzPct val="125000"/>
-              <a:buChar char="•"/>
-            </a:pPr>
-            <a:r>
-              <a:t>Templates 樣板</a:t>
-            </a:r>
-          </a:p>
-          <a:p>
-            <a:pPr marL="197852" indent="-197852">
-              <a:buSzPct val="125000"/>
-              <a:buChar char="•"/>
-            </a:pPr>
-            <a:r>
-              <a:t>Model View Whatever 任何的model view都可以（玩笑話）</a:t>
-            </a:r>
-          </a:p>
-          <a:p>
-            <a:pPr marL="197852" indent="-197852">
-              <a:buSzPct val="125000"/>
-              <a:buChar char="•"/>
-            </a:pPr>
-            <a:r>
-              <a:t>Dependency Injection 依賴注入</a:t>
-            </a:r>
-          </a:p>
-        </p:txBody>
-      </p:sp>
-    </p:spTree>
-  </p:cSld>
-  <p:clrMapOvr>
-    <a:masterClrMapping/>
-  </p:clrMapOvr>
-</p:notes>
-</file>
-
-<file path=ppt/notesSlides/notesSlide9.xml><?xml version="1.0" encoding="utf-8"?>
-<p:notes xmlns:a="http://schemas.openxmlformats.org/drawingml/2006/main" xmlns:r="http://schemas.openxmlformats.org/officeDocument/2006/relationships" xmlns:p="http://schemas.openxmlformats.org/presentationml/2006/main">
-  <p:cSld>
-    <p:spTree>
-      <p:nvGrpSpPr>
-        <p:cNvPr id="1" name=""/>
-        <p:cNvGrpSpPr/>
-        <p:nvPr/>
-      </p:nvGrpSpPr>
-      <p:grpSpPr>
-        <a:xfrm>
-          <a:off x="0" y="0"/>
-          <a:ext cx="0" cy="0"/>
-          <a:chOff x="0" y="0"/>
-          <a:chExt cx="0" cy="0"/>
-        </a:xfrm>
-      </p:grpSpPr>
-      <p:sp>
-        <p:nvSpPr>
-          <p:cNvPr id="164" name="Shape 164"/>
-          <p:cNvSpPr>
-            <a:spLocks noGrp="1" noRot="1" noChangeAspect="1"/>
-          </p:cNvSpPr>
-          <p:nvPr>
-            <p:ph type="sldImg"/>
-          </p:nvPr>
-        </p:nvSpPr>
-        <p:spPr>
-          <a:prstGeom prst="rect">
-            <a:avLst/>
-          </a:prstGeom>
-        </p:spPr>
-        <p:txBody>
-          <a:bodyPr/>
-          <a:lstStyle/>
-          <a:p>
-            <a:endParaRPr/>
-          </a:p>
-        </p:txBody>
-      </p:sp>
-      <p:sp>
-        <p:nvSpPr>
-          <p:cNvPr id="165" name="Shape 165"/>
-          <p:cNvSpPr>
-            <a:spLocks noGrp="1"/>
-          </p:cNvSpPr>
-          <p:nvPr>
-            <p:ph type="body" sz="quarter" idx="1"/>
-          </p:nvPr>
-        </p:nvSpPr>
-        <p:spPr>
-          <a:prstGeom prst="rect">
-            <a:avLst/>
-          </a:prstGeom>
-        </p:spPr>
-        <p:txBody>
-          <a:bodyPr/>
-          <a:lstStyle/>
-          <a:p>
-            <a:pPr marL="197852" indent="-197852">
-              <a:buSzPct val="125000"/>
-              <a:buChar char="•"/>
-            </a:pPr>
-            <a:r>
-              <a:t>功能強大的JavaScript開發平台(有點類似Java EE, .NET平台)</a:t>
-            </a:r>
-          </a:p>
-          <a:p>
-            <a:pPr marL="197852" indent="-197852">
-              <a:buSzPct val="125000"/>
-              <a:buChar char="•"/>
-            </a:pPr>
-            <a:r>
-              <a:t>適合用來開發Single Page Application(SPA)</a:t>
-            </a:r>
-          </a:p>
-          <a:p>
-            <a:pPr marL="197852" indent="-197852">
-              <a:buSzPct val="125000"/>
-              <a:buChar char="•"/>
-            </a:pPr>
-            <a:r>
-              <a:t>採用Component/Service架構</a:t>
-            </a:r>
-          </a:p>
-          <a:p>
-            <a:pPr marL="197852" indent="-197852">
-              <a:buSzPct val="125000"/>
-              <a:buChar char="•"/>
-            </a:pPr>
-            <a:r>
-              <a:t>採用TypeScript為主要建構語言，TypeScript 為JavaScript的超集合(superset)</a:t>
-            </a:r>
-          </a:p>
-          <a:p>
-            <a:pPr marL="197852" indent="-197852">
-              <a:buSzPct val="125000"/>
-              <a:buChar char="•"/>
-            </a:pPr>
-            <a:r>
-              <a:t>Open Source</a:t>
+              <a:t>Service 服務、元件（即mvc中的model）</a:t>
             </a:r>
           </a:p>
         </p:txBody>
@@ -2399,7 +2280,7 @@
 </file>
 
 <file path=ppt/slideLayouts/slideLayout1.xml><?xml version="1.0" encoding="utf-8"?>
-<p:sldLayout xmlns:a="http://schemas.openxmlformats.org/drawingml/2006/main" xmlns:r="http://schemas.openxmlformats.org/officeDocument/2006/relationships" xmlns:p="http://schemas.openxmlformats.org/presentationml/2006/main" type="title">
+<p:sldLayout xmlns:a="http://schemas.openxmlformats.org/drawingml/2006/main" xmlns:r="http://schemas.openxmlformats.org/officeDocument/2006/relationships" xmlns:p="http://schemas.openxmlformats.org/presentationml/2006/main" type="title" showMasterSp="1" showMasterPhAnim="1">
   <p:cSld name="大標題與副標題">
     <p:spTree>
       <p:nvGrpSpPr>
@@ -2418,9 +2299,7 @@
       <p:sp>
         <p:nvSpPr>
           <p:cNvPr id="11" name="大標題文字"/>
-          <p:cNvSpPr txBox="1">
-            <a:spLocks noGrp="1"/>
-          </p:cNvSpPr>
+          <p:cNvSpPr txBox="1"/>
           <p:nvPr>
             <p:ph type="title"/>
           </p:nvPr>
@@ -2440,6 +2319,7 @@
             <a:lvl1pPr algn="ctr"/>
           </a:lstStyle>
           <a:p>
+            <a:pPr/>
             <a:r>
               <a:t>大標題文字</a:t>
             </a:r>
@@ -2449,9 +2329,7 @@
       <p:sp>
         <p:nvSpPr>
           <p:cNvPr id="12" name="內文層級一…"/>
-          <p:cNvSpPr txBox="1">
-            <a:spLocks noGrp="1"/>
-          </p:cNvSpPr>
+          <p:cNvSpPr txBox="1"/>
           <p:nvPr>
             <p:ph type="body" sz="quarter" idx="1"/>
           </p:nvPr>
@@ -2510,6 +2388,7 @@
             </a:lvl5pPr>
           </a:lstStyle>
           <a:p>
+            <a:pPr/>
             <a:r>
               <a:t>內文層級一</a:t>
             </a:r>
@@ -2543,9 +2422,7 @@
       <p:sp>
         <p:nvSpPr>
           <p:cNvPr id="13" name="幻燈片編號"/>
-          <p:cNvSpPr txBox="1">
-            <a:spLocks noGrp="1"/>
-          </p:cNvSpPr>
+          <p:cNvSpPr txBox="1"/>
           <p:nvPr>
             <p:ph type="sldNum" sz="quarter" idx="2"/>
           </p:nvPr>
@@ -2559,10 +2436,8 @@
           <a:bodyPr/>
           <a:lstStyle/>
           <a:p>
-            <a:fld id="{86CB4B4D-7CA3-9044-876B-883B54F8677D}" type="slidenum">
-              <a:t>‹#›</a:t>
-            </a:fld>
-            <a:endParaRPr/>
+            <a:pPr/>
+            <a:fld id="{86CB4B4D-7CA3-9044-876B-883B54F8677D}" type="slidenum"/>
           </a:p>
         </p:txBody>
       </p:sp>
@@ -2571,12 +2446,12 @@
   <p:clrMapOvr>
     <a:masterClrMapping/>
   </p:clrMapOvr>
-  <p:transition spd="med"/>
+  <p:transition xmlns:p14="http://schemas.microsoft.com/office/powerpoint/2010/main" spd="med" advClick="1"/>
 </p:sldLayout>
 </file>
 
 <file path=ppt/slideLayouts/slideLayout10.xml><?xml version="1.0" encoding="utf-8"?>
-<p:sldLayout xmlns:a="http://schemas.openxmlformats.org/drawingml/2006/main" xmlns:r="http://schemas.openxmlformats.org/officeDocument/2006/relationships" xmlns:p="http://schemas.openxmlformats.org/presentationml/2006/main" type="tx">
+<p:sldLayout xmlns:a="http://schemas.openxmlformats.org/drawingml/2006/main" xmlns:r="http://schemas.openxmlformats.org/officeDocument/2006/relationships" xmlns:p="http://schemas.openxmlformats.org/presentationml/2006/main" type="tx" showMasterSp="1" showMasterPhAnim="1">
   <p:cSld name="名言語錄">
     <p:spTree>
       <p:nvGrpSpPr>
@@ -2595,9 +2470,7 @@
       <p:sp>
         <p:nvSpPr>
           <p:cNvPr id="93" name="「在此輸入名言語錄。」"/>
-          <p:cNvSpPr txBox="1">
-            <a:spLocks noGrp="1"/>
-          </p:cNvSpPr>
+          <p:cNvSpPr txBox="1"/>
           <p:nvPr>
             <p:ph type="body" sz="quarter" idx="13"/>
           </p:nvPr>
@@ -2625,6 +2498,7 @@
             </a:lvl1pPr>
           </a:lstStyle>
           <a:p>
+            <a:pPr/>
             <a:r>
               <a:t>「在此輸入名言語錄。」</a:t>
             </a:r>
@@ -2634,9 +2508,7 @@
       <p:sp>
         <p:nvSpPr>
           <p:cNvPr id="94" name="–王大明"/>
-          <p:cNvSpPr txBox="1">
-            <a:spLocks noGrp="1"/>
-          </p:cNvSpPr>
+          <p:cNvSpPr txBox="1"/>
           <p:nvPr>
             <p:ph type="body" sz="quarter" idx="14"/>
           </p:nvPr>
@@ -2665,6 +2537,7 @@
             </a:lvl1pPr>
           </a:lstStyle>
           <a:p>
+            <a:pPr/>
             <a:r>
               <a:t>–王大明</a:t>
             </a:r>
@@ -2674,9 +2547,7 @@
       <p:sp>
         <p:nvSpPr>
           <p:cNvPr id="95" name="幻燈片編號"/>
-          <p:cNvSpPr txBox="1">
-            <a:spLocks noGrp="1"/>
-          </p:cNvSpPr>
+          <p:cNvSpPr txBox="1"/>
           <p:nvPr>
             <p:ph type="sldNum" sz="quarter" idx="2"/>
           </p:nvPr>
@@ -2690,10 +2561,8 @@
           <a:bodyPr/>
           <a:lstStyle/>
           <a:p>
-            <a:fld id="{86CB4B4D-7CA3-9044-876B-883B54F8677D}" type="slidenum">
-              <a:t>‹#›</a:t>
-            </a:fld>
-            <a:endParaRPr/>
+            <a:pPr/>
+            <a:fld id="{86CB4B4D-7CA3-9044-876B-883B54F8677D}" type="slidenum"/>
           </a:p>
         </p:txBody>
       </p:sp>
@@ -2702,12 +2571,12 @@
   <p:clrMapOvr>
     <a:masterClrMapping/>
   </p:clrMapOvr>
-  <p:transition spd="med"/>
+  <p:transition xmlns:p14="http://schemas.microsoft.com/office/powerpoint/2010/main" spd="med" advClick="1"/>
 </p:sldLayout>
 </file>
 
 <file path=ppt/slideLayouts/slideLayout11.xml><?xml version="1.0" encoding="utf-8"?>
-<p:sldLayout xmlns:a="http://schemas.openxmlformats.org/drawingml/2006/main" xmlns:r="http://schemas.openxmlformats.org/officeDocument/2006/relationships" xmlns:p="http://schemas.openxmlformats.org/presentationml/2006/main" type="tx">
+<p:sldLayout xmlns:a="http://schemas.openxmlformats.org/drawingml/2006/main" xmlns:r="http://schemas.openxmlformats.org/officeDocument/2006/relationships" xmlns:p="http://schemas.openxmlformats.org/presentationml/2006/main" type="tx" showMasterSp="1" showMasterPhAnim="1">
   <p:cSld name="照片">
     <p:spTree>
       <p:nvGrpSpPr>
@@ -2726,9 +2595,7 @@
       <p:sp>
         <p:nvSpPr>
           <p:cNvPr id="102" name="影像"/>
-          <p:cNvSpPr>
-            <a:spLocks noGrp="1"/>
-          </p:cNvSpPr>
+          <p:cNvSpPr/>
           <p:nvPr>
             <p:ph type="pic" idx="13"/>
           </p:nvPr>
@@ -2748,16 +2615,14 @@
           </a:bodyPr>
           <a:lstStyle/>
           <a:p>
-            <a:endParaRPr/>
+            <a:pPr/>
           </a:p>
         </p:txBody>
       </p:sp>
       <p:sp>
         <p:nvSpPr>
           <p:cNvPr id="103" name="幻燈片編號"/>
-          <p:cNvSpPr txBox="1">
-            <a:spLocks noGrp="1"/>
-          </p:cNvSpPr>
+          <p:cNvSpPr txBox="1"/>
           <p:nvPr>
             <p:ph type="sldNum" sz="quarter" idx="2"/>
           </p:nvPr>
@@ -2771,10 +2636,8 @@
           <a:bodyPr/>
           <a:lstStyle/>
           <a:p>
-            <a:fld id="{86CB4B4D-7CA3-9044-876B-883B54F8677D}" type="slidenum">
-              <a:t>‹#›</a:t>
-            </a:fld>
-            <a:endParaRPr/>
+            <a:pPr/>
+            <a:fld id="{86CB4B4D-7CA3-9044-876B-883B54F8677D}" type="slidenum"/>
           </a:p>
         </p:txBody>
       </p:sp>
@@ -2783,12 +2646,12 @@
   <p:clrMapOvr>
     <a:masterClrMapping/>
   </p:clrMapOvr>
-  <p:transition spd="med"/>
+  <p:transition xmlns:p14="http://schemas.microsoft.com/office/powerpoint/2010/main" spd="med" advClick="1"/>
 </p:sldLayout>
 </file>
 
 <file path=ppt/slideLayouts/slideLayout12.xml><?xml version="1.0" encoding="utf-8"?>
-<p:sldLayout xmlns:a="http://schemas.openxmlformats.org/drawingml/2006/main" xmlns:r="http://schemas.openxmlformats.org/officeDocument/2006/relationships" xmlns:p="http://schemas.openxmlformats.org/presentationml/2006/main" type="tx">
+<p:sldLayout xmlns:a="http://schemas.openxmlformats.org/drawingml/2006/main" xmlns:r="http://schemas.openxmlformats.org/officeDocument/2006/relationships" xmlns:p="http://schemas.openxmlformats.org/presentationml/2006/main" type="tx" showMasterSp="1" showMasterPhAnim="1">
   <p:cSld name="空白">
     <p:spTree>
       <p:nvGrpSpPr>
@@ -2807,9 +2670,7 @@
       <p:sp>
         <p:nvSpPr>
           <p:cNvPr id="110" name="幻燈片編號"/>
-          <p:cNvSpPr txBox="1">
-            <a:spLocks noGrp="1"/>
-          </p:cNvSpPr>
+          <p:cNvSpPr txBox="1"/>
           <p:nvPr>
             <p:ph type="sldNum" sz="quarter" idx="2"/>
           </p:nvPr>
@@ -2823,10 +2684,8 @@
           <a:bodyPr/>
           <a:lstStyle/>
           <a:p>
-            <a:fld id="{86CB4B4D-7CA3-9044-876B-883B54F8677D}" type="slidenum">
-              <a:t>‹#›</a:t>
-            </a:fld>
-            <a:endParaRPr/>
+            <a:pPr/>
+            <a:fld id="{86CB4B4D-7CA3-9044-876B-883B54F8677D}" type="slidenum"/>
           </a:p>
         </p:txBody>
       </p:sp>
@@ -2835,12 +2694,12 @@
   <p:clrMapOvr>
     <a:masterClrMapping/>
   </p:clrMapOvr>
-  <p:transition spd="med"/>
+  <p:transition xmlns:p14="http://schemas.microsoft.com/office/powerpoint/2010/main" spd="med" advClick="1"/>
 </p:sldLayout>
 </file>
 
 <file path=ppt/slideLayouts/slideLayout2.xml><?xml version="1.0" encoding="utf-8"?>
-<p:sldLayout xmlns:a="http://schemas.openxmlformats.org/drawingml/2006/main" xmlns:r="http://schemas.openxmlformats.org/officeDocument/2006/relationships" xmlns:p="http://schemas.openxmlformats.org/presentationml/2006/main" type="tx">
+<p:sldLayout xmlns:a="http://schemas.openxmlformats.org/drawingml/2006/main" xmlns:r="http://schemas.openxmlformats.org/officeDocument/2006/relationships" xmlns:p="http://schemas.openxmlformats.org/presentationml/2006/main" type="tx" showMasterSp="1" showMasterPhAnim="1">
   <p:cSld name="照片 - 水平">
     <p:spTree>
       <p:nvGrpSpPr>
@@ -2859,9 +2718,7 @@
       <p:sp>
         <p:nvSpPr>
           <p:cNvPr id="20" name="影像"/>
-          <p:cNvSpPr>
-            <a:spLocks noGrp="1"/>
-          </p:cNvSpPr>
+          <p:cNvSpPr/>
           <p:nvPr>
             <p:ph type="pic" sz="half" idx="13"/>
           </p:nvPr>
@@ -2884,16 +2741,14 @@
           </a:bodyPr>
           <a:lstStyle/>
           <a:p>
-            <a:endParaRPr/>
+            <a:pPr/>
           </a:p>
         </p:txBody>
       </p:sp>
       <p:sp>
         <p:nvSpPr>
           <p:cNvPr id="21" name="大標題文字"/>
-          <p:cNvSpPr txBox="1">
-            <a:spLocks noGrp="1"/>
-          </p:cNvSpPr>
+          <p:cNvSpPr txBox="1"/>
           <p:nvPr>
             <p:ph type="title"/>
           </p:nvPr>
@@ -2913,6 +2768,7 @@
             <a:lvl1pPr algn="ctr"/>
           </a:lstStyle>
           <a:p>
+            <a:pPr/>
             <a:r>
               <a:t>大標題文字</a:t>
             </a:r>
@@ -2922,9 +2778,7 @@
       <p:sp>
         <p:nvSpPr>
           <p:cNvPr id="22" name="內文層級一…"/>
-          <p:cNvSpPr txBox="1">
-            <a:spLocks noGrp="1"/>
-          </p:cNvSpPr>
+          <p:cNvSpPr txBox="1"/>
           <p:nvPr>
             <p:ph type="body" sz="quarter" idx="1"/>
           </p:nvPr>
@@ -2983,6 +2837,7 @@
             </a:lvl5pPr>
           </a:lstStyle>
           <a:p>
+            <a:pPr/>
             <a:r>
               <a:t>內文層級一</a:t>
             </a:r>
@@ -3016,9 +2871,7 @@
       <p:sp>
         <p:nvSpPr>
           <p:cNvPr id="23" name="幻燈片編號"/>
-          <p:cNvSpPr txBox="1">
-            <a:spLocks noGrp="1"/>
-          </p:cNvSpPr>
+          <p:cNvSpPr txBox="1"/>
           <p:nvPr>
             <p:ph type="sldNum" sz="quarter" idx="2"/>
           </p:nvPr>
@@ -3032,10 +2885,8 @@
           <a:bodyPr/>
           <a:lstStyle/>
           <a:p>
-            <a:fld id="{86CB4B4D-7CA3-9044-876B-883B54F8677D}" type="slidenum">
-              <a:t>‹#›</a:t>
-            </a:fld>
-            <a:endParaRPr/>
+            <a:pPr/>
+            <a:fld id="{86CB4B4D-7CA3-9044-876B-883B54F8677D}" type="slidenum"/>
           </a:p>
         </p:txBody>
       </p:sp>
@@ -3044,12 +2895,12 @@
   <p:clrMapOvr>
     <a:masterClrMapping/>
   </p:clrMapOvr>
-  <p:transition spd="med"/>
+  <p:transition xmlns:p14="http://schemas.microsoft.com/office/powerpoint/2010/main" spd="med" advClick="1"/>
 </p:sldLayout>
 </file>
 
 <file path=ppt/slideLayouts/slideLayout3.xml><?xml version="1.0" encoding="utf-8"?>
-<p:sldLayout xmlns:a="http://schemas.openxmlformats.org/drawingml/2006/main" xmlns:r="http://schemas.openxmlformats.org/officeDocument/2006/relationships" xmlns:p="http://schemas.openxmlformats.org/presentationml/2006/main" type="tx">
+<p:sldLayout xmlns:a="http://schemas.openxmlformats.org/drawingml/2006/main" xmlns:r="http://schemas.openxmlformats.org/officeDocument/2006/relationships" xmlns:p="http://schemas.openxmlformats.org/presentationml/2006/main" type="tx" showMasterSp="1" showMasterPhAnim="1">
   <p:cSld name="大標題 - 中央">
     <p:spTree>
       <p:nvGrpSpPr>
@@ -3068,9 +2919,7 @@
       <p:sp>
         <p:nvSpPr>
           <p:cNvPr id="30" name="大標題文字"/>
-          <p:cNvSpPr txBox="1">
-            <a:spLocks noGrp="1"/>
-          </p:cNvSpPr>
+          <p:cNvSpPr txBox="1"/>
           <p:nvPr>
             <p:ph type="title"/>
           </p:nvPr>
@@ -3090,6 +2939,7 @@
             <a:lvl1pPr algn="ctr"/>
           </a:lstStyle>
           <a:p>
+            <a:pPr/>
             <a:r>
               <a:t>大標題文字</a:t>
             </a:r>
@@ -3099,9 +2949,7 @@
       <p:sp>
         <p:nvSpPr>
           <p:cNvPr id="31" name="幻燈片編號"/>
-          <p:cNvSpPr txBox="1">
-            <a:spLocks noGrp="1"/>
-          </p:cNvSpPr>
+          <p:cNvSpPr txBox="1"/>
           <p:nvPr>
             <p:ph type="sldNum" sz="quarter" idx="2"/>
           </p:nvPr>
@@ -3115,10 +2963,8 @@
           <a:bodyPr/>
           <a:lstStyle/>
           <a:p>
-            <a:fld id="{86CB4B4D-7CA3-9044-876B-883B54F8677D}" type="slidenum">
-              <a:t>‹#›</a:t>
-            </a:fld>
-            <a:endParaRPr/>
+            <a:pPr/>
+            <a:fld id="{86CB4B4D-7CA3-9044-876B-883B54F8677D}" type="slidenum"/>
           </a:p>
         </p:txBody>
       </p:sp>
@@ -3127,12 +2973,12 @@
   <p:clrMapOvr>
     <a:masterClrMapping/>
   </p:clrMapOvr>
-  <p:transition spd="med"/>
+  <p:transition xmlns:p14="http://schemas.microsoft.com/office/powerpoint/2010/main" spd="med" advClick="1"/>
 </p:sldLayout>
 </file>
 
 <file path=ppt/slideLayouts/slideLayout4.xml><?xml version="1.0" encoding="utf-8"?>
-<p:sldLayout xmlns:a="http://schemas.openxmlformats.org/drawingml/2006/main" xmlns:r="http://schemas.openxmlformats.org/officeDocument/2006/relationships" xmlns:p="http://schemas.openxmlformats.org/presentationml/2006/main" type="tx">
+<p:sldLayout xmlns:a="http://schemas.openxmlformats.org/drawingml/2006/main" xmlns:r="http://schemas.openxmlformats.org/officeDocument/2006/relationships" xmlns:p="http://schemas.openxmlformats.org/presentationml/2006/main" type="tx" showMasterSp="1" showMasterPhAnim="1">
   <p:cSld name="照片 - 直式">
     <p:spTree>
       <p:nvGrpSpPr>
@@ -3151,9 +2997,7 @@
       <p:sp>
         <p:nvSpPr>
           <p:cNvPr id="38" name="影像"/>
-          <p:cNvSpPr>
-            <a:spLocks noGrp="1"/>
-          </p:cNvSpPr>
+          <p:cNvSpPr/>
           <p:nvPr>
             <p:ph type="pic" sz="half" idx="13"/>
           </p:nvPr>
@@ -3176,16 +3020,14 @@
           </a:bodyPr>
           <a:lstStyle/>
           <a:p>
-            <a:endParaRPr/>
+            <a:pPr/>
           </a:p>
         </p:txBody>
       </p:sp>
       <p:sp>
         <p:nvSpPr>
           <p:cNvPr id="39" name="大標題文字"/>
-          <p:cNvSpPr txBox="1">
-            <a:spLocks noGrp="1"/>
-          </p:cNvSpPr>
+          <p:cNvSpPr txBox="1"/>
           <p:nvPr>
             <p:ph type="title"/>
           </p:nvPr>
@@ -3207,6 +3049,7 @@
             </a:lvl1pPr>
           </a:lstStyle>
           <a:p>
+            <a:pPr/>
             <a:r>
               <a:t>大標題文字</a:t>
             </a:r>
@@ -3216,9 +3059,7 @@
       <p:sp>
         <p:nvSpPr>
           <p:cNvPr id="40" name="內文層級一…"/>
-          <p:cNvSpPr txBox="1">
-            <a:spLocks noGrp="1"/>
-          </p:cNvSpPr>
+          <p:cNvSpPr txBox="1"/>
           <p:nvPr>
             <p:ph type="body" sz="quarter" idx="1"/>
           </p:nvPr>
@@ -3277,6 +3118,7 @@
             </a:lvl5pPr>
           </a:lstStyle>
           <a:p>
+            <a:pPr/>
             <a:r>
               <a:t>內文層級一</a:t>
             </a:r>
@@ -3310,9 +3152,7 @@
       <p:sp>
         <p:nvSpPr>
           <p:cNvPr id="41" name="幻燈片編號"/>
-          <p:cNvSpPr txBox="1">
-            <a:spLocks noGrp="1"/>
-          </p:cNvSpPr>
+          <p:cNvSpPr txBox="1"/>
           <p:nvPr>
             <p:ph type="sldNum" sz="quarter" idx="2"/>
           </p:nvPr>
@@ -3326,10 +3166,8 @@
           <a:bodyPr/>
           <a:lstStyle/>
           <a:p>
-            <a:fld id="{86CB4B4D-7CA3-9044-876B-883B54F8677D}" type="slidenum">
-              <a:t>‹#›</a:t>
-            </a:fld>
-            <a:endParaRPr/>
+            <a:pPr/>
+            <a:fld id="{86CB4B4D-7CA3-9044-876B-883B54F8677D}" type="slidenum"/>
           </a:p>
         </p:txBody>
       </p:sp>
@@ -3338,12 +3176,12 @@
   <p:clrMapOvr>
     <a:masterClrMapping/>
   </p:clrMapOvr>
-  <p:transition spd="med"/>
+  <p:transition xmlns:p14="http://schemas.microsoft.com/office/powerpoint/2010/main" spd="med" advClick="1"/>
 </p:sldLayout>
 </file>
 
 <file path=ppt/slideLayouts/slideLayout5.xml><?xml version="1.0" encoding="utf-8"?>
-<p:sldLayout xmlns:a="http://schemas.openxmlformats.org/drawingml/2006/main" xmlns:r="http://schemas.openxmlformats.org/officeDocument/2006/relationships" xmlns:p="http://schemas.openxmlformats.org/presentationml/2006/main" type="tx">
+<p:sldLayout xmlns:a="http://schemas.openxmlformats.org/drawingml/2006/main" xmlns:r="http://schemas.openxmlformats.org/officeDocument/2006/relationships" xmlns:p="http://schemas.openxmlformats.org/presentationml/2006/main" type="tx" showMasterSp="1" showMasterPhAnim="1">
   <p:cSld name="大標題 - 上方">
     <p:spTree>
       <p:nvGrpSpPr>
@@ -3362,9 +3200,7 @@
       <p:sp>
         <p:nvSpPr>
           <p:cNvPr id="48" name="大標題文字"/>
-          <p:cNvSpPr txBox="1">
-            <a:spLocks noGrp="1"/>
-          </p:cNvSpPr>
+          <p:cNvSpPr txBox="1"/>
           <p:nvPr>
             <p:ph type="title"/>
           </p:nvPr>
@@ -3380,6 +3216,7 @@
             <a:lvl1pPr algn="ctr"/>
           </a:lstStyle>
           <a:p>
+            <a:pPr/>
             <a:r>
               <a:t>大標題文字</a:t>
             </a:r>
@@ -3389,9 +3226,7 @@
       <p:sp>
         <p:nvSpPr>
           <p:cNvPr id="49" name="幻燈片編號"/>
-          <p:cNvSpPr txBox="1">
-            <a:spLocks noGrp="1"/>
-          </p:cNvSpPr>
+          <p:cNvSpPr txBox="1"/>
           <p:nvPr>
             <p:ph type="sldNum" sz="quarter" idx="2"/>
           </p:nvPr>
@@ -3405,10 +3240,8 @@
           <a:bodyPr/>
           <a:lstStyle/>
           <a:p>
-            <a:fld id="{86CB4B4D-7CA3-9044-876B-883B54F8677D}" type="slidenum">
-              <a:t>‹#›</a:t>
-            </a:fld>
-            <a:endParaRPr/>
+            <a:pPr/>
+            <a:fld id="{86CB4B4D-7CA3-9044-876B-883B54F8677D}" type="slidenum"/>
           </a:p>
         </p:txBody>
       </p:sp>
@@ -3417,12 +3250,12 @@
   <p:clrMapOvr>
     <a:masterClrMapping/>
   </p:clrMapOvr>
-  <p:transition spd="med"/>
+  <p:transition xmlns:p14="http://schemas.microsoft.com/office/powerpoint/2010/main" spd="med" advClick="1"/>
 </p:sldLayout>
 </file>
 
 <file path=ppt/slideLayouts/slideLayout6.xml><?xml version="1.0" encoding="utf-8"?>
-<p:sldLayout xmlns:a="http://schemas.openxmlformats.org/drawingml/2006/main" xmlns:r="http://schemas.openxmlformats.org/officeDocument/2006/relationships" xmlns:p="http://schemas.openxmlformats.org/presentationml/2006/main" type="tx">
+<p:sldLayout xmlns:a="http://schemas.openxmlformats.org/drawingml/2006/main" xmlns:r="http://schemas.openxmlformats.org/officeDocument/2006/relationships" xmlns:p="http://schemas.openxmlformats.org/presentationml/2006/main" type="tx" showMasterSp="1" showMasterPhAnim="1">
   <p:cSld name="大標題與項目符號">
     <p:spTree>
       <p:nvGrpSpPr>
@@ -3441,9 +3274,7 @@
       <p:sp>
         <p:nvSpPr>
           <p:cNvPr id="56" name="大標題文字"/>
-          <p:cNvSpPr txBox="1">
-            <a:spLocks noGrp="1"/>
-          </p:cNvSpPr>
+          <p:cNvSpPr txBox="1"/>
           <p:nvPr>
             <p:ph type="title"/>
           </p:nvPr>
@@ -3459,6 +3290,7 @@
             <a:lvl1pPr algn="ctr"/>
           </a:lstStyle>
           <a:p>
+            <a:pPr/>
             <a:r>
               <a:t>大標題文字</a:t>
             </a:r>
@@ -3468,9 +3300,7 @@
       <p:sp>
         <p:nvSpPr>
           <p:cNvPr id="57" name="內文層級一…"/>
-          <p:cNvSpPr txBox="1">
-            <a:spLocks noGrp="1"/>
-          </p:cNvSpPr>
+          <p:cNvSpPr txBox="1"/>
           <p:nvPr>
             <p:ph type="body" idx="1"/>
           </p:nvPr>
@@ -3514,6 +3344,7 @@
             </a:lvl5pPr>
           </a:lstStyle>
           <a:p>
+            <a:pPr/>
             <a:r>
               <a:t>內文層級一</a:t>
             </a:r>
@@ -3547,9 +3378,7 @@
       <p:sp>
         <p:nvSpPr>
           <p:cNvPr id="58" name="幻燈片編號"/>
-          <p:cNvSpPr txBox="1">
-            <a:spLocks noGrp="1"/>
-          </p:cNvSpPr>
+          <p:cNvSpPr txBox="1"/>
           <p:nvPr>
             <p:ph type="sldNum" sz="quarter" idx="2"/>
           </p:nvPr>
@@ -3563,10 +3392,8 @@
           <a:bodyPr/>
           <a:lstStyle/>
           <a:p>
-            <a:fld id="{86CB4B4D-7CA3-9044-876B-883B54F8677D}" type="slidenum">
-              <a:t>‹#›</a:t>
-            </a:fld>
-            <a:endParaRPr/>
+            <a:pPr/>
+            <a:fld id="{86CB4B4D-7CA3-9044-876B-883B54F8677D}" type="slidenum"/>
           </a:p>
         </p:txBody>
       </p:sp>
@@ -3575,12 +3402,12 @@
   <p:clrMapOvr>
     <a:masterClrMapping/>
   </p:clrMapOvr>
-  <p:transition spd="med"/>
+  <p:transition xmlns:p14="http://schemas.microsoft.com/office/powerpoint/2010/main" spd="med" advClick="1"/>
 </p:sldLayout>
 </file>
 
 <file path=ppt/slideLayouts/slideLayout7.xml><?xml version="1.0" encoding="utf-8"?>
-<p:sldLayout xmlns:a="http://schemas.openxmlformats.org/drawingml/2006/main" xmlns:r="http://schemas.openxmlformats.org/officeDocument/2006/relationships" xmlns:p="http://schemas.openxmlformats.org/presentationml/2006/main" type="tx">
+<p:sldLayout xmlns:a="http://schemas.openxmlformats.org/drawingml/2006/main" xmlns:r="http://schemas.openxmlformats.org/officeDocument/2006/relationships" xmlns:p="http://schemas.openxmlformats.org/presentationml/2006/main" type="tx" showMasterSp="1" showMasterPhAnim="1">
   <p:cSld name="大標題、項目符號與照片">
     <p:spTree>
       <p:nvGrpSpPr>
@@ -3599,9 +3426,7 @@
       <p:sp>
         <p:nvSpPr>
           <p:cNvPr id="65" name="影像"/>
-          <p:cNvSpPr>
-            <a:spLocks noGrp="1"/>
-          </p:cNvSpPr>
+          <p:cNvSpPr/>
           <p:nvPr>
             <p:ph type="pic" sz="half" idx="13"/>
           </p:nvPr>
@@ -3624,16 +3449,14 @@
           </a:bodyPr>
           <a:lstStyle/>
           <a:p>
-            <a:endParaRPr/>
+            <a:pPr/>
           </a:p>
         </p:txBody>
       </p:sp>
       <p:sp>
         <p:nvSpPr>
           <p:cNvPr id="66" name="大標題文字"/>
-          <p:cNvSpPr txBox="1">
-            <a:spLocks noGrp="1"/>
-          </p:cNvSpPr>
+          <p:cNvSpPr txBox="1"/>
           <p:nvPr>
             <p:ph type="title"/>
           </p:nvPr>
@@ -3649,6 +3472,7 @@
             <a:lvl1pPr algn="ctr"/>
           </a:lstStyle>
           <a:p>
+            <a:pPr/>
             <a:r>
               <a:t>大標題文字</a:t>
             </a:r>
@@ -3658,9 +3482,7 @@
       <p:sp>
         <p:nvSpPr>
           <p:cNvPr id="67" name="內文層級一…"/>
-          <p:cNvSpPr txBox="1">
-            <a:spLocks noGrp="1"/>
-          </p:cNvSpPr>
+          <p:cNvSpPr txBox="1"/>
           <p:nvPr>
             <p:ph type="body" sz="half" idx="1"/>
           </p:nvPr>
@@ -3724,6 +3546,7 @@
             </a:lvl5pPr>
           </a:lstStyle>
           <a:p>
+            <a:pPr/>
             <a:r>
               <a:t>內文層級一</a:t>
             </a:r>
@@ -3757,9 +3580,7 @@
       <p:sp>
         <p:nvSpPr>
           <p:cNvPr id="68" name="幻燈片編號"/>
-          <p:cNvSpPr txBox="1">
-            <a:spLocks noGrp="1"/>
-          </p:cNvSpPr>
+          <p:cNvSpPr txBox="1"/>
           <p:nvPr>
             <p:ph type="sldNum" sz="quarter" idx="2"/>
           </p:nvPr>
@@ -3773,10 +3594,8 @@
           <a:bodyPr/>
           <a:lstStyle/>
           <a:p>
-            <a:fld id="{86CB4B4D-7CA3-9044-876B-883B54F8677D}" type="slidenum">
-              <a:t>‹#›</a:t>
-            </a:fld>
-            <a:endParaRPr/>
+            <a:pPr/>
+            <a:fld id="{86CB4B4D-7CA3-9044-876B-883B54F8677D}" type="slidenum"/>
           </a:p>
         </p:txBody>
       </p:sp>
@@ -3785,12 +3604,12 @@
   <p:clrMapOvr>
     <a:masterClrMapping/>
   </p:clrMapOvr>
-  <p:transition spd="med"/>
+  <p:transition xmlns:p14="http://schemas.microsoft.com/office/powerpoint/2010/main" spd="med" advClick="1"/>
 </p:sldLayout>
 </file>
 
 <file path=ppt/slideLayouts/slideLayout8.xml><?xml version="1.0" encoding="utf-8"?>
-<p:sldLayout xmlns:a="http://schemas.openxmlformats.org/drawingml/2006/main" xmlns:r="http://schemas.openxmlformats.org/officeDocument/2006/relationships" xmlns:p="http://schemas.openxmlformats.org/presentationml/2006/main" type="tx">
+<p:sldLayout xmlns:a="http://schemas.openxmlformats.org/drawingml/2006/main" xmlns:r="http://schemas.openxmlformats.org/officeDocument/2006/relationships" xmlns:p="http://schemas.openxmlformats.org/presentationml/2006/main" type="tx" showMasterSp="1" showMasterPhAnim="1">
   <p:cSld name="項目符號">
     <p:spTree>
       <p:nvGrpSpPr>
@@ -3809,9 +3628,7 @@
       <p:sp>
         <p:nvSpPr>
           <p:cNvPr id="75" name="內文層級一…"/>
-          <p:cNvSpPr txBox="1">
-            <a:spLocks noGrp="1"/>
-          </p:cNvSpPr>
+          <p:cNvSpPr txBox="1"/>
           <p:nvPr>
             <p:ph type="body" idx="1"/>
           </p:nvPr>
@@ -3851,6 +3668,7 @@
             </a:lvl5pPr>
           </a:lstStyle>
           <a:p>
+            <a:pPr/>
             <a:r>
               <a:t>內文層級一</a:t>
             </a:r>
@@ -3884,9 +3702,7 @@
       <p:sp>
         <p:nvSpPr>
           <p:cNvPr id="76" name="幻燈片編號"/>
-          <p:cNvSpPr txBox="1">
-            <a:spLocks noGrp="1"/>
-          </p:cNvSpPr>
+          <p:cNvSpPr txBox="1"/>
           <p:nvPr>
             <p:ph type="sldNum" sz="quarter" idx="2"/>
           </p:nvPr>
@@ -3900,10 +3716,8 @@
           <a:bodyPr/>
           <a:lstStyle/>
           <a:p>
-            <a:fld id="{86CB4B4D-7CA3-9044-876B-883B54F8677D}" type="slidenum">
-              <a:t>‹#›</a:t>
-            </a:fld>
-            <a:endParaRPr/>
+            <a:pPr/>
+            <a:fld id="{86CB4B4D-7CA3-9044-876B-883B54F8677D}" type="slidenum"/>
           </a:p>
         </p:txBody>
       </p:sp>
@@ -3912,12 +3726,12 @@
   <p:clrMapOvr>
     <a:masterClrMapping/>
   </p:clrMapOvr>
-  <p:transition spd="med"/>
+  <p:transition xmlns:p14="http://schemas.microsoft.com/office/powerpoint/2010/main" spd="med" advClick="1"/>
 </p:sldLayout>
 </file>
 
 <file path=ppt/slideLayouts/slideLayout9.xml><?xml version="1.0" encoding="utf-8"?>
-<p:sldLayout xmlns:a="http://schemas.openxmlformats.org/drawingml/2006/main" xmlns:r="http://schemas.openxmlformats.org/officeDocument/2006/relationships" xmlns:p="http://schemas.openxmlformats.org/presentationml/2006/main" type="tx">
+<p:sldLayout xmlns:a="http://schemas.openxmlformats.org/drawingml/2006/main" xmlns:r="http://schemas.openxmlformats.org/officeDocument/2006/relationships" xmlns:p="http://schemas.openxmlformats.org/presentationml/2006/main" type="tx" showMasterSp="1" showMasterPhAnim="1">
   <p:cSld name="照片 - 一頁三張">
     <p:spTree>
       <p:nvGrpSpPr>
@@ -3936,9 +3750,7 @@
       <p:sp>
         <p:nvSpPr>
           <p:cNvPr id="83" name="影像"/>
-          <p:cNvSpPr>
-            <a:spLocks noGrp="1"/>
-          </p:cNvSpPr>
+          <p:cNvSpPr/>
           <p:nvPr>
             <p:ph type="pic" sz="quarter" idx="13"/>
           </p:nvPr>
@@ -3961,16 +3773,14 @@
           </a:bodyPr>
           <a:lstStyle/>
           <a:p>
-            <a:endParaRPr/>
+            <a:pPr/>
           </a:p>
         </p:txBody>
       </p:sp>
       <p:sp>
         <p:nvSpPr>
           <p:cNvPr id="84" name="影像"/>
-          <p:cNvSpPr>
-            <a:spLocks noGrp="1"/>
-          </p:cNvSpPr>
+          <p:cNvSpPr/>
           <p:nvPr>
             <p:ph type="pic" sz="quarter" idx="14"/>
           </p:nvPr>
@@ -3993,16 +3803,14 @@
           </a:bodyPr>
           <a:lstStyle/>
           <a:p>
-            <a:endParaRPr/>
+            <a:pPr/>
           </a:p>
         </p:txBody>
       </p:sp>
       <p:sp>
         <p:nvSpPr>
           <p:cNvPr id="85" name="影像"/>
-          <p:cNvSpPr>
-            <a:spLocks noGrp="1"/>
-          </p:cNvSpPr>
+          <p:cNvSpPr/>
           <p:nvPr>
             <p:ph type="pic" sz="half" idx="15"/>
           </p:nvPr>
@@ -4025,16 +3833,14 @@
           </a:bodyPr>
           <a:lstStyle/>
           <a:p>
-            <a:endParaRPr/>
+            <a:pPr/>
           </a:p>
         </p:txBody>
       </p:sp>
       <p:sp>
         <p:nvSpPr>
           <p:cNvPr id="86" name="幻燈片編號"/>
-          <p:cNvSpPr txBox="1">
-            <a:spLocks noGrp="1"/>
-          </p:cNvSpPr>
+          <p:cNvSpPr txBox="1"/>
           <p:nvPr>
             <p:ph type="sldNum" sz="quarter" idx="2"/>
           </p:nvPr>
@@ -4048,10 +3854,8 @@
           <a:bodyPr/>
           <a:lstStyle/>
           <a:p>
-            <a:fld id="{86CB4B4D-7CA3-9044-876B-883B54F8677D}" type="slidenum">
-              <a:t>‹#›</a:t>
-            </a:fld>
-            <a:endParaRPr/>
+            <a:pPr/>
+            <a:fld id="{86CB4B4D-7CA3-9044-876B-883B54F8677D}" type="slidenum"/>
           </a:p>
         </p:txBody>
       </p:sp>
@@ -4060,7 +3864,7 @@
   <p:clrMapOvr>
     <a:masterClrMapping/>
   </p:clrMapOvr>
-  <p:transition spd="med"/>
+  <p:transition xmlns:p14="http://schemas.microsoft.com/office/powerpoint/2010/main" spd="med" advClick="1"/>
 </p:sldLayout>
 </file>
 
@@ -4070,13 +3874,12 @@
     <p:bg>
       <p:bgPr>
         <a:blipFill rotWithShape="1">
-          <a:blip r:embed="rId14"/>
-          <a:srcRect/>
+          <a:blip r:embed="rId2"/>
+          <a:srcRect l="0" t="0" r="0" b="0"/>
           <a:stretch>
             <a:fillRect/>
           </a:stretch>
         </a:blipFill>
-        <a:effectLst/>
       </p:bgPr>
     </p:bg>
     <p:spTree>
@@ -4096,9 +3899,7 @@
       <p:sp>
         <p:nvSpPr>
           <p:cNvPr id="2" name="內文層級一…"/>
-          <p:cNvSpPr txBox="1">
-            <a:spLocks noGrp="1"/>
-          </p:cNvSpPr>
+          <p:cNvSpPr txBox="1"/>
           <p:nvPr>
             <p:ph type="body" idx="1"/>
           </p:nvPr>
@@ -4116,42 +3917,43 @@
           </a:ln>
           <a:extLst>
             <a:ext uri="{C572A759-6A51-4108-AA02-DFA0A04FC94B}">
-              <ma14:wrappingTextBoxFlag xmlns:ma14="http://schemas.microsoft.com/office/mac/drawingml/2011/main" xmlns="" val="1"/>
+              <ma14:wrappingTextBoxFlag xmlns:ma14="http://schemas.microsoft.com/office/mac/drawingml/2011/main" val="1"/>
             </a:ext>
           </a:extLst>
         </p:spPr>
         <p:txBody>
           <a:bodyPr lIns="50800" tIns="50800" rIns="50800" bIns="50800" anchor="ctr">
-            <a:normAutofit/>
+            <a:normAutofit fontScale="100000" lnSpcReduction="0"/>
           </a:bodyPr>
           <a:lstStyle>
             <a:lvl1pPr>
               <a:buBlip>
-                <a:blip r:embed="rId15"/>
+                <a:blip r:embed="rId3"/>
               </a:buBlip>
             </a:lvl1pPr>
             <a:lvl2pPr>
               <a:buBlip>
-                <a:blip r:embed="rId15"/>
+                <a:blip r:embed="rId3"/>
               </a:buBlip>
             </a:lvl2pPr>
             <a:lvl3pPr>
               <a:buBlip>
-                <a:blip r:embed="rId15"/>
+                <a:blip r:embed="rId3"/>
               </a:buBlip>
             </a:lvl3pPr>
             <a:lvl4pPr>
               <a:buBlip>
-                <a:blip r:embed="rId15"/>
+                <a:blip r:embed="rId3"/>
               </a:buBlip>
             </a:lvl4pPr>
             <a:lvl5pPr>
               <a:buBlip>
-                <a:blip r:embed="rId15"/>
+                <a:blip r:embed="rId3"/>
               </a:buBlip>
             </a:lvl5pPr>
           </a:lstStyle>
           <a:p>
+            <a:pPr/>
             <a:r>
               <a:t>內文層級一</a:t>
             </a:r>
@@ -4185,9 +3987,7 @@
       <p:sp>
         <p:nvSpPr>
           <p:cNvPr id="3" name="大標題文字"/>
-          <p:cNvSpPr txBox="1">
-            <a:spLocks noGrp="1"/>
-          </p:cNvSpPr>
+          <p:cNvSpPr txBox="1"/>
           <p:nvPr>
             <p:ph type="title"/>
           </p:nvPr>
@@ -4205,16 +4005,17 @@
           </a:ln>
           <a:extLst>
             <a:ext uri="{C572A759-6A51-4108-AA02-DFA0A04FC94B}">
-              <ma14:wrappingTextBoxFlag xmlns:ma14="http://schemas.microsoft.com/office/mac/drawingml/2011/main" xmlns="" val="1"/>
+              <ma14:wrappingTextBoxFlag xmlns:ma14="http://schemas.microsoft.com/office/mac/drawingml/2011/main" val="1"/>
             </a:ext>
           </a:extLst>
         </p:spPr>
         <p:txBody>
           <a:bodyPr lIns="50800" tIns="50800" rIns="50800" bIns="50800" anchor="ctr">
-            <a:normAutofit/>
+            <a:normAutofit fontScale="100000" lnSpcReduction="0"/>
           </a:bodyPr>
           <a:lstStyle/>
           <a:p>
+            <a:pPr/>
             <a:r>
               <a:t>大標題文字</a:t>
             </a:r>
@@ -4224,9 +4025,7 @@
       <p:sp>
         <p:nvSpPr>
           <p:cNvPr id="4" name="幻燈片編號"/>
-          <p:cNvSpPr txBox="1">
-            <a:spLocks noGrp="1"/>
-          </p:cNvSpPr>
+          <p:cNvSpPr txBox="1"/>
           <p:nvPr>
             <p:ph type="sldNum" sz="quarter" idx="2"/>
           </p:nvPr>
@@ -4253,10 +4052,8 @@
             </a:lvl1pPr>
           </a:lstStyle>
           <a:p>
-            <a:fld id="{86CB4B4D-7CA3-9044-876B-883B54F8677D}" type="slidenum">
-              <a:t>‹#›</a:t>
-            </a:fld>
-            <a:endParaRPr/>
+            <a:pPr/>
+            <a:fld id="{86CB4B4D-7CA3-9044-876B-883B54F8677D}" type="slidenum"/>
           </a:p>
         </p:txBody>
       </p:sp>
@@ -4264,20 +4061,20 @@
   </p:cSld>
   <p:clrMap bg1="lt1" tx1="dk1" bg2="lt2" tx2="dk2" accent1="accent1" accent2="accent2" accent3="accent3" accent4="accent4" accent5="accent5" accent6="accent6" hlink="hlink" folHlink="folHlink"/>
   <p:sldLayoutIdLst>
-    <p:sldLayoutId id="2147483649" r:id="rId1"/>
-    <p:sldLayoutId id="2147483650" r:id="rId2"/>
-    <p:sldLayoutId id="2147483651" r:id="rId3"/>
-    <p:sldLayoutId id="2147483652" r:id="rId4"/>
-    <p:sldLayoutId id="2147483653" r:id="rId5"/>
-    <p:sldLayoutId id="2147483654" r:id="rId6"/>
-    <p:sldLayoutId id="2147483655" r:id="rId7"/>
-    <p:sldLayoutId id="2147483656" r:id="rId8"/>
-    <p:sldLayoutId id="2147483657" r:id="rId9"/>
-    <p:sldLayoutId id="2147483658" r:id="rId10"/>
-    <p:sldLayoutId id="2147483659" r:id="rId11"/>
-    <p:sldLayoutId id="2147483660" r:id="rId12"/>
+    <p:sldLayoutId id="2147483649" r:id="rId4"/>
+    <p:sldLayoutId id="2147483650" r:id="rId5"/>
+    <p:sldLayoutId id="2147483651" r:id="rId6"/>
+    <p:sldLayoutId id="2147483652" r:id="rId7"/>
+    <p:sldLayoutId id="2147483653" r:id="rId8"/>
+    <p:sldLayoutId id="2147483654" r:id="rId9"/>
+    <p:sldLayoutId id="2147483655" r:id="rId10"/>
+    <p:sldLayoutId id="2147483656" r:id="rId11"/>
+    <p:sldLayoutId id="2147483657" r:id="rId12"/>
+    <p:sldLayoutId id="2147483658" r:id="rId13"/>
+    <p:sldLayoutId id="2147483659" r:id="rId14"/>
+    <p:sldLayoutId id="2147483660" r:id="rId15"/>
   </p:sldLayoutIdLst>
-  <p:transition spd="med"/>
+  <p:transition xmlns:p14="http://schemas.microsoft.com/office/powerpoint/2010/main" spd="med" advClick="1"/>
   <p:txStyles>
     <p:titleStyle>
       <a:lvl1pPr marL="0" marR="0" indent="0" algn="l" defTabSz="584200" latinLnBrk="0">
@@ -4295,7 +4092,7 @@
         <a:buFontTx/>
         <a:buNone/>
         <a:tabLst/>
-        <a:defRPr sz="7200" b="0" i="0" u="none" strike="noStrike" cap="none" spc="0" baseline="0">
+        <a:defRPr b="0" baseline="0" cap="none" i="0" spc="0" strike="noStrike" sz="7200" u="none">
           <a:ln>
             <a:noFill/>
           </a:ln>
@@ -4324,7 +4121,7 @@
         <a:buFontTx/>
         <a:buNone/>
         <a:tabLst/>
-        <a:defRPr sz="7200" b="0" i="0" u="none" strike="noStrike" cap="none" spc="0" baseline="0">
+        <a:defRPr b="0" baseline="0" cap="none" i="0" spc="0" strike="noStrike" sz="7200" u="none">
           <a:ln>
             <a:noFill/>
           </a:ln>
@@ -4353,7 +4150,7 @@
         <a:buFontTx/>
         <a:buNone/>
         <a:tabLst/>
-        <a:defRPr sz="7200" b="0" i="0" u="none" strike="noStrike" cap="none" spc="0" baseline="0">
+        <a:defRPr b="0" baseline="0" cap="none" i="0" spc="0" strike="noStrike" sz="7200" u="none">
           <a:ln>
             <a:noFill/>
           </a:ln>
@@ -4382,7 +4179,7 @@
         <a:buFontTx/>
         <a:buNone/>
         <a:tabLst/>
-        <a:defRPr sz="7200" b="0" i="0" u="none" strike="noStrike" cap="none" spc="0" baseline="0">
+        <a:defRPr b="0" baseline="0" cap="none" i="0" spc="0" strike="noStrike" sz="7200" u="none">
           <a:ln>
             <a:noFill/>
           </a:ln>
@@ -4411,7 +4208,7 @@
         <a:buFontTx/>
         <a:buNone/>
         <a:tabLst/>
-        <a:defRPr sz="7200" b="0" i="0" u="none" strike="noStrike" cap="none" spc="0" baseline="0">
+        <a:defRPr b="0" baseline="0" cap="none" i="0" spc="0" strike="noStrike" sz="7200" u="none">
           <a:ln>
             <a:noFill/>
           </a:ln>
@@ -4440,7 +4237,7 @@
         <a:buFontTx/>
         <a:buNone/>
         <a:tabLst/>
-        <a:defRPr sz="7200" b="0" i="0" u="none" strike="noStrike" cap="none" spc="0" baseline="0">
+        <a:defRPr b="0" baseline="0" cap="none" i="0" spc="0" strike="noStrike" sz="7200" u="none">
           <a:ln>
             <a:noFill/>
           </a:ln>
@@ -4469,7 +4266,7 @@
         <a:buFontTx/>
         <a:buNone/>
         <a:tabLst/>
-        <a:defRPr sz="7200" b="0" i="0" u="none" strike="noStrike" cap="none" spc="0" baseline="0">
+        <a:defRPr b="0" baseline="0" cap="none" i="0" spc="0" strike="noStrike" sz="7200" u="none">
           <a:ln>
             <a:noFill/>
           </a:ln>
@@ -4498,7 +4295,7 @@
         <a:buFontTx/>
         <a:buNone/>
         <a:tabLst/>
-        <a:defRPr sz="7200" b="0" i="0" u="none" strike="noStrike" cap="none" spc="0" baseline="0">
+        <a:defRPr b="0" baseline="0" cap="none" i="0" spc="0" strike="noStrike" sz="7200" u="none">
           <a:ln>
             <a:noFill/>
           </a:ln>
@@ -4527,7 +4324,7 @@
         <a:buFontTx/>
         <a:buNone/>
         <a:tabLst/>
-        <a:defRPr sz="7200" b="0" i="0" u="none" strike="noStrike" cap="none" spc="0" baseline="0">
+        <a:defRPr b="0" baseline="0" cap="none" i="0" spc="0" strike="noStrike" sz="7200" u="none">
           <a:ln>
             <a:noFill/>
           </a:ln>
@@ -4557,10 +4354,10 @@
         <a:buSzPct val="25000"/>
         <a:buFontTx/>
         <a:buBlip>
-          <a:blip r:embed="rId15"/>
+          <a:blip r:embed="rId3"/>
         </a:buBlip>
         <a:tabLst/>
-        <a:defRPr sz="3800" b="0" i="0" u="none" strike="noStrike" cap="none" spc="0" baseline="0">
+        <a:defRPr b="0" baseline="0" cap="none" i="0" spc="0" strike="noStrike" sz="3800" u="none">
           <a:ln>
             <a:noFill/>
           </a:ln>
@@ -4588,10 +4385,10 @@
         <a:buSzPct val="25000"/>
         <a:buFontTx/>
         <a:buBlip>
-          <a:blip r:embed="rId15"/>
+          <a:blip r:embed="rId3"/>
         </a:buBlip>
         <a:tabLst/>
-        <a:defRPr sz="3800" b="0" i="0" u="none" strike="noStrike" cap="none" spc="0" baseline="0">
+        <a:defRPr b="0" baseline="0" cap="none" i="0" spc="0" strike="noStrike" sz="3800" u="none">
           <a:ln>
             <a:noFill/>
           </a:ln>
@@ -4619,10 +4416,10 @@
         <a:buSzPct val="25000"/>
         <a:buFontTx/>
         <a:buBlip>
-          <a:blip r:embed="rId15"/>
+          <a:blip r:embed="rId3"/>
         </a:buBlip>
         <a:tabLst/>
-        <a:defRPr sz="3800" b="0" i="0" u="none" strike="noStrike" cap="none" spc="0" baseline="0">
+        <a:defRPr b="0" baseline="0" cap="none" i="0" spc="0" strike="noStrike" sz="3800" u="none">
           <a:ln>
             <a:noFill/>
           </a:ln>
@@ -4650,10 +4447,10 @@
         <a:buSzPct val="25000"/>
         <a:buFontTx/>
         <a:buBlip>
-          <a:blip r:embed="rId15"/>
+          <a:blip r:embed="rId3"/>
         </a:buBlip>
         <a:tabLst/>
-        <a:defRPr sz="3800" b="0" i="0" u="none" strike="noStrike" cap="none" spc="0" baseline="0">
+        <a:defRPr b="0" baseline="0" cap="none" i="0" spc="0" strike="noStrike" sz="3800" u="none">
           <a:ln>
             <a:noFill/>
           </a:ln>
@@ -4681,10 +4478,10 @@
         <a:buSzPct val="25000"/>
         <a:buFontTx/>
         <a:buBlip>
-          <a:blip r:embed="rId15"/>
+          <a:blip r:embed="rId3"/>
         </a:buBlip>
         <a:tabLst/>
-        <a:defRPr sz="3800" b="0" i="0" u="none" strike="noStrike" cap="none" spc="0" baseline="0">
+        <a:defRPr b="0" baseline="0" cap="none" i="0" spc="0" strike="noStrike" sz="3800" u="none">
           <a:ln>
             <a:noFill/>
           </a:ln>
@@ -4712,10 +4509,10 @@
         <a:buSzPct val="25000"/>
         <a:buFontTx/>
         <a:buBlip>
-          <a:blip r:embed="rId15"/>
+          <a:blip r:embed="rId3"/>
         </a:buBlip>
         <a:tabLst/>
-        <a:defRPr sz="3800" b="0" i="0" u="none" strike="noStrike" cap="none" spc="0" baseline="0">
+        <a:defRPr b="0" baseline="0" cap="none" i="0" spc="0" strike="noStrike" sz="3800" u="none">
           <a:ln>
             <a:noFill/>
           </a:ln>
@@ -4743,10 +4540,10 @@
         <a:buSzPct val="25000"/>
         <a:buFontTx/>
         <a:buBlip>
-          <a:blip r:embed="rId15"/>
+          <a:blip r:embed="rId3"/>
         </a:buBlip>
         <a:tabLst/>
-        <a:defRPr sz="3800" b="0" i="0" u="none" strike="noStrike" cap="none" spc="0" baseline="0">
+        <a:defRPr b="0" baseline="0" cap="none" i="0" spc="0" strike="noStrike" sz="3800" u="none">
           <a:ln>
             <a:noFill/>
           </a:ln>
@@ -4774,10 +4571,10 @@
         <a:buSzPct val="25000"/>
         <a:buFontTx/>
         <a:buBlip>
-          <a:blip r:embed="rId15"/>
+          <a:blip r:embed="rId3"/>
         </a:buBlip>
         <a:tabLst/>
-        <a:defRPr sz="3800" b="0" i="0" u="none" strike="noStrike" cap="none" spc="0" baseline="0">
+        <a:defRPr b="0" baseline="0" cap="none" i="0" spc="0" strike="noStrike" sz="3800" u="none">
           <a:ln>
             <a:noFill/>
           </a:ln>
@@ -4805,10 +4602,10 @@
         <a:buSzPct val="25000"/>
         <a:buFontTx/>
         <a:buBlip>
-          <a:blip r:embed="rId15"/>
+          <a:blip r:embed="rId3"/>
         </a:buBlip>
         <a:tabLst/>
-        <a:defRPr sz="3800" b="0" i="0" u="none" strike="noStrike" cap="none" spc="0" baseline="0">
+        <a:defRPr b="0" baseline="0" cap="none" i="0" spc="0" strike="noStrike" sz="3800" u="none">
           <a:ln>
             <a:noFill/>
           </a:ln>
@@ -4839,7 +4636,7 @@
         <a:buFontTx/>
         <a:buNone/>
         <a:tabLst/>
-        <a:defRPr sz="1800" b="0" i="0" u="none" strike="noStrike" cap="none" spc="0" baseline="0">
+        <a:defRPr b="0" baseline="0" cap="none" i="0" spc="0" strike="noStrike" sz="1800" u="none">
           <a:ln>
             <a:noFill/>
           </a:ln>
@@ -4868,7 +4665,7 @@
         <a:buFontTx/>
         <a:buNone/>
         <a:tabLst/>
-        <a:defRPr sz="1800" b="0" i="0" u="none" strike="noStrike" cap="none" spc="0" baseline="0">
+        <a:defRPr b="0" baseline="0" cap="none" i="0" spc="0" strike="noStrike" sz="1800" u="none">
           <a:ln>
             <a:noFill/>
           </a:ln>
@@ -4897,7 +4694,7 @@
         <a:buFontTx/>
         <a:buNone/>
         <a:tabLst/>
-        <a:defRPr sz="1800" b="0" i="0" u="none" strike="noStrike" cap="none" spc="0" baseline="0">
+        <a:defRPr b="0" baseline="0" cap="none" i="0" spc="0" strike="noStrike" sz="1800" u="none">
           <a:ln>
             <a:noFill/>
           </a:ln>
@@ -4926,7 +4723,7 @@
         <a:buFontTx/>
         <a:buNone/>
         <a:tabLst/>
-        <a:defRPr sz="1800" b="0" i="0" u="none" strike="noStrike" cap="none" spc="0" baseline="0">
+        <a:defRPr b="0" baseline="0" cap="none" i="0" spc="0" strike="noStrike" sz="1800" u="none">
           <a:ln>
             <a:noFill/>
           </a:ln>
@@ -4955,7 +4752,7 @@
         <a:buFontTx/>
         <a:buNone/>
         <a:tabLst/>
-        <a:defRPr sz="1800" b="0" i="0" u="none" strike="noStrike" cap="none" spc="0" baseline="0">
+        <a:defRPr b="0" baseline="0" cap="none" i="0" spc="0" strike="noStrike" sz="1800" u="none">
           <a:ln>
             <a:noFill/>
           </a:ln>
@@ -4984,7 +4781,7 @@
         <a:buFontTx/>
         <a:buNone/>
         <a:tabLst/>
-        <a:defRPr sz="1800" b="0" i="0" u="none" strike="noStrike" cap="none" spc="0" baseline="0">
+        <a:defRPr b="0" baseline="0" cap="none" i="0" spc="0" strike="noStrike" sz="1800" u="none">
           <a:ln>
             <a:noFill/>
           </a:ln>
@@ -5013,7 +4810,7 @@
         <a:buFontTx/>
         <a:buNone/>
         <a:tabLst/>
-        <a:defRPr sz="1800" b="0" i="0" u="none" strike="noStrike" cap="none" spc="0" baseline="0">
+        <a:defRPr b="0" baseline="0" cap="none" i="0" spc="0" strike="noStrike" sz="1800" u="none">
           <a:ln>
             <a:noFill/>
           </a:ln>
@@ -5042,7 +4839,7 @@
         <a:buFontTx/>
         <a:buNone/>
         <a:tabLst/>
-        <a:defRPr sz="1800" b="0" i="0" u="none" strike="noStrike" cap="none" spc="0" baseline="0">
+        <a:defRPr b="0" baseline="0" cap="none" i="0" spc="0" strike="noStrike" sz="1800" u="none">
           <a:ln>
             <a:noFill/>
           </a:ln>
@@ -5071,7 +4868,7 @@
         <a:buFontTx/>
         <a:buNone/>
         <a:tabLst/>
-        <a:defRPr sz="1800" b="0" i="0" u="none" strike="noStrike" cap="none" spc="0" baseline="0">
+        <a:defRPr b="0" baseline="0" cap="none" i="0" spc="0" strike="noStrike" sz="1800" u="none">
           <a:ln>
             <a:noFill/>
           </a:ln>
@@ -5091,7 +4888,7 @@
 </file>
 
 <file path=ppt/slides/slide1.xml><?xml version="1.0" encoding="utf-8"?>
-<p:sld xmlns:a="http://schemas.openxmlformats.org/drawingml/2006/main" xmlns:r="http://schemas.openxmlformats.org/officeDocument/2006/relationships" xmlns:p="http://schemas.openxmlformats.org/presentationml/2006/main">
+<p:sld xmlns:a="http://schemas.openxmlformats.org/drawingml/2006/main" xmlns:r="http://schemas.openxmlformats.org/officeDocument/2006/relationships" xmlns:p="http://schemas.openxmlformats.org/presentationml/2006/main" showMasterSp="1" showMasterPhAnim="1">
   <p:cSld>
     <p:spTree>
       <p:nvGrpSpPr>
@@ -5110,17 +4907,15 @@
       <p:sp>
         <p:nvSpPr>
           <p:cNvPr id="119" name="Introduction to AngularJS"/>
-          <p:cNvSpPr txBox="1">
-            <a:spLocks noGrp="1"/>
-          </p:cNvSpPr>
+          <p:cNvSpPr txBox="1"/>
           <p:nvPr>
             <p:ph type="ctrTitle"/>
           </p:nvPr>
         </p:nvSpPr>
         <p:spPr>
           <a:xfrm>
-            <a:off x="1269999" y="2022386"/>
-            <a:ext cx="10464801" cy="3467101"/>
+            <a:off x="1270000" y="2022386"/>
+            <a:ext cx="10464800" cy="3467101"/>
           </a:xfrm>
           <a:prstGeom prst="rect">
             <a:avLst/>
@@ -5130,6 +4925,7 @@
           <a:bodyPr/>
           <a:lstStyle/>
           <a:p>
+            <a:pPr/>
             <a:r>
               <a:t>Introduction to AngularJS</a:t>
             </a:r>
@@ -5139,17 +4935,15 @@
       <p:sp>
         <p:nvSpPr>
           <p:cNvPr id="120" name="Jeff Chang"/>
-          <p:cNvSpPr txBox="1">
-            <a:spLocks noGrp="1"/>
-          </p:cNvSpPr>
+          <p:cNvSpPr txBox="1"/>
           <p:nvPr>
             <p:ph type="subTitle" sz="quarter" idx="1"/>
           </p:nvPr>
         </p:nvSpPr>
         <p:spPr>
           <a:xfrm>
-            <a:off x="1269999" y="6364988"/>
-            <a:ext cx="10464801" cy="796057"/>
+            <a:off x="1270000" y="6364988"/>
+            <a:ext cx="10464800" cy="796057"/>
           </a:xfrm>
           <a:prstGeom prst="rect">
             <a:avLst/>
@@ -5163,6 +4957,7 @@
             </a:lvl1pPr>
           </a:lstStyle>
           <a:p>
+            <a:pPr/>
             <a:r>
               <a:t>Jeff Chang</a:t>
             </a:r>
@@ -5174,12 +4969,12 @@
   <p:clrMapOvr>
     <a:masterClrMapping/>
   </p:clrMapOvr>
-  <p:transition spd="med"/>
+  <p:transition xmlns:p14="http://schemas.microsoft.com/office/powerpoint/2010/main" spd="med" advClick="1"/>
 </p:sld>
 </file>
 
 <file path=ppt/slides/slide10.xml><?xml version="1.0" encoding="utf-8"?>
-<p:sld xmlns:a="http://schemas.openxmlformats.org/drawingml/2006/main" xmlns:r="http://schemas.openxmlformats.org/officeDocument/2006/relationships" xmlns:p="http://schemas.openxmlformats.org/presentationml/2006/main">
+<p:sld xmlns:a="http://schemas.openxmlformats.org/drawingml/2006/main" xmlns:r="http://schemas.openxmlformats.org/officeDocument/2006/relationships" xmlns:p="http://schemas.openxmlformats.org/presentationml/2006/main" showMasterSp="1" showMasterPhAnim="1">
   <p:cSld>
     <p:spTree>
       <p:nvGrpSpPr>
@@ -5198,9 +4993,7 @@
       <p:sp>
         <p:nvSpPr>
           <p:cNvPr id="162" name="Angular 2 重要特性"/>
-          <p:cNvSpPr txBox="1">
-            <a:spLocks noGrp="1"/>
-          </p:cNvSpPr>
+          <p:cNvSpPr txBox="1"/>
           <p:nvPr>
             <p:ph type="title"/>
           </p:nvPr>
@@ -5214,6 +5007,7 @@
           <a:bodyPr/>
           <a:lstStyle/>
           <a:p>
+            <a:pPr/>
             <a:r>
               <a:t>Angular 2 </a:t>
             </a:r>
@@ -5227,9 +5021,7 @@
       <p:sp>
         <p:nvSpPr>
           <p:cNvPr id="163" name="功能強大的JavaScript開發平台(有點類似Java EE, .NET平台)…"/>
-          <p:cNvSpPr txBox="1">
-            <a:spLocks noGrp="1"/>
-          </p:cNvSpPr>
+          <p:cNvSpPr txBox="1"/>
           <p:nvPr>
             <p:ph type="body" idx="1"/>
           </p:nvPr>
@@ -5304,18 +5096,18 @@
   <p:clrMapOvr>
     <a:masterClrMapping/>
   </p:clrMapOvr>
-  <mc:AlternateContent xmlns:mc="http://schemas.openxmlformats.org/markup-compatibility/2006" xmlns:p15="http://schemas.microsoft.com/office/powerpoint/2012/main">
-    <mc:Choice Requires="p15">
-      <p:transition spd="slow">
+  <mc:AlternateContent xmlns:mc="http://schemas.openxmlformats.org/markup-compatibility/2006">
+    <mc:Choice xmlns:p15="http://schemas.microsoft.com/office/powerpoint/2012/main" Requires="p15">
+      <p:transition xmlns:p14="http://schemas.microsoft.com/office/powerpoint/2010/main" spd="med" advClick="1" p14:dur="1000">
         <p15:prstTrans prst="peelOff"/>
       </p:transition>
     </mc:Choice>
-    <mc:Choice xmlns:p14="http://schemas.microsoft.com/office/powerpoint/2010/main" xmlns="" Requires="p14">
+    <mc:Choice xmlns:p14="http://schemas.microsoft.com/office/powerpoint/2010/main" Requires="p14">
       <p:transition spd="med" advClick="1" p14:dur="1000">
         <p:wipe dir="r"/>
       </p:transition>
     </mc:Choice>
-    <mc:Fallback xmlns="">
+    <mc:Fallback>
       <p:transition spd="med">
         <p:fade/>
       </p:transition>
@@ -5325,7 +5117,7 @@
 </file>
 
 <file path=ppt/slides/slide11.xml><?xml version="1.0" encoding="utf-8"?>
-<p:sld xmlns:a="http://schemas.openxmlformats.org/drawingml/2006/main" xmlns:r="http://schemas.openxmlformats.org/officeDocument/2006/relationships" xmlns:p="http://schemas.openxmlformats.org/presentationml/2006/main">
+<p:sld xmlns:a="http://schemas.openxmlformats.org/drawingml/2006/main" xmlns:r="http://schemas.openxmlformats.org/officeDocument/2006/relationships" xmlns:p="http://schemas.openxmlformats.org/presentationml/2006/main" showMasterSp="1" showMasterPhAnim="1">
   <p:cSld>
     <p:spTree>
       <p:nvGrpSpPr>
@@ -5344,9 +5136,7 @@
       <p:sp>
         <p:nvSpPr>
           <p:cNvPr id="167" name="Angular 2 核心技術"/>
-          <p:cNvSpPr txBox="1">
-            <a:spLocks noGrp="1"/>
-          </p:cNvSpPr>
+          <p:cNvSpPr txBox="1"/>
           <p:nvPr>
             <p:ph type="title"/>
           </p:nvPr>
@@ -5360,6 +5150,7 @@
           <a:bodyPr/>
           <a:lstStyle/>
           <a:p>
+            <a:pPr/>
             <a:r>
               <a:t>Angular 2 </a:t>
             </a:r>
@@ -5373,9 +5164,7 @@
       <p:sp>
         <p:nvSpPr>
           <p:cNvPr id="168" name="Module…"/>
-          <p:cNvSpPr txBox="1">
-            <a:spLocks noGrp="1"/>
-          </p:cNvSpPr>
+          <p:cNvSpPr txBox="1"/>
           <p:nvPr>
             <p:ph type="body" idx="1"/>
           </p:nvPr>
@@ -5450,18 +5239,18 @@
   <p:clrMapOvr>
     <a:masterClrMapping/>
   </p:clrMapOvr>
-  <mc:AlternateContent xmlns:mc="http://schemas.openxmlformats.org/markup-compatibility/2006" xmlns:p15="http://schemas.microsoft.com/office/powerpoint/2012/main">
-    <mc:Choice Requires="p15">
-      <p:transition spd="slow">
+  <mc:AlternateContent xmlns:mc="http://schemas.openxmlformats.org/markup-compatibility/2006">
+    <mc:Choice xmlns:p15="http://schemas.microsoft.com/office/powerpoint/2012/main" Requires="p15">
+      <p:transition xmlns:p14="http://schemas.microsoft.com/office/powerpoint/2010/main" spd="med" advClick="1" p14:dur="1000">
         <p15:prstTrans prst="peelOff"/>
       </p:transition>
     </mc:Choice>
-    <mc:Choice xmlns:p14="http://schemas.microsoft.com/office/powerpoint/2010/main" xmlns="" Requires="p14">
+    <mc:Choice xmlns:p14="http://schemas.microsoft.com/office/powerpoint/2010/main" Requires="p14">
       <p:transition spd="med" advClick="1" p14:dur="1000">
         <p:wipe dir="r"/>
       </p:transition>
     </mc:Choice>
-    <mc:Fallback xmlns="">
+    <mc:Fallback>
       <p:transition spd="med">
         <p:fade/>
       </p:transition>
@@ -5471,7 +5260,7 @@
 </file>
 
 <file path=ppt/slides/slide12.xml><?xml version="1.0" encoding="utf-8"?>
-<p:sld xmlns:a="http://schemas.openxmlformats.org/drawingml/2006/main" xmlns:r="http://schemas.openxmlformats.org/officeDocument/2006/relationships" xmlns:p="http://schemas.openxmlformats.org/presentationml/2006/main">
+<p:sld xmlns:a="http://schemas.openxmlformats.org/drawingml/2006/main" xmlns:r="http://schemas.openxmlformats.org/officeDocument/2006/relationships" xmlns:p="http://schemas.openxmlformats.org/presentationml/2006/main" showMasterSp="1" showMasterPhAnim="1">
   <p:cSld>
     <p:spTree>
       <p:nvGrpSpPr>
@@ -5490,9 +5279,7 @@
       <p:sp>
         <p:nvSpPr>
           <p:cNvPr id="172" name="Angular JS 1.x Application"/>
-          <p:cNvSpPr txBox="1">
-            <a:spLocks noGrp="1"/>
-          </p:cNvSpPr>
+          <p:cNvSpPr txBox="1"/>
           <p:nvPr>
             <p:ph type="title"/>
           </p:nvPr>
@@ -5510,6 +5297,7 @@
             </a:lvl1pPr>
           </a:lstStyle>
           <a:p>
+            <a:pPr/>
             <a:r>
               <a:t>Angular JS 1.x Application</a:t>
             </a:r>
@@ -5521,18 +5309,18 @@
   <p:clrMapOvr>
     <a:masterClrMapping/>
   </p:clrMapOvr>
-  <mc:AlternateContent xmlns:mc="http://schemas.openxmlformats.org/markup-compatibility/2006" xmlns:p15="http://schemas.microsoft.com/office/powerpoint/2012/main">
-    <mc:Choice Requires="p15">
-      <p:transition spd="slow">
+  <mc:AlternateContent xmlns:mc="http://schemas.openxmlformats.org/markup-compatibility/2006">
+    <mc:Choice xmlns:p15="http://schemas.microsoft.com/office/powerpoint/2012/main" Requires="p15">
+      <p:transition xmlns:p14="http://schemas.microsoft.com/office/powerpoint/2010/main" spd="med" advClick="1" p14:dur="1000">
         <p15:prstTrans prst="peelOff"/>
       </p:transition>
     </mc:Choice>
-    <mc:Choice xmlns:p14="http://schemas.microsoft.com/office/powerpoint/2010/main" xmlns="" Requires="p14">
+    <mc:Choice xmlns:p14="http://schemas.microsoft.com/office/powerpoint/2010/main" Requires="p14">
       <p:transition spd="med" advClick="1" p14:dur="1000">
         <p:wipe dir="r"/>
       </p:transition>
     </mc:Choice>
-    <mc:Fallback xmlns="">
+    <mc:Fallback>
       <p:transition spd="med">
         <p:fade/>
       </p:transition>
@@ -5542,7 +5330,7 @@
 </file>
 
 <file path=ppt/slides/slide13.xml><?xml version="1.0" encoding="utf-8"?>
-<p:sld xmlns:a="http://schemas.openxmlformats.org/drawingml/2006/main" xmlns:r="http://schemas.openxmlformats.org/officeDocument/2006/relationships" xmlns:p="http://schemas.openxmlformats.org/presentationml/2006/main">
+<p:sld xmlns:a="http://schemas.openxmlformats.org/drawingml/2006/main" xmlns:r="http://schemas.openxmlformats.org/officeDocument/2006/relationships" xmlns:p="http://schemas.openxmlformats.org/presentationml/2006/main" showMasterSp="1" showMasterPhAnim="1">
   <p:cSld>
     <p:spTree>
       <p:nvGrpSpPr>
@@ -5561,9 +5349,7 @@
       <p:sp>
         <p:nvSpPr>
           <p:cNvPr id="174" name="Syllabus"/>
-          <p:cNvSpPr txBox="1">
-            <a:spLocks noGrp="1"/>
-          </p:cNvSpPr>
+          <p:cNvSpPr txBox="1"/>
           <p:nvPr>
             <p:ph type="title"/>
           </p:nvPr>
@@ -5581,6 +5367,7 @@
             </a:lvl1pPr>
           </a:lstStyle>
           <a:p>
+            <a:pPr/>
             <a:r>
               <a:t>Syllabus</a:t>
             </a:r>
@@ -5590,9 +5377,7 @@
       <p:sp>
         <p:nvSpPr>
           <p:cNvPr id="175" name="AngularJS 1.x Environment Setup…"/>
-          <p:cNvSpPr txBox="1">
-            <a:spLocks noGrp="1"/>
-          </p:cNvSpPr>
+          <p:cNvSpPr txBox="1"/>
           <p:nvPr>
             <p:ph type="body" sz="half" idx="1"/>
           </p:nvPr>
@@ -5728,13 +5513,13 @@
           </a:ln>
           <a:extLst>
             <a:ext uri="{C572A759-6A51-4108-AA02-DFA0A04FC94B}">
-              <ma14:wrappingTextBoxFlag xmlns:ma14="http://schemas.microsoft.com/office/mac/drawingml/2011/main" xmlns="" val="1"/>
+              <ma14:wrappingTextBoxFlag xmlns:ma14="http://schemas.microsoft.com/office/mac/drawingml/2011/main" val="1"/>
             </a:ext>
           </a:extLst>
         </p:spPr>
         <p:txBody>
           <a:bodyPr lIns="50800" tIns="50800" rIns="50800" bIns="50800" anchor="ctr">
-            <a:normAutofit/>
+            <a:normAutofit fontScale="100000" lnSpcReduction="0"/>
           </a:bodyPr>
           <a:lstStyle/>
           <a:p>
@@ -5834,18 +5619,18 @@
   <p:clrMapOvr>
     <a:masterClrMapping/>
   </p:clrMapOvr>
-  <mc:AlternateContent xmlns:mc="http://schemas.openxmlformats.org/markup-compatibility/2006" xmlns:p15="http://schemas.microsoft.com/office/powerpoint/2012/main">
-    <mc:Choice Requires="p15">
-      <p:transition spd="slow">
+  <mc:AlternateContent xmlns:mc="http://schemas.openxmlformats.org/markup-compatibility/2006">
+    <mc:Choice xmlns:p15="http://schemas.microsoft.com/office/powerpoint/2012/main" Requires="p15">
+      <p:transition xmlns:p14="http://schemas.microsoft.com/office/powerpoint/2010/main" spd="med" advClick="1" p14:dur="1000">
         <p15:prstTrans prst="peelOff"/>
       </p:transition>
     </mc:Choice>
-    <mc:Choice xmlns:p14="http://schemas.microsoft.com/office/powerpoint/2010/main" xmlns="" Requires="p14">
+    <mc:Choice xmlns:p14="http://schemas.microsoft.com/office/powerpoint/2010/main" Requires="p14">
       <p:transition spd="med" advClick="1" p14:dur="1000">
         <p:wipe dir="r"/>
       </p:transition>
     </mc:Choice>
-    <mc:Fallback xmlns="">
+    <mc:Fallback>
       <p:transition spd="med">
         <p:fade/>
       </p:transition>
@@ -5855,7 +5640,7 @@
 </file>
 
 <file path=ppt/slides/slide14.xml><?xml version="1.0" encoding="utf-8"?>
-<p:sld xmlns:a="http://schemas.openxmlformats.org/drawingml/2006/main" xmlns:r="http://schemas.openxmlformats.org/officeDocument/2006/relationships" xmlns:p="http://schemas.openxmlformats.org/presentationml/2006/main">
+<p:sld xmlns:a="http://schemas.openxmlformats.org/drawingml/2006/main" xmlns:r="http://schemas.openxmlformats.org/officeDocument/2006/relationships" xmlns:p="http://schemas.openxmlformats.org/presentationml/2006/main" showMasterSp="1" showMasterPhAnim="1">
   <p:cSld>
     <p:spTree>
       <p:nvGrpSpPr>
@@ -5874,9 +5659,7 @@
       <p:sp>
         <p:nvSpPr>
           <p:cNvPr id="178" name="AngularJS 1.x Environment Setup"/>
-          <p:cNvSpPr txBox="1">
-            <a:spLocks noGrp="1"/>
-          </p:cNvSpPr>
+          <p:cNvSpPr txBox="1"/>
           <p:nvPr>
             <p:ph type="title"/>
           </p:nvPr>
@@ -5894,6 +5677,7 @@
             </a:lvl1pPr>
           </a:lstStyle>
           <a:p>
+            <a:pPr/>
             <a:r>
               <a:t>AngularJS 1.x Environment Setup</a:t>
             </a:r>
@@ -5903,9 +5687,7 @@
       <p:sp>
         <p:nvSpPr>
           <p:cNvPr id="179" name="內文"/>
-          <p:cNvSpPr txBox="1">
-            <a:spLocks noGrp="1"/>
-          </p:cNvSpPr>
+          <p:cNvSpPr txBox="1"/>
           <p:nvPr>
             <p:ph type="body" idx="1"/>
           </p:nvPr>
@@ -5924,7 +5706,6 @@
                 <a:blip r:embed="rId2"/>
               </a:buBlip>
             </a:pPr>
-            <a:endParaRPr/>
           </a:p>
         </p:txBody>
       </p:sp>
@@ -5946,7 +5727,7 @@
         </p:blipFill>
         <p:spPr>
           <a:xfrm>
-            <a:off x="226057" y="2080768"/>
+            <a:off x="226057" y="1877568"/>
             <a:ext cx="12552686" cy="7953642"/>
           </a:xfrm>
           <a:prstGeom prst="rect">
@@ -5962,18 +5743,18 @@
   <p:clrMapOvr>
     <a:masterClrMapping/>
   </p:clrMapOvr>
-  <mc:AlternateContent xmlns:mc="http://schemas.openxmlformats.org/markup-compatibility/2006" xmlns:p15="http://schemas.microsoft.com/office/powerpoint/2012/main">
-    <mc:Choice Requires="p15">
-      <p:transition spd="slow">
+  <mc:AlternateContent xmlns:mc="http://schemas.openxmlformats.org/markup-compatibility/2006">
+    <mc:Choice xmlns:p15="http://schemas.microsoft.com/office/powerpoint/2012/main" Requires="p15">
+      <p:transition xmlns:p14="http://schemas.microsoft.com/office/powerpoint/2010/main" spd="med" advClick="1" p14:dur="1000">
         <p15:prstTrans prst="peelOff"/>
       </p:transition>
     </mc:Choice>
-    <mc:Choice xmlns:p14="http://schemas.microsoft.com/office/powerpoint/2010/main" xmlns="" Requires="p14">
+    <mc:Choice xmlns:p14="http://schemas.microsoft.com/office/powerpoint/2010/main" Requires="p14">
       <p:transition spd="med" advClick="1" p14:dur="1000">
         <p:wipe dir="r"/>
       </p:transition>
     </mc:Choice>
-    <mc:Fallback xmlns="">
+    <mc:Fallback>
       <p:transition spd="med">
         <p:fade/>
       </p:transition>
@@ -5983,7 +5764,7 @@
 </file>
 
 <file path=ppt/slides/slide15.xml><?xml version="1.0" encoding="utf-8"?>
-<p:sld xmlns:a="http://schemas.openxmlformats.org/drawingml/2006/main" xmlns:r="http://schemas.openxmlformats.org/officeDocument/2006/relationships" xmlns:p="http://schemas.openxmlformats.org/presentationml/2006/main">
+<p:sld xmlns:a="http://schemas.openxmlformats.org/drawingml/2006/main" xmlns:r="http://schemas.openxmlformats.org/officeDocument/2006/relationships" xmlns:p="http://schemas.openxmlformats.org/presentationml/2006/main" showMasterSp="1" showMasterPhAnim="1">
   <p:cSld>
     <p:spTree>
       <p:nvGrpSpPr>
@@ -6002,9 +5783,7 @@
       <p:sp>
         <p:nvSpPr>
           <p:cNvPr id="182" name="AngularJS 1.x Environment Setup"/>
-          <p:cNvSpPr txBox="1">
-            <a:spLocks noGrp="1"/>
-          </p:cNvSpPr>
+          <p:cNvSpPr txBox="1"/>
           <p:nvPr>
             <p:ph type="title"/>
           </p:nvPr>
@@ -6022,6 +5801,7 @@
             </a:lvl1pPr>
           </a:lstStyle>
           <a:p>
+            <a:pPr/>
             <a:r>
               <a:t>AngularJS 1.x Environment Setup</a:t>
             </a:r>
@@ -6062,18 +5842,18 @@
   <p:clrMapOvr>
     <a:masterClrMapping/>
   </p:clrMapOvr>
-  <mc:AlternateContent xmlns:mc="http://schemas.openxmlformats.org/markup-compatibility/2006" xmlns:p15="http://schemas.microsoft.com/office/powerpoint/2012/main">
-    <mc:Choice Requires="p15">
-      <p:transition spd="slow">
+  <mc:AlternateContent xmlns:mc="http://schemas.openxmlformats.org/markup-compatibility/2006">
+    <mc:Choice xmlns:p15="http://schemas.microsoft.com/office/powerpoint/2012/main" Requires="p15">
+      <p:transition xmlns:p14="http://schemas.microsoft.com/office/powerpoint/2010/main" spd="med" advClick="1" p14:dur="1000">
         <p15:prstTrans prst="peelOff"/>
       </p:transition>
     </mc:Choice>
-    <mc:Choice xmlns:p14="http://schemas.microsoft.com/office/powerpoint/2010/main" xmlns="" Requires="p14">
+    <mc:Choice xmlns:p14="http://schemas.microsoft.com/office/powerpoint/2010/main" Requires="p14">
       <p:transition spd="med" advClick="1" p14:dur="1000">
         <p:wipe dir="r"/>
       </p:transition>
     </mc:Choice>
-    <mc:Fallback xmlns="">
+    <mc:Fallback>
       <p:transition spd="med">
         <p:fade/>
       </p:transition>
@@ -6083,7 +5863,7 @@
 </file>
 
 <file path=ppt/slides/slide16.xml><?xml version="1.0" encoding="utf-8"?>
-<p:sld xmlns:a="http://schemas.openxmlformats.org/drawingml/2006/main" xmlns:r="http://schemas.openxmlformats.org/officeDocument/2006/relationships" xmlns:p="http://schemas.openxmlformats.org/presentationml/2006/main">
+<p:sld xmlns:a="http://schemas.openxmlformats.org/drawingml/2006/main" xmlns:r="http://schemas.openxmlformats.org/officeDocument/2006/relationships" xmlns:p="http://schemas.openxmlformats.org/presentationml/2006/main" showMasterSp="1" showMasterPhAnim="1">
   <p:cSld>
     <p:spTree>
       <p:nvGrpSpPr>
@@ -6102,9 +5882,7 @@
       <p:sp>
         <p:nvSpPr>
           <p:cNvPr id="185" name="MVC Design Pattern"/>
-          <p:cNvSpPr txBox="1">
-            <a:spLocks noGrp="1"/>
-          </p:cNvSpPr>
+          <p:cNvSpPr txBox="1"/>
           <p:nvPr>
             <p:ph type="title"/>
           </p:nvPr>
@@ -6118,6 +5896,7 @@
           <a:bodyPr/>
           <a:lstStyle/>
           <a:p>
+            <a:pPr/>
             <a:r>
               <a:t>MVC Design Pattern</a:t>
             </a:r>
@@ -6157,7 +5936,7 @@
         <p:nvPicPr>
           <p:cNvPr id="187" name="線條" descr="線條"/>
           <p:cNvPicPr>
-            <a:picLocks/>
+            <a:picLocks noChangeAspect="0"/>
           </p:cNvPicPr>
           <p:nvPr/>
         </p:nvPicPr>
@@ -6184,18 +5963,18 @@
   <p:clrMapOvr>
     <a:masterClrMapping/>
   </p:clrMapOvr>
-  <mc:AlternateContent xmlns:mc="http://schemas.openxmlformats.org/markup-compatibility/2006" xmlns:p15="http://schemas.microsoft.com/office/powerpoint/2012/main">
-    <mc:Choice Requires="p15">
-      <p:transition spd="slow">
+  <mc:AlternateContent xmlns:mc="http://schemas.openxmlformats.org/markup-compatibility/2006">
+    <mc:Choice xmlns:p15="http://schemas.microsoft.com/office/powerpoint/2012/main" Requires="p15">
+      <p:transition xmlns:p14="http://schemas.microsoft.com/office/powerpoint/2010/main" spd="med" advClick="1" p14:dur="1000">
         <p15:prstTrans prst="peelOff"/>
       </p:transition>
     </mc:Choice>
-    <mc:Choice xmlns:p14="http://schemas.microsoft.com/office/powerpoint/2010/main" xmlns="" Requires="p14">
+    <mc:Choice xmlns:p14="http://schemas.microsoft.com/office/powerpoint/2010/main" Requires="p14">
       <p:transition spd="med" advClick="1" p14:dur="1000">
         <p:wipe dir="r"/>
       </p:transition>
     </mc:Choice>
-    <mc:Fallback xmlns="">
+    <mc:Fallback>
       <p:transition spd="med">
         <p:fade/>
       </p:transition>
@@ -6205,7 +5984,7 @@
 </file>
 
 <file path=ppt/slides/slide17.xml><?xml version="1.0" encoding="utf-8"?>
-<p:sld xmlns:a="http://schemas.openxmlformats.org/drawingml/2006/main" xmlns:r="http://schemas.openxmlformats.org/officeDocument/2006/relationships" xmlns:p="http://schemas.openxmlformats.org/presentationml/2006/main">
+<p:sld xmlns:a="http://schemas.openxmlformats.org/drawingml/2006/main" xmlns:r="http://schemas.openxmlformats.org/officeDocument/2006/relationships" xmlns:p="http://schemas.openxmlformats.org/presentationml/2006/main" showMasterSp="1" showMasterPhAnim="1">
   <p:cSld>
     <p:spTree>
       <p:nvGrpSpPr>
@@ -6224,9 +6003,7 @@
       <p:sp>
         <p:nvSpPr>
           <p:cNvPr id="192" name="First AngularJS Application"/>
-          <p:cNvSpPr txBox="1">
-            <a:spLocks noGrp="1"/>
-          </p:cNvSpPr>
+          <p:cNvSpPr txBox="1"/>
           <p:nvPr>
             <p:ph type="title"/>
           </p:nvPr>
@@ -6237,15 +6014,14 @@
           </a:prstGeom>
         </p:spPr>
         <p:txBody>
-          <a:bodyPr>
-            <a:normAutofit fontScale="90000"/>
-          </a:bodyPr>
+          <a:bodyPr/>
           <a:lstStyle>
             <a:lvl1pPr defTabSz="537463">
               <a:defRPr sz="6624"/>
             </a:lvl1pPr>
           </a:lstStyle>
           <a:p>
+            <a:pPr/>
             <a:r>
               <a:t>First AngularJS Application</a:t>
             </a:r>
@@ -6255,9 +6031,7 @@
       <p:sp>
         <p:nvSpPr>
           <p:cNvPr id="193" name="1.載入Angular JS框架的JavaScript檔（透過CDN）…"/>
-          <p:cNvSpPr txBox="1">
-            <a:spLocks noGrp="1"/>
-          </p:cNvSpPr>
+          <p:cNvSpPr txBox="1"/>
           <p:nvPr>
             <p:ph type="body" idx="1"/>
           </p:nvPr>
@@ -6281,16 +6055,7 @@
               <a:defRPr sz="2064"/>
             </a:pPr>
             <a:r>
-              <a:rPr dirty="0"/>
-              <a:t>1.載入Angular </a:t>
-            </a:r>
-            <a:r>
-              <a:rPr dirty="0" err="1"/>
-              <a:t>JS框架的JavaScript檔（透過CDN</a:t>
-            </a:r>
-            <a:r>
-              <a:rPr dirty="0"/>
-              <a:t>）</a:t>
+              <a:t>1.載入Angular JS框架的JavaScript檔（透過CDN）</a:t>
             </a:r>
           </a:p>
           <a:p>
@@ -6303,7 +6068,6 @@
               </a:buBlip>
               <a:defRPr sz="2064"/>
             </a:pPr>
-            <a:endParaRPr dirty="0"/>
           </a:p>
           <a:p>
             <a:pPr marL="404113" indent="-404113" defTabSz="502412">
@@ -6316,7 +6080,6 @@
               <a:defRPr sz="2064"/>
             </a:pPr>
             <a:r>
-              <a:rPr dirty="0"/>
               <a:t>2.利用ng-app指令定義哪一部分的html屬於AngularJS App</a:t>
             </a:r>
           </a:p>
@@ -6330,7 +6093,6 @@
               </a:buBlip>
               <a:defRPr sz="2064"/>
             </a:pPr>
-            <a:endParaRPr dirty="0"/>
           </a:p>
           <a:p>
             <a:pPr marL="404113" indent="-404113" defTabSz="502412">
@@ -6343,18 +6105,8 @@
               <a:defRPr sz="2064"/>
             </a:pPr>
             <a:r>
-              <a:rPr dirty="0"/>
-              <a:t>3.利用ng-model</a:t>
-            </a:r>
-            <a:r>
-              <a:rPr lang="zh-Hant" altLang="en-US" dirty="0"/>
-              <a:t>指令</a:t>
-            </a:r>
-            <a:r>
-              <a:rPr dirty="0" err="1"/>
-              <a:t>定義model變數名稱</a:t>
-            </a:r>
-            <a:endParaRPr dirty="0"/>
+              <a:t>3.利用ng-model指令定義model變數名稱</a:t>
+            </a:r>
           </a:p>
           <a:p>
             <a:pPr marL="404113" indent="-404113" defTabSz="502412">
@@ -6366,7 +6118,6 @@
               </a:buBlip>
               <a:defRPr sz="2064"/>
             </a:pPr>
-            <a:endParaRPr dirty="0"/>
           </a:p>
           <a:p>
             <a:pPr marL="404113" indent="-404113" defTabSz="502412">
@@ -6379,16 +6130,7 @@
               <a:defRPr sz="2064"/>
             </a:pPr>
             <a:r>
-              <a:rPr dirty="0"/>
-              <a:t>4.利用ng-bind指令繫結(binding)</a:t>
-            </a:r>
-            <a:r>
-              <a:rPr dirty="0" err="1"/>
-              <a:t>model變數值</a:t>
-            </a:r>
-            <a:r>
-              <a:rPr dirty="0"/>
-              <a:t>({{ }})</a:t>
+              <a:t>4.利用ng-bind指令繫結(binding)model變數值({{ }})</a:t>
             </a:r>
           </a:p>
         </p:txBody>
@@ -6411,7 +6153,7 @@
         </p:blipFill>
         <p:spPr>
           <a:xfrm>
-            <a:off x="1295400" y="4087380"/>
+            <a:off x="1295400" y="3538740"/>
             <a:ext cx="10464800" cy="682744"/>
           </a:xfrm>
           <a:prstGeom prst="rect">
@@ -6440,7 +6182,7 @@
         </p:blipFill>
         <p:spPr>
           <a:xfrm>
-            <a:off x="1305929" y="6759985"/>
+            <a:off x="1305929" y="6536465"/>
             <a:ext cx="6934201" cy="342901"/>
           </a:xfrm>
           <a:prstGeom prst="rect">
@@ -6469,7 +6211,7 @@
         </p:blipFill>
         <p:spPr>
           <a:xfrm>
-            <a:off x="1309232" y="7859056"/>
+            <a:off x="1309232" y="7757456"/>
             <a:ext cx="6057901" cy="317501"/>
           </a:xfrm>
           <a:prstGeom prst="rect">
@@ -6498,7 +6240,7 @@
         </p:blipFill>
         <p:spPr>
           <a:xfrm>
-            <a:off x="1309385" y="5343414"/>
+            <a:off x="1309385" y="5099574"/>
             <a:ext cx="2247901" cy="558801"/>
           </a:xfrm>
           <a:prstGeom prst="rect">
@@ -6543,18 +6285,18 @@
   <p:clrMapOvr>
     <a:masterClrMapping/>
   </p:clrMapOvr>
-  <mc:AlternateContent xmlns:mc="http://schemas.openxmlformats.org/markup-compatibility/2006" xmlns:p15="http://schemas.microsoft.com/office/powerpoint/2012/main">
-    <mc:Choice Requires="p15">
-      <p:transition spd="slow">
+  <mc:AlternateContent xmlns:mc="http://schemas.openxmlformats.org/markup-compatibility/2006">
+    <mc:Choice xmlns:p15="http://schemas.microsoft.com/office/powerpoint/2012/main" Requires="p15">
+      <p:transition xmlns:p14="http://schemas.microsoft.com/office/powerpoint/2010/main" spd="med" advClick="1" p14:dur="1000">
         <p15:prstTrans prst="peelOff"/>
       </p:transition>
     </mc:Choice>
-    <mc:Choice xmlns:p14="http://schemas.microsoft.com/office/powerpoint/2010/main" xmlns="" Requires="p14">
+    <mc:Choice xmlns:p14="http://schemas.microsoft.com/office/powerpoint/2010/main" Requires="p14">
       <p:transition spd="med" advClick="1" p14:dur="1000">
         <p:wipe dir="r"/>
       </p:transition>
     </mc:Choice>
-    <mc:Fallback xmlns="">
+    <mc:Fallback>
       <p:transition spd="med">
         <p:fade/>
       </p:transition>
@@ -6564,7 +6306,7 @@
 </file>
 
 <file path=ppt/slides/slide18.xml><?xml version="1.0" encoding="utf-8"?>
-<p:sld xmlns:a="http://schemas.openxmlformats.org/drawingml/2006/main" xmlns:r="http://schemas.openxmlformats.org/officeDocument/2006/relationships" xmlns:p="http://schemas.openxmlformats.org/presentationml/2006/main">
+<p:sld xmlns:a="http://schemas.openxmlformats.org/drawingml/2006/main" xmlns:r="http://schemas.openxmlformats.org/officeDocument/2006/relationships" xmlns:p="http://schemas.openxmlformats.org/presentationml/2006/main" showMasterSp="1" showMasterPhAnim="1">
   <p:cSld>
     <p:spTree>
       <p:nvGrpSpPr>
@@ -6583,9 +6325,7 @@
       <p:sp>
         <p:nvSpPr>
           <p:cNvPr id="202" name="First AngularJS Application"/>
-          <p:cNvSpPr txBox="1">
-            <a:spLocks noGrp="1"/>
-          </p:cNvSpPr>
+          <p:cNvSpPr txBox="1"/>
           <p:nvPr>
             <p:ph type="title"/>
           </p:nvPr>
@@ -6596,15 +6336,14 @@
           </a:prstGeom>
         </p:spPr>
         <p:txBody>
-          <a:bodyPr>
-            <a:normAutofit fontScale="90000"/>
-          </a:bodyPr>
+          <a:bodyPr/>
           <a:lstStyle>
             <a:lvl1pPr defTabSz="537463">
               <a:defRPr sz="6624"/>
             </a:lvl1pPr>
           </a:lstStyle>
           <a:p>
+            <a:pPr/>
             <a:r>
               <a:t>First AngularJS Application</a:t>
             </a:r>
@@ -6658,7 +6397,7 @@
         </p:blipFill>
         <p:spPr>
           <a:xfrm>
-            <a:off x="659505" y="2950897"/>
+            <a:off x="659505" y="2768017"/>
             <a:ext cx="11685790" cy="3534395"/>
           </a:xfrm>
           <a:prstGeom prst="rect">
@@ -6674,18 +6413,18 @@
   <p:clrMapOvr>
     <a:masterClrMapping/>
   </p:clrMapOvr>
-  <mc:AlternateContent xmlns:mc="http://schemas.openxmlformats.org/markup-compatibility/2006" xmlns:p15="http://schemas.microsoft.com/office/powerpoint/2012/main">
-    <mc:Choice Requires="p15">
-      <p:transition spd="slow">
+  <mc:AlternateContent xmlns:mc="http://schemas.openxmlformats.org/markup-compatibility/2006">
+    <mc:Choice xmlns:p15="http://schemas.microsoft.com/office/powerpoint/2012/main" Requires="p15">
+      <p:transition xmlns:p14="http://schemas.microsoft.com/office/powerpoint/2010/main" spd="med" advClick="1" p14:dur="1000">
         <p15:prstTrans prst="peelOff"/>
       </p:transition>
     </mc:Choice>
-    <mc:Choice xmlns:p14="http://schemas.microsoft.com/office/powerpoint/2010/main" xmlns="" Requires="p14">
+    <mc:Choice xmlns:p14="http://schemas.microsoft.com/office/powerpoint/2010/main" Requires="p14">
       <p:transition spd="med" advClick="1" p14:dur="1000">
         <p:wipe dir="r"/>
       </p:transition>
     </mc:Choice>
-    <mc:Fallback xmlns="">
+    <mc:Fallback>
       <p:transition spd="med">
         <p:fade/>
       </p:transition>
@@ -6695,7 +6434,7 @@
 </file>
 
 <file path=ppt/slides/slide19.xml><?xml version="1.0" encoding="utf-8"?>
-<p:sld xmlns:a="http://schemas.openxmlformats.org/drawingml/2006/main" xmlns:r="http://schemas.openxmlformats.org/officeDocument/2006/relationships" xmlns:p="http://schemas.openxmlformats.org/presentationml/2006/main">
+<p:sld xmlns:a="http://schemas.openxmlformats.org/drawingml/2006/main" xmlns:r="http://schemas.openxmlformats.org/officeDocument/2006/relationships" xmlns:p="http://schemas.openxmlformats.org/presentationml/2006/main" showMasterSp="1" showMasterPhAnim="1">
   <p:cSld>
     <p:spTree>
       <p:nvGrpSpPr>
@@ -6714,9 +6453,7 @@
       <p:sp>
         <p:nvSpPr>
           <p:cNvPr id="206" name="ng-init…"/>
-          <p:cNvSpPr txBox="1">
-            <a:spLocks noGrp="1"/>
-          </p:cNvSpPr>
+          <p:cNvSpPr txBox="1"/>
           <p:nvPr>
             <p:ph type="title"/>
           </p:nvPr>
@@ -6750,18 +6487,12 @@
       <p:sp>
         <p:nvSpPr>
           <p:cNvPr id="207" name="ng-init 指令可用來初始化AngularJS應用程式的資料…"/>
-          <p:cNvSpPr txBox="1">
-            <a:spLocks noGrp="1"/>
-          </p:cNvSpPr>
+          <p:cNvSpPr txBox="1"/>
           <p:nvPr>
             <p:ph type="body" idx="1"/>
           </p:nvPr>
         </p:nvSpPr>
         <p:spPr>
-          <a:xfrm>
-            <a:off x="1270000" y="934720"/>
-            <a:ext cx="10464800" cy="7726680"/>
-          </a:xfrm>
           <a:prstGeom prst="rect">
             <a:avLst/>
           </a:prstGeom>
@@ -6777,22 +6508,8 @@
               <a:defRPr sz="2400"/>
             </a:pPr>
             <a:r>
-              <a:rPr dirty="0"/>
-              <a:t>ng-</a:t>
-            </a:r>
-            <a:r>
-              <a:rPr dirty="0" err="1"/>
-              <a:t>init</a:t>
-            </a:r>
-            <a:r>
-              <a:rPr dirty="0"/>
-              <a:t> </a:t>
-            </a:r>
-            <a:r>
-              <a:rPr dirty="0" err="1"/>
-              <a:t>指令可用來初始化AngularJS應用程式的資料</a:t>
-            </a:r>
-            <a:endParaRPr dirty="0"/>
+              <a:t>ng-init 指令可用來初始化AngularJS應用程式的資料</a:t>
+            </a:r>
           </a:p>
           <a:p>
             <a:pPr>
@@ -6801,7 +6518,6 @@
               </a:buBlip>
               <a:defRPr sz="2400"/>
             </a:pPr>
-            <a:endParaRPr lang="en-US" altLang="zh-TW" dirty="0"/>
           </a:p>
           <a:p>
             <a:pPr>
@@ -6810,7 +6526,9 @@
               </a:buBlip>
               <a:defRPr sz="2400"/>
             </a:pPr>
-            <a:endParaRPr dirty="0"/>
+            <a:r>
+              <a:t>ng-repeat指令可用來拜訪集合資料裡的每一筆元素</a:t>
+            </a:r>
           </a:p>
           <a:p>
             <a:pPr>
@@ -6819,24 +6537,6 @@
               </a:buBlip>
               <a:defRPr sz="2400"/>
             </a:pPr>
-            <a:r>
-              <a:rPr dirty="0"/>
-              <a:t>ng-</a:t>
-            </a:r>
-            <a:r>
-              <a:rPr dirty="0" err="1"/>
-              <a:t>repeat指令可用來拜訪集合資料裡的每一筆元素</a:t>
-            </a:r>
-            <a:endParaRPr dirty="0"/>
-          </a:p>
-          <a:p>
-            <a:pPr>
-              <a:buBlip>
-                <a:blip r:embed="rId2"/>
-              </a:buBlip>
-              <a:defRPr sz="2400"/>
-            </a:pPr>
-            <a:endParaRPr dirty="0"/>
           </a:p>
         </p:txBody>
       </p:sp>
@@ -6858,7 +6558,7 @@
         </p:blipFill>
         <p:spPr>
           <a:xfrm>
-            <a:off x="2178050" y="3742690"/>
+            <a:off x="2178050" y="4311650"/>
             <a:ext cx="8648700" cy="1104900"/>
           </a:xfrm>
           <a:prstGeom prst="rect">
@@ -6887,7 +6587,7 @@
         </p:blipFill>
         <p:spPr>
           <a:xfrm>
-            <a:off x="1060450" y="6074038"/>
+            <a:off x="1060450" y="6114678"/>
             <a:ext cx="10883900" cy="1346201"/>
           </a:xfrm>
           <a:prstGeom prst="rect">
@@ -6903,18 +6603,18 @@
   <p:clrMapOvr>
     <a:masterClrMapping/>
   </p:clrMapOvr>
-  <mc:AlternateContent xmlns:mc="http://schemas.openxmlformats.org/markup-compatibility/2006" xmlns:p15="http://schemas.microsoft.com/office/powerpoint/2012/main">
-    <mc:Choice Requires="p15">
-      <p:transition spd="slow">
+  <mc:AlternateContent xmlns:mc="http://schemas.openxmlformats.org/markup-compatibility/2006">
+    <mc:Choice xmlns:p15="http://schemas.microsoft.com/office/powerpoint/2012/main" Requires="p15">
+      <p:transition xmlns:p14="http://schemas.microsoft.com/office/powerpoint/2010/main" spd="med" advClick="1" p14:dur="1000">
         <p15:prstTrans prst="peelOff"/>
       </p:transition>
     </mc:Choice>
-    <mc:Choice xmlns:p14="http://schemas.microsoft.com/office/powerpoint/2010/main" xmlns="" Requires="p14">
+    <mc:Choice xmlns:p14="http://schemas.microsoft.com/office/powerpoint/2010/main" Requires="p14">
       <p:transition spd="med" advClick="1" p14:dur="1000">
         <p:wipe dir="r"/>
       </p:transition>
     </mc:Choice>
-    <mc:Fallback xmlns="">
+    <mc:Fallback>
       <p:transition spd="med">
         <p:fade/>
       </p:transition>
@@ -6924,7 +6624,7 @@
 </file>
 
 <file path=ppt/slides/slide2.xml><?xml version="1.0" encoding="utf-8"?>
-<p:sld xmlns:a="http://schemas.openxmlformats.org/drawingml/2006/main" xmlns:r="http://schemas.openxmlformats.org/officeDocument/2006/relationships" xmlns:p="http://schemas.openxmlformats.org/presentationml/2006/main">
+<p:sld xmlns:a="http://schemas.openxmlformats.org/drawingml/2006/main" xmlns:r="http://schemas.openxmlformats.org/officeDocument/2006/relationships" xmlns:p="http://schemas.openxmlformats.org/presentationml/2006/main" showMasterSp="1" showMasterPhAnim="1">
   <p:cSld>
     <p:spTree>
       <p:nvGrpSpPr>
@@ -6943,9 +6643,7 @@
       <p:sp>
         <p:nvSpPr>
           <p:cNvPr id="122" name="Angular JS緣起"/>
-          <p:cNvSpPr txBox="1">
-            <a:spLocks noGrp="1"/>
-          </p:cNvSpPr>
+          <p:cNvSpPr txBox="1"/>
           <p:nvPr>
             <p:ph type="title"/>
           </p:nvPr>
@@ -6959,6 +6657,7 @@
           <a:bodyPr/>
           <a:lstStyle/>
           <a:p>
+            <a:pPr/>
             <a:r>
               <a:t>Angular JS</a:t>
             </a:r>
@@ -6972,9 +6671,7 @@
       <p:sp>
         <p:nvSpPr>
           <p:cNvPr id="123" name="2009年，兩位Google工程師Misko Hevery和Adam Abrons撰寫一個名為GetAngular設計開發工具，用於Web設計師和前後端工程師溝通…"/>
-          <p:cNvSpPr txBox="1">
-            <a:spLocks noGrp="1"/>
-          </p:cNvSpPr>
+          <p:cNvSpPr txBox="1"/>
           <p:nvPr>
             <p:ph type="body" idx="1"/>
           </p:nvPr>
@@ -7064,18 +6761,18 @@
   <p:clrMapOvr>
     <a:masterClrMapping/>
   </p:clrMapOvr>
-  <mc:AlternateContent xmlns:mc="http://schemas.openxmlformats.org/markup-compatibility/2006" xmlns:p15="http://schemas.microsoft.com/office/powerpoint/2012/main">
-    <mc:Choice Requires="p15">
-      <p:transition spd="slow">
+  <mc:AlternateContent xmlns:mc="http://schemas.openxmlformats.org/markup-compatibility/2006">
+    <mc:Choice xmlns:p15="http://schemas.microsoft.com/office/powerpoint/2012/main" Requires="p15">
+      <p:transition xmlns:p14="http://schemas.microsoft.com/office/powerpoint/2010/main" spd="med" advClick="1" p14:dur="1000">
         <p15:prstTrans prst="peelOff"/>
       </p:transition>
     </mc:Choice>
-    <mc:Choice xmlns:p14="http://schemas.microsoft.com/office/powerpoint/2010/main" xmlns="" Requires="p14">
+    <mc:Choice xmlns:p14="http://schemas.microsoft.com/office/powerpoint/2010/main" Requires="p14">
       <p:transition spd="med" advClick="1" p14:dur="1000">
         <p:wipe dir="r"/>
       </p:transition>
     </mc:Choice>
-    <mc:Fallback xmlns="">
+    <mc:Fallback>
       <p:transition spd="med">
         <p:fade/>
       </p:transition>
@@ -7085,7 +6782,7 @@
 </file>
 
 <file path=ppt/slides/slide20.xml><?xml version="1.0" encoding="utf-8"?>
-<p:sld xmlns:a="http://schemas.openxmlformats.org/drawingml/2006/main" xmlns:r="http://schemas.openxmlformats.org/officeDocument/2006/relationships" xmlns:p="http://schemas.openxmlformats.org/presentationml/2006/main">
+<p:sld xmlns:a="http://schemas.openxmlformats.org/drawingml/2006/main" xmlns:r="http://schemas.openxmlformats.org/officeDocument/2006/relationships" xmlns:p="http://schemas.openxmlformats.org/presentationml/2006/main" showMasterSp="1" showMasterPhAnim="1">
   <p:cSld>
     <p:spTree>
       <p:nvGrpSpPr>
@@ -7104,9 +6801,7 @@
       <p:sp>
         <p:nvSpPr>
           <p:cNvPr id="211" name="ng-init…"/>
-          <p:cNvSpPr txBox="1">
-            <a:spLocks noGrp="1"/>
-          </p:cNvSpPr>
+          <p:cNvSpPr txBox="1"/>
           <p:nvPr>
             <p:ph type="title"/>
           </p:nvPr>
@@ -7171,18 +6866,18 @@
   <p:clrMapOvr>
     <a:masterClrMapping/>
   </p:clrMapOvr>
-  <mc:AlternateContent xmlns:mc="http://schemas.openxmlformats.org/markup-compatibility/2006" xmlns:p15="http://schemas.microsoft.com/office/powerpoint/2012/main">
-    <mc:Choice Requires="p15">
-      <p:transition spd="slow">
+  <mc:AlternateContent xmlns:mc="http://schemas.openxmlformats.org/markup-compatibility/2006">
+    <mc:Choice xmlns:p15="http://schemas.microsoft.com/office/powerpoint/2012/main" Requires="p15">
+      <p:transition xmlns:p14="http://schemas.microsoft.com/office/powerpoint/2010/main" spd="med" advClick="1" p14:dur="1000">
         <p15:prstTrans prst="peelOff"/>
       </p:transition>
     </mc:Choice>
-    <mc:Choice xmlns:p14="http://schemas.microsoft.com/office/powerpoint/2010/main" xmlns="" Requires="p14">
+    <mc:Choice xmlns:p14="http://schemas.microsoft.com/office/powerpoint/2010/main" Requires="p14">
       <p:transition spd="med" advClick="1" p14:dur="1000">
         <p:wipe dir="r"/>
       </p:transition>
     </mc:Choice>
-    <mc:Fallback xmlns="">
+    <mc:Fallback>
       <p:transition spd="med">
         <p:fade/>
       </p:transition>
@@ -7192,7 +6887,7 @@
 </file>
 
 <file path=ppt/slides/slide21.xml><?xml version="1.0" encoding="utf-8"?>
-<p:sld xmlns:a="http://schemas.openxmlformats.org/drawingml/2006/main" xmlns:r="http://schemas.openxmlformats.org/officeDocument/2006/relationships" xmlns:p="http://schemas.openxmlformats.org/presentationml/2006/main">
+<p:sld xmlns:a="http://schemas.openxmlformats.org/drawingml/2006/main" xmlns:r="http://schemas.openxmlformats.org/officeDocument/2006/relationships" xmlns:p="http://schemas.openxmlformats.org/presentationml/2006/main" showMasterSp="1" showMasterPhAnim="1">
   <p:cSld>
     <p:spTree>
       <p:nvGrpSpPr>
@@ -7211,9 +6906,7 @@
       <p:sp>
         <p:nvSpPr>
           <p:cNvPr id="214" name="{{ expression }}"/>
-          <p:cNvSpPr txBox="1">
-            <a:spLocks noGrp="1"/>
-          </p:cNvSpPr>
+          <p:cNvSpPr txBox="1"/>
           <p:nvPr>
             <p:ph type="title"/>
           </p:nvPr>
@@ -7227,6 +6920,7 @@
           <a:bodyPr/>
           <a:lstStyle/>
           <a:p>
+            <a:pPr/>
             <a:r>
               <a:t>{{ expression }}</a:t>
             </a:r>
@@ -7236,9 +6930,7 @@
       <p:sp>
         <p:nvSpPr>
           <p:cNvPr id="215" name="{{ expression }} 可以用來將應用程式的資料細節到網頁上"/>
-          <p:cNvSpPr txBox="1">
-            <a:spLocks noGrp="1"/>
-          </p:cNvSpPr>
+          <p:cNvSpPr txBox="1"/>
           <p:nvPr>
             <p:ph type="body" idx="1"/>
           </p:nvPr>
@@ -7273,7 +6965,6 @@
               </a:buBlip>
               <a:defRPr sz="2400"/>
             </a:pPr>
-            <a:endParaRPr/>
           </a:p>
           <a:p>
             <a:pPr>
@@ -7282,7 +6973,6 @@
               </a:buBlip>
               <a:defRPr sz="2400"/>
             </a:pPr>
-            <a:endParaRPr/>
           </a:p>
           <a:p>
             <a:pPr>
@@ -7291,7 +6981,6 @@
               </a:buBlip>
               <a:defRPr sz="2400"/>
             </a:pPr>
-            <a:endParaRPr/>
           </a:p>
           <a:p>
             <a:pPr>
@@ -7300,7 +6989,6 @@
               </a:buBlip>
               <a:defRPr sz="2400"/>
             </a:pPr>
-            <a:endParaRPr/>
           </a:p>
           <a:p>
             <a:pPr>
@@ -7309,7 +6997,6 @@
               </a:buBlip>
               <a:defRPr sz="2400"/>
             </a:pPr>
-            <a:endParaRPr/>
           </a:p>
         </p:txBody>
       </p:sp>
@@ -7376,18 +7063,18 @@
   <p:clrMapOvr>
     <a:masterClrMapping/>
   </p:clrMapOvr>
-  <mc:AlternateContent xmlns:mc="http://schemas.openxmlformats.org/markup-compatibility/2006" xmlns:p15="http://schemas.microsoft.com/office/powerpoint/2012/main">
-    <mc:Choice Requires="p15">
-      <p:transition spd="slow">
+  <mc:AlternateContent xmlns:mc="http://schemas.openxmlformats.org/markup-compatibility/2006">
+    <mc:Choice xmlns:p15="http://schemas.microsoft.com/office/powerpoint/2012/main" Requires="p15">
+      <p:transition xmlns:p14="http://schemas.microsoft.com/office/powerpoint/2010/main" spd="med" advClick="1" p14:dur="1000">
         <p15:prstTrans prst="peelOff"/>
       </p:transition>
     </mc:Choice>
-    <mc:Choice xmlns:p14="http://schemas.microsoft.com/office/powerpoint/2010/main" xmlns="" Requires="p14">
+    <mc:Choice xmlns:p14="http://schemas.microsoft.com/office/powerpoint/2010/main" Requires="p14">
       <p:transition spd="med" advClick="1" p14:dur="1000">
         <p:wipe dir="r"/>
       </p:transition>
     </mc:Choice>
-    <mc:Fallback xmlns="">
+    <mc:Fallback>
       <p:transition spd="med">
         <p:fade/>
       </p:transition>
@@ -7397,7 +7084,7 @@
 </file>
 
 <file path=ppt/slides/slide22.xml><?xml version="1.0" encoding="utf-8"?>
-<p:sld xmlns:a="http://schemas.openxmlformats.org/drawingml/2006/main" xmlns:r="http://schemas.openxmlformats.org/officeDocument/2006/relationships" xmlns:p="http://schemas.openxmlformats.org/presentationml/2006/main">
+<p:sld xmlns:a="http://schemas.openxmlformats.org/drawingml/2006/main" xmlns:r="http://schemas.openxmlformats.org/officeDocument/2006/relationships" xmlns:p="http://schemas.openxmlformats.org/presentationml/2006/main" showMasterSp="1" showMasterPhAnim="1">
   <p:cSld>
     <p:spTree>
       <p:nvGrpSpPr>
@@ -7416,9 +7103,7 @@
       <p:sp>
         <p:nvSpPr>
           <p:cNvPr id="219" name="指定Controller(2)"/>
-          <p:cNvSpPr txBox="1">
-            <a:spLocks noGrp="1"/>
-          </p:cNvSpPr>
+          <p:cNvSpPr txBox="1"/>
           <p:nvPr>
             <p:ph type="title"/>
           </p:nvPr>
@@ -7432,6 +7117,7 @@
           <a:bodyPr/>
           <a:lstStyle/>
           <a:p>
+            <a:pPr/>
             <a:r>
               <a:t>指定Controller(2)</a:t>
             </a:r>
@@ -7441,17 +7127,15 @@
       <p:sp>
         <p:nvSpPr>
           <p:cNvPr id="220" name="利用ng-controller指令定義Controller…"/>
-          <p:cNvSpPr txBox="1">
-            <a:spLocks noGrp="1"/>
-          </p:cNvSpPr>
+          <p:cNvSpPr txBox="1"/>
           <p:nvPr>
             <p:ph type="body" idx="1"/>
           </p:nvPr>
         </p:nvSpPr>
         <p:spPr>
           <a:xfrm>
-            <a:off x="1270000" y="1166046"/>
-            <a:ext cx="10464800" cy="5471160"/>
+            <a:off x="1270000" y="1185098"/>
+            <a:ext cx="10464800" cy="7476302"/>
           </a:xfrm>
           <a:prstGeom prst="rect">
             <a:avLst/>
@@ -7468,10 +7152,8 @@
               <a:defRPr sz="2400"/>
             </a:pPr>
             <a:r>
-              <a:rPr dirty="0" err="1"/>
               <a:t>利用ng-controller指令定義Controller</a:t>
             </a:r>
-            <a:endParaRPr dirty="0"/>
           </a:p>
           <a:p>
             <a:pPr>
@@ -7480,14 +7162,14 @@
               </a:buBlip>
               <a:defRPr sz="2400"/>
             </a:pPr>
-            <a:endParaRPr dirty="0"/>
-          </a:p>
-          <a:p>
-            <a:pPr marL="0" indent="0">
-              <a:buNone/>
+          </a:p>
+          <a:p>
+            <a:pPr>
+              <a:buBlip>
+                <a:blip r:embed="rId3"/>
+              </a:buBlip>
               <a:defRPr sz="2400"/>
             </a:pPr>
-            <a:endParaRPr dirty="0"/>
           </a:p>
           <a:p>
             <a:pPr>
@@ -7497,10 +7179,8 @@
               <a:defRPr sz="2400"/>
             </a:pPr>
             <a:r>
-              <a:rPr dirty="0" err="1"/>
               <a:t>宣告Controller函式</a:t>
             </a:r>
-            <a:endParaRPr dirty="0"/>
           </a:p>
           <a:p>
             <a:pPr>
@@ -7509,7 +7189,14 @@
               </a:buBlip>
               <a:defRPr sz="2400"/>
             </a:pPr>
-            <a:endParaRPr dirty="0"/>
+          </a:p>
+          <a:p>
+            <a:pPr>
+              <a:buBlip>
+                <a:blip r:embed="rId3"/>
+              </a:buBlip>
+              <a:defRPr sz="2400"/>
+            </a:pPr>
           </a:p>
         </p:txBody>
       </p:sp>
@@ -7560,7 +7247,7 @@
         </p:blipFill>
         <p:spPr>
           <a:xfrm>
-            <a:off x="1907453" y="4981257"/>
+            <a:off x="1907453" y="5225097"/>
             <a:ext cx="9189894" cy="3921499"/>
           </a:xfrm>
           <a:prstGeom prst="rect">
@@ -7576,18 +7263,18 @@
   <p:clrMapOvr>
     <a:masterClrMapping/>
   </p:clrMapOvr>
-  <mc:AlternateContent xmlns:mc="http://schemas.openxmlformats.org/markup-compatibility/2006" xmlns:p15="http://schemas.microsoft.com/office/powerpoint/2012/main">
-    <mc:Choice Requires="p15">
-      <p:transition spd="slow">
+  <mc:AlternateContent xmlns:mc="http://schemas.openxmlformats.org/markup-compatibility/2006">
+    <mc:Choice xmlns:p15="http://schemas.microsoft.com/office/powerpoint/2012/main" Requires="p15">
+      <p:transition xmlns:p14="http://schemas.microsoft.com/office/powerpoint/2010/main" spd="med" advClick="1" p14:dur="1000">
         <p15:prstTrans prst="peelOff"/>
       </p:transition>
     </mc:Choice>
-    <mc:Choice xmlns:p14="http://schemas.microsoft.com/office/powerpoint/2010/main" xmlns="" Requires="p14">
+    <mc:Choice xmlns:p14="http://schemas.microsoft.com/office/powerpoint/2010/main" Requires="p14">
       <p:transition spd="med" advClick="1" p14:dur="1000">
         <p:wipe dir="r"/>
       </p:transition>
     </mc:Choice>
-    <mc:Fallback xmlns="">
+    <mc:Fallback>
       <p:transition spd="med">
         <p:fade/>
       </p:transition>
@@ -7597,7 +7284,7 @@
 </file>
 
 <file path=ppt/slides/slide23.xml><?xml version="1.0" encoding="utf-8"?>
-<p:sld xmlns:a="http://schemas.openxmlformats.org/drawingml/2006/main" xmlns:r="http://schemas.openxmlformats.org/officeDocument/2006/relationships" xmlns:p="http://schemas.openxmlformats.org/presentationml/2006/main">
+<p:sld xmlns:a="http://schemas.openxmlformats.org/drawingml/2006/main" xmlns:r="http://schemas.openxmlformats.org/officeDocument/2006/relationships" xmlns:p="http://schemas.openxmlformats.org/presentationml/2006/main" showMasterSp="1" showMasterPhAnim="1">
   <p:cSld>
     <p:spTree>
       <p:nvGrpSpPr>
@@ -7616,9 +7303,7 @@
       <p:sp>
         <p:nvSpPr>
           <p:cNvPr id="226" name="Filter"/>
-          <p:cNvSpPr txBox="1">
-            <a:spLocks noGrp="1"/>
-          </p:cNvSpPr>
+          <p:cNvSpPr txBox="1"/>
           <p:nvPr>
             <p:ph type="title"/>
           </p:nvPr>
@@ -7632,6 +7317,7 @@
           <a:bodyPr/>
           <a:lstStyle/>
           <a:p>
+            <a:pPr/>
             <a:r>
               <a:t>Filter</a:t>
             </a:r>
@@ -7641,9 +7327,7 @@
       <p:sp>
         <p:nvSpPr>
           <p:cNvPr id="227" name="Filter可用來將原始資料轉換成另一種形式…"/>
-          <p:cNvSpPr txBox="1">
-            <a:spLocks noGrp="1"/>
-          </p:cNvSpPr>
+          <p:cNvSpPr txBox="1"/>
           <p:nvPr>
             <p:ph type="body" idx="1"/>
           </p:nvPr>
@@ -7729,18 +7413,18 @@
   <p:clrMapOvr>
     <a:masterClrMapping/>
   </p:clrMapOvr>
-  <mc:AlternateContent xmlns:mc="http://schemas.openxmlformats.org/markup-compatibility/2006" xmlns:p15="http://schemas.microsoft.com/office/powerpoint/2012/main">
-    <mc:Choice Requires="p15">
-      <p:transition spd="slow">
+  <mc:AlternateContent xmlns:mc="http://schemas.openxmlformats.org/markup-compatibility/2006">
+    <mc:Choice xmlns:p15="http://schemas.microsoft.com/office/powerpoint/2012/main" Requires="p15">
+      <p:transition xmlns:p14="http://schemas.microsoft.com/office/powerpoint/2010/main" spd="med" advClick="1" p14:dur="1000">
         <p15:prstTrans prst="peelOff"/>
       </p:transition>
     </mc:Choice>
-    <mc:Choice xmlns:p14="http://schemas.microsoft.com/office/powerpoint/2010/main" xmlns="" Requires="p14">
+    <mc:Choice xmlns:p14="http://schemas.microsoft.com/office/powerpoint/2010/main" Requires="p14">
       <p:transition spd="med" advClick="1" p14:dur="1000">
         <p:wipe dir="r"/>
       </p:transition>
     </mc:Choice>
-    <mc:Fallback xmlns="">
+    <mc:Fallback>
       <p:transition spd="med">
         <p:fade/>
       </p:transition>
@@ -7750,7 +7434,7 @@
 </file>
 
 <file path=ppt/slides/slide24.xml><?xml version="1.0" encoding="utf-8"?>
-<p:sld xmlns:a="http://schemas.openxmlformats.org/drawingml/2006/main" xmlns:r="http://schemas.openxmlformats.org/officeDocument/2006/relationships" xmlns:p="http://schemas.openxmlformats.org/presentationml/2006/main">
+<p:sld xmlns:a="http://schemas.openxmlformats.org/drawingml/2006/main" xmlns:r="http://schemas.openxmlformats.org/officeDocument/2006/relationships" xmlns:p="http://schemas.openxmlformats.org/presentationml/2006/main" showMasterSp="1" showMasterPhAnim="1">
   <p:cSld>
     <p:spTree>
       <p:nvGrpSpPr>
@@ -7769,9 +7453,7 @@
       <p:sp>
         <p:nvSpPr>
           <p:cNvPr id="231" name="Filter"/>
-          <p:cNvSpPr txBox="1">
-            <a:spLocks noGrp="1"/>
-          </p:cNvSpPr>
+          <p:cNvSpPr txBox="1"/>
           <p:nvPr>
             <p:ph type="title"/>
           </p:nvPr>
@@ -7785,6 +7467,7 @@
           <a:bodyPr/>
           <a:lstStyle/>
           <a:p>
+            <a:pPr/>
             <a:r>
               <a:t>Filter</a:t>
             </a:r>
@@ -7825,18 +7508,18 @@
   <p:clrMapOvr>
     <a:masterClrMapping/>
   </p:clrMapOvr>
-  <mc:AlternateContent xmlns:mc="http://schemas.openxmlformats.org/markup-compatibility/2006" xmlns:p15="http://schemas.microsoft.com/office/powerpoint/2012/main">
-    <mc:Choice Requires="p15">
-      <p:transition spd="slow">
+  <mc:AlternateContent xmlns:mc="http://schemas.openxmlformats.org/markup-compatibility/2006">
+    <mc:Choice xmlns:p15="http://schemas.microsoft.com/office/powerpoint/2012/main" Requires="p15">
+      <p:transition xmlns:p14="http://schemas.microsoft.com/office/powerpoint/2010/main" spd="med" advClick="1" p14:dur="1000">
         <p15:prstTrans prst="peelOff"/>
       </p:transition>
     </mc:Choice>
-    <mc:Choice xmlns:p14="http://schemas.microsoft.com/office/powerpoint/2010/main" xmlns="" Requires="p14">
+    <mc:Choice xmlns:p14="http://schemas.microsoft.com/office/powerpoint/2010/main" Requires="p14">
       <p:transition spd="med" advClick="1" p14:dur="1000">
         <p:wipe dir="r"/>
       </p:transition>
     </mc:Choice>
-    <mc:Fallback xmlns="">
+    <mc:Fallback>
       <p:transition spd="med">
         <p:fade/>
       </p:transition>
@@ -7846,7 +7529,7 @@
 </file>
 
 <file path=ppt/slides/slide25.xml><?xml version="1.0" encoding="utf-8"?>
-<p:sld xmlns:a="http://schemas.openxmlformats.org/drawingml/2006/main" xmlns:r="http://schemas.openxmlformats.org/officeDocument/2006/relationships" xmlns:p="http://schemas.openxmlformats.org/presentationml/2006/main">
+<p:sld xmlns:a="http://schemas.openxmlformats.org/drawingml/2006/main" xmlns:r="http://schemas.openxmlformats.org/officeDocument/2006/relationships" xmlns:p="http://schemas.openxmlformats.org/presentationml/2006/main" showMasterSp="1" showMasterPhAnim="1">
   <p:cSld>
     <p:spTree>
       <p:nvGrpSpPr>
@@ -7865,9 +7548,7 @@
       <p:sp>
         <p:nvSpPr>
           <p:cNvPr id="234" name="Filter"/>
-          <p:cNvSpPr txBox="1">
-            <a:spLocks noGrp="1"/>
-          </p:cNvSpPr>
+          <p:cNvSpPr txBox="1"/>
           <p:nvPr>
             <p:ph type="title"/>
           </p:nvPr>
@@ -7881,6 +7562,7 @@
           <a:bodyPr/>
           <a:lstStyle/>
           <a:p>
+            <a:pPr/>
             <a:r>
               <a:t>Filter</a:t>
             </a:r>
@@ -7921,18 +7603,18 @@
   <p:clrMapOvr>
     <a:masterClrMapping/>
   </p:clrMapOvr>
-  <mc:AlternateContent xmlns:mc="http://schemas.openxmlformats.org/markup-compatibility/2006" xmlns:p15="http://schemas.microsoft.com/office/powerpoint/2012/main">
-    <mc:Choice Requires="p15">
-      <p:transition spd="slow">
+  <mc:AlternateContent xmlns:mc="http://schemas.openxmlformats.org/markup-compatibility/2006">
+    <mc:Choice xmlns:p15="http://schemas.microsoft.com/office/powerpoint/2012/main" Requires="p15">
+      <p:transition xmlns:p14="http://schemas.microsoft.com/office/powerpoint/2010/main" spd="med" advClick="1" p14:dur="1000">
         <p15:prstTrans prst="peelOff"/>
       </p:transition>
     </mc:Choice>
-    <mc:Choice xmlns:p14="http://schemas.microsoft.com/office/powerpoint/2010/main" xmlns="" Requires="p14">
+    <mc:Choice xmlns:p14="http://schemas.microsoft.com/office/powerpoint/2010/main" Requires="p14">
       <p:transition spd="med" advClick="1" p14:dur="1000">
         <p:wipe dir="r"/>
       </p:transition>
     </mc:Choice>
-    <mc:Fallback xmlns="">
+    <mc:Fallback>
       <p:transition spd="med">
         <p:fade/>
       </p:transition>
@@ -7942,7 +7624,7 @@
 </file>
 
 <file path=ppt/slides/slide26.xml><?xml version="1.0" encoding="utf-8"?>
-<p:sld xmlns:a="http://schemas.openxmlformats.org/drawingml/2006/main" xmlns:r="http://schemas.openxmlformats.org/officeDocument/2006/relationships" xmlns:p="http://schemas.openxmlformats.org/presentationml/2006/main">
+<p:sld xmlns:a="http://schemas.openxmlformats.org/drawingml/2006/main" xmlns:r="http://schemas.openxmlformats.org/officeDocument/2006/relationships" xmlns:p="http://schemas.openxmlformats.org/presentationml/2006/main" showMasterSp="1" showMasterPhAnim="1">
   <p:cSld>
     <p:spTree>
       <p:nvGrpSpPr>
@@ -7961,9 +7643,7 @@
       <p:sp>
         <p:nvSpPr>
           <p:cNvPr id="237" name="Filter"/>
-          <p:cNvSpPr txBox="1">
-            <a:spLocks noGrp="1"/>
-          </p:cNvSpPr>
+          <p:cNvSpPr txBox="1"/>
           <p:nvPr>
             <p:ph type="title"/>
           </p:nvPr>
@@ -7977,6 +7657,7 @@
           <a:bodyPr/>
           <a:lstStyle/>
           <a:p>
+            <a:pPr/>
             <a:r>
               <a:t>Filter</a:t>
             </a:r>
@@ -8017,18 +7698,18 @@
   <p:clrMapOvr>
     <a:masterClrMapping/>
   </p:clrMapOvr>
-  <mc:AlternateContent xmlns:mc="http://schemas.openxmlformats.org/markup-compatibility/2006" xmlns:p15="http://schemas.microsoft.com/office/powerpoint/2012/main">
-    <mc:Choice Requires="p15">
-      <p:transition spd="slow">
+  <mc:AlternateContent xmlns:mc="http://schemas.openxmlformats.org/markup-compatibility/2006">
+    <mc:Choice xmlns:p15="http://schemas.microsoft.com/office/powerpoint/2012/main" Requires="p15">
+      <p:transition xmlns:p14="http://schemas.microsoft.com/office/powerpoint/2010/main" spd="med" advClick="1" p14:dur="1000">
         <p15:prstTrans prst="peelOff"/>
       </p:transition>
     </mc:Choice>
-    <mc:Choice xmlns:p14="http://schemas.microsoft.com/office/powerpoint/2010/main" xmlns="" Requires="p14">
+    <mc:Choice xmlns:p14="http://schemas.microsoft.com/office/powerpoint/2010/main" Requires="p14">
       <p:transition spd="med" advClick="1" p14:dur="1000">
         <p:wipe dir="r"/>
       </p:transition>
     </mc:Choice>
-    <mc:Fallback xmlns="">
+    <mc:Fallback>
       <p:transition spd="med">
         <p:fade/>
       </p:transition>
@@ -8038,7 +7719,7 @@
 </file>
 
 <file path=ppt/slides/slide27.xml><?xml version="1.0" encoding="utf-8"?>
-<p:sld xmlns:a="http://schemas.openxmlformats.org/drawingml/2006/main" xmlns:r="http://schemas.openxmlformats.org/officeDocument/2006/relationships" xmlns:p="http://schemas.openxmlformats.org/presentationml/2006/main">
+<p:sld xmlns:a="http://schemas.openxmlformats.org/drawingml/2006/main" xmlns:r="http://schemas.openxmlformats.org/officeDocument/2006/relationships" xmlns:p="http://schemas.openxmlformats.org/presentationml/2006/main" showMasterSp="1" showMasterPhAnim="1">
   <p:cSld>
     <p:spTree>
       <p:nvGrpSpPr>
@@ -8057,9 +7738,7 @@
       <p:sp>
         <p:nvSpPr>
           <p:cNvPr id="240" name="ng-disable、ng-show…"/>
-          <p:cNvSpPr txBox="1">
-            <a:spLocks noGrp="1"/>
-          </p:cNvSpPr>
+          <p:cNvSpPr txBox="1"/>
           <p:nvPr>
             <p:ph type="title"/>
           </p:nvPr>
@@ -8153,18 +7832,18 @@
   <p:clrMapOvr>
     <a:masterClrMapping/>
   </p:clrMapOvr>
-  <mc:AlternateContent xmlns:mc="http://schemas.openxmlformats.org/markup-compatibility/2006" xmlns:p15="http://schemas.microsoft.com/office/powerpoint/2012/main">
-    <mc:Choice Requires="p15">
-      <p:transition spd="slow">
+  <mc:AlternateContent xmlns:mc="http://schemas.openxmlformats.org/markup-compatibility/2006">
+    <mc:Choice xmlns:p15="http://schemas.microsoft.com/office/powerpoint/2012/main" Requires="p15">
+      <p:transition xmlns:p14="http://schemas.microsoft.com/office/powerpoint/2010/main" spd="med" advClick="1" p14:dur="1000">
         <p15:prstTrans prst="peelOff"/>
       </p:transition>
     </mc:Choice>
-    <mc:Choice xmlns:p14="http://schemas.microsoft.com/office/powerpoint/2010/main" xmlns="" Requires="p14">
+    <mc:Choice xmlns:p14="http://schemas.microsoft.com/office/powerpoint/2010/main" Requires="p14">
       <p:transition spd="med" advClick="1" p14:dur="1000">
         <p:wipe dir="r"/>
       </p:transition>
     </mc:Choice>
-    <mc:Fallback xmlns="">
+    <mc:Fallback>
       <p:transition spd="med">
         <p:fade/>
       </p:transition>
@@ -8174,7 +7853,7 @@
 </file>
 
 <file path=ppt/slides/slide28.xml><?xml version="1.0" encoding="utf-8"?>
-<p:sld xmlns:a="http://schemas.openxmlformats.org/drawingml/2006/main" xmlns:r="http://schemas.openxmlformats.org/officeDocument/2006/relationships" xmlns:p="http://schemas.openxmlformats.org/presentationml/2006/main">
+<p:sld xmlns:a="http://schemas.openxmlformats.org/drawingml/2006/main" xmlns:r="http://schemas.openxmlformats.org/officeDocument/2006/relationships" xmlns:p="http://schemas.openxmlformats.org/presentationml/2006/main" showMasterSp="1" showMasterPhAnim="1">
   <p:cSld>
     <p:spTree>
       <p:nvGrpSpPr>
@@ -8193,9 +7872,7 @@
       <p:sp>
         <p:nvSpPr>
           <p:cNvPr id="244" name="Angular JS定義的事件(Event)"/>
-          <p:cNvSpPr txBox="1">
-            <a:spLocks noGrp="1"/>
-          </p:cNvSpPr>
+          <p:cNvSpPr txBox="1"/>
           <p:nvPr>
             <p:ph type="title"/>
           </p:nvPr>
@@ -8213,6 +7890,7 @@
             </a:lvl1pPr>
           </a:lstStyle>
           <a:p>
+            <a:pPr/>
             <a:r>
               <a:t>Angular JS定義的事件(Event)</a:t>
             </a:r>
@@ -8222,9 +7900,7 @@
       <p:sp>
         <p:nvSpPr>
           <p:cNvPr id="245" name="ng-click…"/>
-          <p:cNvSpPr txBox="1">
-            <a:spLocks noGrp="1"/>
-          </p:cNvSpPr>
+          <p:cNvSpPr txBox="1"/>
           <p:nvPr>
             <p:ph type="body" sz="half" idx="1"/>
           </p:nvPr>
@@ -8346,13 +8022,13 @@
           </a:ln>
           <a:extLst>
             <a:ext uri="{C572A759-6A51-4108-AA02-DFA0A04FC94B}">
-              <ma14:wrappingTextBoxFlag xmlns:ma14="http://schemas.microsoft.com/office/mac/drawingml/2011/main" xmlns="" val="1"/>
+              <ma14:wrappingTextBoxFlag xmlns:ma14="http://schemas.microsoft.com/office/mac/drawingml/2011/main" val="1"/>
             </a:ext>
           </a:extLst>
         </p:spPr>
         <p:txBody>
           <a:bodyPr lIns="50800" tIns="50800" rIns="50800" bIns="50800" anchor="ctr">
-            <a:normAutofit/>
+            <a:normAutofit fontScale="100000" lnSpcReduction="0"/>
           </a:bodyPr>
           <a:lstStyle/>
           <a:p>
@@ -8452,18 +8128,18 @@
   <p:clrMapOvr>
     <a:masterClrMapping/>
   </p:clrMapOvr>
-  <mc:AlternateContent xmlns:mc="http://schemas.openxmlformats.org/markup-compatibility/2006" xmlns:p15="http://schemas.microsoft.com/office/powerpoint/2012/main">
-    <mc:Choice Requires="p15">
-      <p:transition spd="slow">
+  <mc:AlternateContent xmlns:mc="http://schemas.openxmlformats.org/markup-compatibility/2006">
+    <mc:Choice xmlns:p15="http://schemas.microsoft.com/office/powerpoint/2012/main" Requires="p15">
+      <p:transition xmlns:p14="http://schemas.microsoft.com/office/powerpoint/2010/main" spd="med" advClick="1" p14:dur="1000">
         <p15:prstTrans prst="peelOff"/>
       </p:transition>
     </mc:Choice>
-    <mc:Choice xmlns:p14="http://schemas.microsoft.com/office/powerpoint/2010/main" xmlns="" Requires="p14">
+    <mc:Choice xmlns:p14="http://schemas.microsoft.com/office/powerpoint/2010/main" Requires="p14">
       <p:transition spd="med" advClick="1" p14:dur="1000">
         <p:wipe dir="r"/>
       </p:transition>
     </mc:Choice>
-    <mc:Fallback xmlns="">
+    <mc:Fallback>
       <p:transition spd="med">
         <p:fade/>
       </p:transition>
@@ -8473,7 +8149,7 @@
 </file>
 
 <file path=ppt/slides/slide29.xml><?xml version="1.0" encoding="utf-8"?>
-<p:sld xmlns:a="http://schemas.openxmlformats.org/drawingml/2006/main" xmlns:r="http://schemas.openxmlformats.org/officeDocument/2006/relationships" xmlns:p="http://schemas.openxmlformats.org/presentationml/2006/main">
+<p:sld xmlns:a="http://schemas.openxmlformats.org/drawingml/2006/main" xmlns:r="http://schemas.openxmlformats.org/officeDocument/2006/relationships" xmlns:p="http://schemas.openxmlformats.org/presentationml/2006/main" showMasterSp="1" showMasterPhAnim="1">
   <p:cSld>
     <p:spTree>
       <p:nvGrpSpPr>
@@ -8492,9 +8168,7 @@
       <p:sp>
         <p:nvSpPr>
           <p:cNvPr id="250" name="Form Data Validation"/>
-          <p:cNvSpPr txBox="1">
-            <a:spLocks noGrp="1"/>
-          </p:cNvSpPr>
+          <p:cNvSpPr txBox="1"/>
           <p:nvPr>
             <p:ph type="title"/>
           </p:nvPr>
@@ -8508,6 +8182,7 @@
           <a:bodyPr/>
           <a:lstStyle/>
           <a:p>
+            <a:pPr/>
             <a:r>
               <a:t>Form Data Validation</a:t>
             </a:r>
@@ -8517,9 +8192,7 @@
       <p:sp>
         <p:nvSpPr>
           <p:cNvPr id="251" name="$dirty…"/>
-          <p:cNvSpPr txBox="1">
-            <a:spLocks noGrp="1"/>
-          </p:cNvSpPr>
+          <p:cNvSpPr txBox="1"/>
           <p:nvPr>
             <p:ph type="body" idx="1"/>
           </p:nvPr>
@@ -8569,18 +8242,18 @@
   <p:clrMapOvr>
     <a:masterClrMapping/>
   </p:clrMapOvr>
-  <mc:AlternateContent xmlns:mc="http://schemas.openxmlformats.org/markup-compatibility/2006" xmlns:p15="http://schemas.microsoft.com/office/powerpoint/2012/main">
-    <mc:Choice Requires="p15">
-      <p:transition spd="slow">
+  <mc:AlternateContent xmlns:mc="http://schemas.openxmlformats.org/markup-compatibility/2006">
+    <mc:Choice xmlns:p15="http://schemas.microsoft.com/office/powerpoint/2012/main" Requires="p15">
+      <p:transition xmlns:p14="http://schemas.microsoft.com/office/powerpoint/2010/main" spd="med" advClick="1" p14:dur="1000">
         <p15:prstTrans prst="peelOff"/>
       </p:transition>
     </mc:Choice>
-    <mc:Choice xmlns:p14="http://schemas.microsoft.com/office/powerpoint/2010/main" xmlns="" Requires="p14">
+    <mc:Choice xmlns:p14="http://schemas.microsoft.com/office/powerpoint/2010/main" Requires="p14">
       <p:transition spd="med" advClick="1" p14:dur="1000">
         <p:wipe dir="r"/>
       </p:transition>
     </mc:Choice>
-    <mc:Fallback xmlns="">
+    <mc:Fallback>
       <p:transition spd="med">
         <p:fade/>
       </p:transition>
@@ -8590,7 +8263,7 @@
 </file>
 
 <file path=ppt/slides/slide3.xml><?xml version="1.0" encoding="utf-8"?>
-<p:sld xmlns:a="http://schemas.openxmlformats.org/drawingml/2006/main" xmlns:r="http://schemas.openxmlformats.org/officeDocument/2006/relationships" xmlns:p="http://schemas.openxmlformats.org/presentationml/2006/main">
+<p:sld xmlns:a="http://schemas.openxmlformats.org/drawingml/2006/main" xmlns:r="http://schemas.openxmlformats.org/officeDocument/2006/relationships" xmlns:p="http://schemas.openxmlformats.org/presentationml/2006/main" showMasterSp="1" showMasterPhAnim="1">
   <p:cSld>
     <p:spTree>
       <p:nvGrpSpPr>
@@ -8609,9 +8282,7 @@
       <p:sp>
         <p:nvSpPr>
           <p:cNvPr id="127" name="Angular JS緣起"/>
-          <p:cNvSpPr txBox="1">
-            <a:spLocks noGrp="1"/>
-          </p:cNvSpPr>
+          <p:cNvSpPr txBox="1"/>
           <p:nvPr>
             <p:ph type="title"/>
           </p:nvPr>
@@ -8625,6 +8296,7 @@
           <a:bodyPr/>
           <a:lstStyle/>
           <a:p>
+            <a:pPr/>
             <a:r>
               <a:t>Angular JS</a:t>
             </a:r>
@@ -8638,9 +8310,7 @@
       <p:sp>
         <p:nvSpPr>
           <p:cNvPr id="128" name="後來適逢DoubleClick被Google收購，AngularJS被用來改寫其部分的商業邏輯，由於開發效率高到令人稱奇，至此AngularJS在Google公司內部一戰成名…"/>
-          <p:cNvSpPr txBox="1">
-            <a:spLocks noGrp="1"/>
-          </p:cNvSpPr>
+          <p:cNvSpPr txBox="1"/>
           <p:nvPr>
             <p:ph type="body" idx="1"/>
           </p:nvPr>
@@ -8716,18 +8386,18 @@
   <p:clrMapOvr>
     <a:masterClrMapping/>
   </p:clrMapOvr>
-  <mc:AlternateContent xmlns:mc="http://schemas.openxmlformats.org/markup-compatibility/2006" xmlns:p15="http://schemas.microsoft.com/office/powerpoint/2012/main">
-    <mc:Choice Requires="p15">
-      <p:transition spd="slow">
+  <mc:AlternateContent xmlns:mc="http://schemas.openxmlformats.org/markup-compatibility/2006">
+    <mc:Choice xmlns:p15="http://schemas.microsoft.com/office/powerpoint/2012/main" Requires="p15">
+      <p:transition xmlns:p14="http://schemas.microsoft.com/office/powerpoint/2010/main" spd="med" advClick="1" p14:dur="1000">
         <p15:prstTrans prst="peelOff"/>
       </p:transition>
     </mc:Choice>
-    <mc:Choice xmlns:p14="http://schemas.microsoft.com/office/powerpoint/2010/main" xmlns="" Requires="p14">
+    <mc:Choice xmlns:p14="http://schemas.microsoft.com/office/powerpoint/2010/main" Requires="p14">
       <p:transition spd="med" advClick="1" p14:dur="1000">
         <p:wipe dir="r"/>
       </p:transition>
     </mc:Choice>
-    <mc:Fallback xmlns="">
+    <mc:Fallback>
       <p:transition spd="med">
         <p:fade/>
       </p:transition>
@@ -8737,7 +8407,7 @@
 </file>
 
 <file path=ppt/slides/slide30.xml><?xml version="1.0" encoding="utf-8"?>
-<p:sld xmlns:a="http://schemas.openxmlformats.org/drawingml/2006/main" xmlns:r="http://schemas.openxmlformats.org/officeDocument/2006/relationships" xmlns:p="http://schemas.openxmlformats.org/presentationml/2006/main">
+<p:sld xmlns:a="http://schemas.openxmlformats.org/drawingml/2006/main" xmlns:r="http://schemas.openxmlformats.org/officeDocument/2006/relationships" xmlns:p="http://schemas.openxmlformats.org/presentationml/2006/main" showMasterSp="1" showMasterPhAnim="1">
   <p:cSld>
     <p:spTree>
       <p:nvGrpSpPr>
@@ -8756,9 +8426,7 @@
       <p:sp>
         <p:nvSpPr>
           <p:cNvPr id="255" name="Form Data Validation"/>
-          <p:cNvSpPr txBox="1">
-            <a:spLocks noGrp="1"/>
-          </p:cNvSpPr>
+          <p:cNvSpPr txBox="1"/>
           <p:nvPr>
             <p:ph type="title"/>
           </p:nvPr>
@@ -8772,6 +8440,7 @@
           <a:bodyPr/>
           <a:lstStyle/>
           <a:p>
+            <a:pPr/>
             <a:r>
               <a:t>Form Data Validation</a:t>
             </a:r>
@@ -8812,18 +8481,18 @@
   <p:clrMapOvr>
     <a:masterClrMapping/>
   </p:clrMapOvr>
-  <mc:AlternateContent xmlns:mc="http://schemas.openxmlformats.org/markup-compatibility/2006" xmlns:p15="http://schemas.microsoft.com/office/powerpoint/2012/main">
-    <mc:Choice Requires="p15">
-      <p:transition spd="slow">
+  <mc:AlternateContent xmlns:mc="http://schemas.openxmlformats.org/markup-compatibility/2006">
+    <mc:Choice xmlns:p15="http://schemas.microsoft.com/office/powerpoint/2012/main" Requires="p15">
+      <p:transition xmlns:p14="http://schemas.microsoft.com/office/powerpoint/2010/main" spd="med" advClick="1" p14:dur="1000">
         <p15:prstTrans prst="peelOff"/>
       </p:transition>
     </mc:Choice>
-    <mc:Choice xmlns:p14="http://schemas.microsoft.com/office/powerpoint/2010/main" xmlns="" Requires="p14">
+    <mc:Choice xmlns:p14="http://schemas.microsoft.com/office/powerpoint/2010/main" Requires="p14">
       <p:transition spd="med" advClick="1" p14:dur="1000">
         <p:wipe dir="r"/>
       </p:transition>
     </mc:Choice>
-    <mc:Fallback xmlns="">
+    <mc:Fallback>
       <p:transition spd="med">
         <p:fade/>
       </p:transition>
@@ -8833,7 +8502,7 @@
 </file>
 
 <file path=ppt/slides/slide31.xml><?xml version="1.0" encoding="utf-8"?>
-<p:sld xmlns:a="http://schemas.openxmlformats.org/drawingml/2006/main" xmlns:r="http://schemas.openxmlformats.org/officeDocument/2006/relationships" xmlns:p="http://schemas.openxmlformats.org/presentationml/2006/main">
+<p:sld xmlns:a="http://schemas.openxmlformats.org/drawingml/2006/main" xmlns:r="http://schemas.openxmlformats.org/officeDocument/2006/relationships" xmlns:p="http://schemas.openxmlformats.org/presentationml/2006/main" showMasterSp="1" showMasterPhAnim="1">
   <p:cSld>
     <p:spTree>
       <p:nvGrpSpPr>
@@ -8852,9 +8521,7 @@
       <p:sp>
         <p:nvSpPr>
           <p:cNvPr id="258" name="Form Data Validation"/>
-          <p:cNvSpPr txBox="1">
-            <a:spLocks noGrp="1"/>
-          </p:cNvSpPr>
+          <p:cNvSpPr txBox="1"/>
           <p:nvPr>
             <p:ph type="title"/>
           </p:nvPr>
@@ -8868,8 +8535,8 @@
           <a:bodyPr/>
           <a:lstStyle/>
           <a:p>
-            <a:r>
-              <a:rPr dirty="0"/>
+            <a:pPr/>
+            <a:r>
               <a:t>Form Data Validation</a:t>
             </a:r>
           </a:p>
@@ -8877,22 +8544,14 @@
       </p:sp>
       <p:sp>
         <p:nvSpPr>
-          <p:cNvPr id="3" name="Form Data Validation">
-            <a:extLst>
-              <a:ext uri="{FF2B5EF4-FFF2-40B4-BE49-F238E27FC236}">
-                <a16:creationId xmlns:a16="http://schemas.microsoft.com/office/drawing/2014/main" id="{0F3AFBBE-5CF5-7C48-AF15-80859D3831B6}"/>
-              </a:ext>
-            </a:extLst>
-          </p:cNvPr>
-          <p:cNvSpPr txBox="1">
-            <a:spLocks/>
-          </p:cNvSpPr>
+          <p:cNvPr id="259" name="Case"/>
+          <p:cNvSpPr txBox="1"/>
           <p:nvPr/>
         </p:nvSpPr>
         <p:spPr>
           <a:xfrm>
-            <a:off x="1270000" y="4038600"/>
-            <a:ext cx="10464800" cy="2108200"/>
+            <a:off x="1270000" y="4067689"/>
+            <a:ext cx="10464800" cy="2108201"/>
           </a:xfrm>
           <a:prstGeom prst="rect">
             <a:avLst/>
@@ -8902,281 +8561,22 @@
           </a:ln>
           <a:extLst>
             <a:ext uri="{C572A759-6A51-4108-AA02-DFA0A04FC94B}">
-              <ma14:wrappingTextBoxFlag xmlns:ma14="http://schemas.microsoft.com/office/mac/drawingml/2011/main" xmlns="" val="1"/>
+              <ma14:wrappingTextBoxFlag xmlns:ma14="http://schemas.microsoft.com/office/mac/drawingml/2011/main" val="1"/>
             </a:ext>
           </a:extLst>
         </p:spPr>
         <p:txBody>
           <a:bodyPr lIns="50800" tIns="50800" rIns="50800" bIns="50800" anchor="ctr">
-            <a:normAutofit/>
+            <a:normAutofit fontScale="100000" lnSpcReduction="0"/>
           </a:bodyPr>
           <a:lstStyle>
-            <a:lvl1pPr marL="0" marR="0" indent="0" algn="ctr" defTabSz="584200" latinLnBrk="0">
-              <a:lnSpc>
-                <a:spcPct val="100000"/>
-              </a:lnSpc>
-              <a:spcBef>
-                <a:spcPts val="0"/>
-              </a:spcBef>
-              <a:spcAft>
-                <a:spcPts val="0"/>
-              </a:spcAft>
-              <a:buClrTx/>
-              <a:buSzTx/>
-              <a:buFontTx/>
-              <a:buNone/>
-              <a:tabLst/>
-              <a:defRPr sz="7200" b="0" i="0" u="none" strike="noStrike" cap="none" spc="0" baseline="0">
-                <a:ln>
-                  <a:noFill/>
-                </a:ln>
-                <a:solidFill>
-                  <a:srgbClr val="3E231A"/>
-                </a:solidFill>
-                <a:uFillTx/>
-                <a:latin typeface="+mn-lt"/>
-                <a:ea typeface="+mn-ea"/>
-                <a:cs typeface="+mn-cs"/>
-                <a:sym typeface="Papyrus"/>
-              </a:defRPr>
+            <a:lvl1pPr>
+              <a:defRPr sz="7200"/>
             </a:lvl1pPr>
-            <a:lvl2pPr marL="0" marR="0" indent="228600" algn="l" defTabSz="584200" latinLnBrk="0">
-              <a:lnSpc>
-                <a:spcPct val="100000"/>
-              </a:lnSpc>
-              <a:spcBef>
-                <a:spcPts val="0"/>
-              </a:spcBef>
-              <a:spcAft>
-                <a:spcPts val="0"/>
-              </a:spcAft>
-              <a:buClrTx/>
-              <a:buSzTx/>
-              <a:buFontTx/>
-              <a:buNone/>
-              <a:tabLst/>
-              <a:defRPr sz="7200" b="0" i="0" u="none" strike="noStrike" cap="none" spc="0" baseline="0">
-                <a:ln>
-                  <a:noFill/>
-                </a:ln>
-                <a:solidFill>
-                  <a:srgbClr val="3E231A"/>
-                </a:solidFill>
-                <a:uFillTx/>
-                <a:latin typeface="+mn-lt"/>
-                <a:ea typeface="+mn-ea"/>
-                <a:cs typeface="+mn-cs"/>
-                <a:sym typeface="Papyrus"/>
-              </a:defRPr>
-            </a:lvl2pPr>
-            <a:lvl3pPr marL="0" marR="0" indent="457200" algn="l" defTabSz="584200" latinLnBrk="0">
-              <a:lnSpc>
-                <a:spcPct val="100000"/>
-              </a:lnSpc>
-              <a:spcBef>
-                <a:spcPts val="0"/>
-              </a:spcBef>
-              <a:spcAft>
-                <a:spcPts val="0"/>
-              </a:spcAft>
-              <a:buClrTx/>
-              <a:buSzTx/>
-              <a:buFontTx/>
-              <a:buNone/>
-              <a:tabLst/>
-              <a:defRPr sz="7200" b="0" i="0" u="none" strike="noStrike" cap="none" spc="0" baseline="0">
-                <a:ln>
-                  <a:noFill/>
-                </a:ln>
-                <a:solidFill>
-                  <a:srgbClr val="3E231A"/>
-                </a:solidFill>
-                <a:uFillTx/>
-                <a:latin typeface="+mn-lt"/>
-                <a:ea typeface="+mn-ea"/>
-                <a:cs typeface="+mn-cs"/>
-                <a:sym typeface="Papyrus"/>
-              </a:defRPr>
-            </a:lvl3pPr>
-            <a:lvl4pPr marL="0" marR="0" indent="685800" algn="l" defTabSz="584200" latinLnBrk="0">
-              <a:lnSpc>
-                <a:spcPct val="100000"/>
-              </a:lnSpc>
-              <a:spcBef>
-                <a:spcPts val="0"/>
-              </a:spcBef>
-              <a:spcAft>
-                <a:spcPts val="0"/>
-              </a:spcAft>
-              <a:buClrTx/>
-              <a:buSzTx/>
-              <a:buFontTx/>
-              <a:buNone/>
-              <a:tabLst/>
-              <a:defRPr sz="7200" b="0" i="0" u="none" strike="noStrike" cap="none" spc="0" baseline="0">
-                <a:ln>
-                  <a:noFill/>
-                </a:ln>
-                <a:solidFill>
-                  <a:srgbClr val="3E231A"/>
-                </a:solidFill>
-                <a:uFillTx/>
-                <a:latin typeface="+mn-lt"/>
-                <a:ea typeface="+mn-ea"/>
-                <a:cs typeface="+mn-cs"/>
-                <a:sym typeface="Papyrus"/>
-              </a:defRPr>
-            </a:lvl4pPr>
-            <a:lvl5pPr marL="0" marR="0" indent="914400" algn="l" defTabSz="584200" latinLnBrk="0">
-              <a:lnSpc>
-                <a:spcPct val="100000"/>
-              </a:lnSpc>
-              <a:spcBef>
-                <a:spcPts val="0"/>
-              </a:spcBef>
-              <a:spcAft>
-                <a:spcPts val="0"/>
-              </a:spcAft>
-              <a:buClrTx/>
-              <a:buSzTx/>
-              <a:buFontTx/>
-              <a:buNone/>
-              <a:tabLst/>
-              <a:defRPr sz="7200" b="0" i="0" u="none" strike="noStrike" cap="none" spc="0" baseline="0">
-                <a:ln>
-                  <a:noFill/>
-                </a:ln>
-                <a:solidFill>
-                  <a:srgbClr val="3E231A"/>
-                </a:solidFill>
-                <a:uFillTx/>
-                <a:latin typeface="+mn-lt"/>
-                <a:ea typeface="+mn-ea"/>
-                <a:cs typeface="+mn-cs"/>
-                <a:sym typeface="Papyrus"/>
-              </a:defRPr>
-            </a:lvl5pPr>
-            <a:lvl6pPr marL="0" marR="0" indent="1143000" algn="l" defTabSz="584200" latinLnBrk="0">
-              <a:lnSpc>
-                <a:spcPct val="100000"/>
-              </a:lnSpc>
-              <a:spcBef>
-                <a:spcPts val="0"/>
-              </a:spcBef>
-              <a:spcAft>
-                <a:spcPts val="0"/>
-              </a:spcAft>
-              <a:buClrTx/>
-              <a:buSzTx/>
-              <a:buFontTx/>
-              <a:buNone/>
-              <a:tabLst/>
-              <a:defRPr sz="7200" b="0" i="0" u="none" strike="noStrike" cap="none" spc="0" baseline="0">
-                <a:ln>
-                  <a:noFill/>
-                </a:ln>
-                <a:solidFill>
-                  <a:srgbClr val="3E231A"/>
-                </a:solidFill>
-                <a:uFillTx/>
-                <a:latin typeface="+mn-lt"/>
-                <a:ea typeface="+mn-ea"/>
-                <a:cs typeface="+mn-cs"/>
-                <a:sym typeface="Papyrus"/>
-              </a:defRPr>
-            </a:lvl6pPr>
-            <a:lvl7pPr marL="0" marR="0" indent="1371600" algn="l" defTabSz="584200" latinLnBrk="0">
-              <a:lnSpc>
-                <a:spcPct val="100000"/>
-              </a:lnSpc>
-              <a:spcBef>
-                <a:spcPts val="0"/>
-              </a:spcBef>
-              <a:spcAft>
-                <a:spcPts val="0"/>
-              </a:spcAft>
-              <a:buClrTx/>
-              <a:buSzTx/>
-              <a:buFontTx/>
-              <a:buNone/>
-              <a:tabLst/>
-              <a:defRPr sz="7200" b="0" i="0" u="none" strike="noStrike" cap="none" spc="0" baseline="0">
-                <a:ln>
-                  <a:noFill/>
-                </a:ln>
-                <a:solidFill>
-                  <a:srgbClr val="3E231A"/>
-                </a:solidFill>
-                <a:uFillTx/>
-                <a:latin typeface="+mn-lt"/>
-                <a:ea typeface="+mn-ea"/>
-                <a:cs typeface="+mn-cs"/>
-                <a:sym typeface="Papyrus"/>
-              </a:defRPr>
-            </a:lvl7pPr>
-            <a:lvl8pPr marL="0" marR="0" indent="1600200" algn="l" defTabSz="584200" latinLnBrk="0">
-              <a:lnSpc>
-                <a:spcPct val="100000"/>
-              </a:lnSpc>
-              <a:spcBef>
-                <a:spcPts val="0"/>
-              </a:spcBef>
-              <a:spcAft>
-                <a:spcPts val="0"/>
-              </a:spcAft>
-              <a:buClrTx/>
-              <a:buSzTx/>
-              <a:buFontTx/>
-              <a:buNone/>
-              <a:tabLst/>
-              <a:defRPr sz="7200" b="0" i="0" u="none" strike="noStrike" cap="none" spc="0" baseline="0">
-                <a:ln>
-                  <a:noFill/>
-                </a:ln>
-                <a:solidFill>
-                  <a:srgbClr val="3E231A"/>
-                </a:solidFill>
-                <a:uFillTx/>
-                <a:latin typeface="+mn-lt"/>
-                <a:ea typeface="+mn-ea"/>
-                <a:cs typeface="+mn-cs"/>
-                <a:sym typeface="Papyrus"/>
-              </a:defRPr>
-            </a:lvl8pPr>
-            <a:lvl9pPr marL="0" marR="0" indent="1828800" algn="l" defTabSz="584200" latinLnBrk="0">
-              <a:lnSpc>
-                <a:spcPct val="100000"/>
-              </a:lnSpc>
-              <a:spcBef>
-                <a:spcPts val="0"/>
-              </a:spcBef>
-              <a:spcAft>
-                <a:spcPts val="0"/>
-              </a:spcAft>
-              <a:buClrTx/>
-              <a:buSzTx/>
-              <a:buFontTx/>
-              <a:buNone/>
-              <a:tabLst/>
-              <a:defRPr sz="7200" b="0" i="0" u="none" strike="noStrike" cap="none" spc="0" baseline="0">
-                <a:ln>
-                  <a:noFill/>
-                </a:ln>
-                <a:solidFill>
-                  <a:srgbClr val="3E231A"/>
-                </a:solidFill>
-                <a:uFillTx/>
-                <a:latin typeface="+mn-lt"/>
-                <a:ea typeface="+mn-ea"/>
-                <a:cs typeface="+mn-cs"/>
-                <a:sym typeface="Papyrus"/>
-              </a:defRPr>
-            </a:lvl9pPr>
           </a:lstStyle>
           <a:p>
-            <a:pPr hangingPunct="1"/>
-            <a:r>
-              <a:rPr lang="en-US" dirty="0"/>
+            <a:pPr/>
+            <a:r>
               <a:t>Case</a:t>
             </a:r>
           </a:p>
@@ -9187,18 +8587,18 @@
   <p:clrMapOvr>
     <a:masterClrMapping/>
   </p:clrMapOvr>
-  <mc:AlternateContent xmlns:mc="http://schemas.openxmlformats.org/markup-compatibility/2006" xmlns:p15="http://schemas.microsoft.com/office/powerpoint/2012/main">
-    <mc:Choice Requires="p15">
-      <p:transition spd="slow">
+  <mc:AlternateContent xmlns:mc="http://schemas.openxmlformats.org/markup-compatibility/2006">
+    <mc:Choice xmlns:p15="http://schemas.microsoft.com/office/powerpoint/2012/main" Requires="p15">
+      <p:transition xmlns:p14="http://schemas.microsoft.com/office/powerpoint/2010/main" spd="med" advClick="1" p14:dur="1000">
         <p15:prstTrans prst="peelOff"/>
       </p:transition>
     </mc:Choice>
-    <mc:Choice xmlns:p14="http://schemas.microsoft.com/office/powerpoint/2010/main" xmlns="" Requires="p14">
+    <mc:Choice xmlns:p14="http://schemas.microsoft.com/office/powerpoint/2010/main" Requires="p14">
       <p:transition spd="med" advClick="1" p14:dur="1000">
         <p:wipe dir="r"/>
       </p:transition>
     </mc:Choice>
-    <mc:Fallback xmlns="">
+    <mc:Fallback>
       <p:transition spd="med">
         <p:fade/>
       </p:transition>
@@ -9208,7 +8608,7 @@
 </file>
 
 <file path=ppt/slides/slide32.xml><?xml version="1.0" encoding="utf-8"?>
-<p:sld xmlns:a="http://schemas.openxmlformats.org/drawingml/2006/main" xmlns:r="http://schemas.openxmlformats.org/officeDocument/2006/relationships" xmlns:p="http://schemas.openxmlformats.org/presentationml/2006/main">
+<p:sld xmlns:a="http://schemas.openxmlformats.org/drawingml/2006/main" xmlns:r="http://schemas.openxmlformats.org/officeDocument/2006/relationships" xmlns:p="http://schemas.openxmlformats.org/presentationml/2006/main" showMasterSp="1" showMasterPhAnim="1">
   <p:cSld>
     <p:spTree>
       <p:nvGrpSpPr>
@@ -9226,10 +8626,8 @@
       </p:grpSpPr>
       <p:sp>
         <p:nvSpPr>
-          <p:cNvPr id="260" name="ng-include"/>
-          <p:cNvSpPr txBox="1">
-            <a:spLocks noGrp="1"/>
-          </p:cNvSpPr>
+          <p:cNvPr id="261" name="ng-include"/>
+          <p:cNvSpPr txBox="1"/>
           <p:nvPr>
             <p:ph type="title"/>
           </p:nvPr>
@@ -9243,6 +8641,7 @@
           <a:bodyPr/>
           <a:lstStyle/>
           <a:p>
+            <a:pPr/>
             <a:r>
               <a:t>ng-include</a:t>
             </a:r>
@@ -9251,10 +8650,8 @@
       </p:sp>
       <p:sp>
         <p:nvSpPr>
-          <p:cNvPr id="261" name="ng-include 可用來包含其他html頁面的片段，類似jsp、asp的Server-Side include"/>
-          <p:cNvSpPr txBox="1">
-            <a:spLocks noGrp="1"/>
-          </p:cNvSpPr>
+          <p:cNvPr id="262" name="ng-include 可用來包含其他html頁面的片段，類似jsp、asp的Server-Side include"/>
+          <p:cNvSpPr txBox="1"/>
           <p:nvPr>
             <p:ph type="body" sz="quarter" idx="1"/>
           </p:nvPr>
@@ -9278,6 +8675,7 @@
             </a:lvl1pPr>
           </a:lstStyle>
           <a:p>
+            <a:pPr/>
             <a:r>
               <a:t>ng-include 可用來包含其他html頁面的片段，類似jsp、asp的Server-Side include</a:t>
             </a:r>
@@ -9286,7 +8684,7 @@
       </p:sp>
       <p:pic>
         <p:nvPicPr>
-          <p:cNvPr id="262" name="螢幕快照 2018-02-09 下午2.20.26.png" descr="螢幕快照 2018-02-09 下午2.20.26.png"/>
+          <p:cNvPr id="263" name="螢幕快照 2018-02-09 下午2.20.26.png" descr="螢幕快照 2018-02-09 下午2.20.26.png"/>
           <p:cNvPicPr>
             <a:picLocks noChangeAspect="1"/>
           </p:cNvPicPr>
@@ -9318,18 +8716,18 @@
   <p:clrMapOvr>
     <a:masterClrMapping/>
   </p:clrMapOvr>
-  <mc:AlternateContent xmlns:mc="http://schemas.openxmlformats.org/markup-compatibility/2006" xmlns:p15="http://schemas.microsoft.com/office/powerpoint/2012/main">
-    <mc:Choice Requires="p15">
-      <p:transition spd="slow">
+  <mc:AlternateContent xmlns:mc="http://schemas.openxmlformats.org/markup-compatibility/2006">
+    <mc:Choice xmlns:p15="http://schemas.microsoft.com/office/powerpoint/2012/main" Requires="p15">
+      <p:transition xmlns:p14="http://schemas.microsoft.com/office/powerpoint/2010/main" spd="med" advClick="1" p14:dur="1000">
         <p15:prstTrans prst="peelOff"/>
       </p:transition>
     </mc:Choice>
-    <mc:Choice xmlns:p14="http://schemas.microsoft.com/office/powerpoint/2010/main" xmlns="" Requires="p14">
+    <mc:Choice xmlns:p14="http://schemas.microsoft.com/office/powerpoint/2010/main" Requires="p14">
       <p:transition spd="med" advClick="1" p14:dur="1000">
         <p:wipe dir="r"/>
       </p:transition>
     </mc:Choice>
-    <mc:Fallback xmlns="">
+    <mc:Fallback>
       <p:transition spd="med">
         <p:fade/>
       </p:transition>
@@ -9339,7 +8737,7 @@
 </file>
 
 <file path=ppt/slides/slide33.xml><?xml version="1.0" encoding="utf-8"?>
-<p:sld xmlns:a="http://schemas.openxmlformats.org/drawingml/2006/main" xmlns:r="http://schemas.openxmlformats.org/officeDocument/2006/relationships" xmlns:p="http://schemas.openxmlformats.org/presentationml/2006/main">
+<p:sld xmlns:a="http://schemas.openxmlformats.org/drawingml/2006/main" xmlns:r="http://schemas.openxmlformats.org/officeDocument/2006/relationships" xmlns:p="http://schemas.openxmlformats.org/presentationml/2006/main" showMasterSp="1" showMasterPhAnim="1">
   <p:cSld>
     <p:spTree>
       <p:nvGrpSpPr>
@@ -9357,10 +8755,8 @@
       </p:grpSpPr>
       <p:sp>
         <p:nvSpPr>
-          <p:cNvPr id="264" name="Ajax請求"/>
-          <p:cNvSpPr txBox="1">
-            <a:spLocks noGrp="1"/>
-          </p:cNvSpPr>
+          <p:cNvPr id="265" name="Ajax請求"/>
+          <p:cNvSpPr txBox="1"/>
           <p:nvPr>
             <p:ph type="title"/>
           </p:nvPr>
@@ -9374,6 +8770,7 @@
           <a:bodyPr/>
           <a:lstStyle/>
           <a:p>
+            <a:pPr/>
             <a:r>
               <a:t>Ajax請求</a:t>
             </a:r>
@@ -9382,7 +8779,7 @@
       </p:sp>
       <p:pic>
         <p:nvPicPr>
-          <p:cNvPr id="265" name="螢幕快照 2018-02-09 下午2.22.43.png" descr="螢幕快照 2018-02-09 下午2.22.43.png"/>
+          <p:cNvPr id="266" name="螢幕快照 2018-02-09 下午2.22.43.png" descr="螢幕快照 2018-02-09 下午2.22.43.png"/>
           <p:cNvPicPr>
             <a:picLocks noChangeAspect="1"/>
           </p:cNvPicPr>
@@ -9414,18 +8811,18 @@
   <p:clrMapOvr>
     <a:masterClrMapping/>
   </p:clrMapOvr>
-  <mc:AlternateContent xmlns:mc="http://schemas.openxmlformats.org/markup-compatibility/2006" xmlns:p15="http://schemas.microsoft.com/office/powerpoint/2012/main">
-    <mc:Choice Requires="p15">
-      <p:transition spd="slow">
+  <mc:AlternateContent xmlns:mc="http://schemas.openxmlformats.org/markup-compatibility/2006">
+    <mc:Choice xmlns:p15="http://schemas.microsoft.com/office/powerpoint/2012/main" Requires="p15">
+      <p:transition xmlns:p14="http://schemas.microsoft.com/office/powerpoint/2010/main" spd="med" advClick="1" p14:dur="1000">
         <p15:prstTrans prst="peelOff"/>
       </p:transition>
     </mc:Choice>
-    <mc:Choice xmlns:p14="http://schemas.microsoft.com/office/powerpoint/2010/main" xmlns="" Requires="p14">
+    <mc:Choice xmlns:p14="http://schemas.microsoft.com/office/powerpoint/2010/main" Requires="p14">
       <p:transition spd="med" advClick="1" p14:dur="1000">
         <p:wipe dir="r"/>
       </p:transition>
     </mc:Choice>
-    <mc:Fallback xmlns="">
+    <mc:Fallback>
       <p:transition spd="med">
         <p:fade/>
       </p:transition>
@@ -9435,7 +8832,7 @@
 </file>
 
 <file path=ppt/slides/slide34.xml><?xml version="1.0" encoding="utf-8"?>
-<p:sld xmlns:a="http://schemas.openxmlformats.org/drawingml/2006/main" xmlns:r="http://schemas.openxmlformats.org/officeDocument/2006/relationships" xmlns:p="http://schemas.openxmlformats.org/presentationml/2006/main">
+<p:sld xmlns:a="http://schemas.openxmlformats.org/drawingml/2006/main" xmlns:r="http://schemas.openxmlformats.org/officeDocument/2006/relationships" xmlns:p="http://schemas.openxmlformats.org/presentationml/2006/main" showMasterSp="1" showMasterPhAnim="1">
   <p:cSld>
     <p:spTree>
       <p:nvGrpSpPr>
@@ -9453,10 +8850,8 @@
       </p:grpSpPr>
       <p:sp>
         <p:nvSpPr>
-          <p:cNvPr id="267" name="ng-view…"/>
-          <p:cNvSpPr txBox="1">
-            <a:spLocks noGrp="1"/>
-          </p:cNvSpPr>
+          <p:cNvPr id="268" name="ng-view…"/>
+          <p:cNvSpPr txBox="1"/>
           <p:nvPr>
             <p:ph type="title"/>
           </p:nvPr>
@@ -9489,10 +8884,8 @@
       </p:sp>
       <p:sp>
         <p:nvSpPr>
-          <p:cNvPr id="268" name="較舊的寫法…"/>
-          <p:cNvSpPr txBox="1">
-            <a:spLocks noGrp="1"/>
-          </p:cNvSpPr>
+          <p:cNvPr id="269" name="較舊的寫法…"/>
+          <p:cNvSpPr txBox="1"/>
           <p:nvPr>
             <p:ph type="body" idx="1"/>
           </p:nvPr>
@@ -9556,18 +8949,18 @@
   <p:clrMapOvr>
     <a:masterClrMapping/>
   </p:clrMapOvr>
-  <mc:AlternateContent xmlns:mc="http://schemas.openxmlformats.org/markup-compatibility/2006" xmlns:p15="http://schemas.microsoft.com/office/powerpoint/2012/main">
-    <mc:Choice Requires="p15">
-      <p:transition spd="slow">
+  <mc:AlternateContent xmlns:mc="http://schemas.openxmlformats.org/markup-compatibility/2006">
+    <mc:Choice xmlns:p15="http://schemas.microsoft.com/office/powerpoint/2012/main" Requires="p15">
+      <p:transition xmlns:p14="http://schemas.microsoft.com/office/powerpoint/2010/main" spd="med" advClick="1" p14:dur="1000">
         <p15:prstTrans prst="peelOff"/>
       </p:transition>
     </mc:Choice>
-    <mc:Choice xmlns:p14="http://schemas.microsoft.com/office/powerpoint/2010/main" xmlns="" Requires="p14">
+    <mc:Choice xmlns:p14="http://schemas.microsoft.com/office/powerpoint/2010/main" Requires="p14">
       <p:transition spd="med" advClick="1" p14:dur="1000">
         <p:wipe dir="r"/>
       </p:transition>
     </mc:Choice>
-    <mc:Fallback xmlns="">
+    <mc:Fallback>
       <p:transition spd="med">
         <p:fade/>
       </p:transition>
@@ -9577,7 +8970,7 @@
 </file>
 
 <file path=ppt/slides/slide35.xml><?xml version="1.0" encoding="utf-8"?>
-<p:sld xmlns:a="http://schemas.openxmlformats.org/drawingml/2006/main" xmlns:r="http://schemas.openxmlformats.org/officeDocument/2006/relationships" xmlns:p="http://schemas.openxmlformats.org/presentationml/2006/main">
+<p:sld xmlns:a="http://schemas.openxmlformats.org/drawingml/2006/main" xmlns:r="http://schemas.openxmlformats.org/officeDocument/2006/relationships" xmlns:p="http://schemas.openxmlformats.org/presentationml/2006/main" showMasterSp="1" showMasterPhAnim="1">
   <p:cSld>
     <p:spTree>
       <p:nvGrpSpPr>
@@ -9595,10 +8988,8 @@
       </p:grpSpPr>
       <p:sp>
         <p:nvSpPr>
-          <p:cNvPr id="270" name="$routeProvider"/>
-          <p:cNvSpPr txBox="1">
-            <a:spLocks noGrp="1"/>
-          </p:cNvSpPr>
+          <p:cNvPr id="271" name="$routeProvider"/>
+          <p:cNvSpPr txBox="1"/>
           <p:nvPr>
             <p:ph type="title"/>
           </p:nvPr>
@@ -9612,6 +9003,7 @@
           <a:bodyPr/>
           <a:lstStyle/>
           <a:p>
+            <a:pPr/>
             <a:r>
               <a:t>$routeProvider</a:t>
             </a:r>
@@ -9620,7 +9012,7 @@
       </p:sp>
       <p:pic>
         <p:nvPicPr>
-          <p:cNvPr id="271" name="螢幕快照 2018-02-10 下午3.45.59.png" descr="螢幕快照 2018-02-10 下午3.45.59.png"/>
+          <p:cNvPr id="272" name="螢幕快照 2018-02-10 下午3.45.59.png" descr="螢幕快照 2018-02-10 下午3.45.59.png"/>
           <p:cNvPicPr>
             <a:picLocks noChangeAspect="1"/>
           </p:cNvPicPr>
@@ -9637,7 +9029,7 @@
         <p:spPr>
           <a:xfrm>
             <a:off x="1047750" y="2508250"/>
-            <a:ext cx="10909301" cy="6464301"/>
+            <a:ext cx="10909300" cy="6464300"/>
           </a:xfrm>
           <a:prstGeom prst="rect">
             <a:avLst/>
@@ -9652,18 +9044,18 @@
   <p:clrMapOvr>
     <a:masterClrMapping/>
   </p:clrMapOvr>
-  <mc:AlternateContent xmlns:mc="http://schemas.openxmlformats.org/markup-compatibility/2006" xmlns:p15="http://schemas.microsoft.com/office/powerpoint/2012/main">
-    <mc:Choice Requires="p15">
-      <p:transition spd="slow">
+  <mc:AlternateContent xmlns:mc="http://schemas.openxmlformats.org/markup-compatibility/2006">
+    <mc:Choice xmlns:p15="http://schemas.microsoft.com/office/powerpoint/2012/main" Requires="p15">
+      <p:transition xmlns:p14="http://schemas.microsoft.com/office/powerpoint/2010/main" spd="med" advClick="1" p14:dur="1000">
         <p15:prstTrans prst="peelOff"/>
       </p:transition>
     </mc:Choice>
-    <mc:Choice xmlns:p14="http://schemas.microsoft.com/office/powerpoint/2010/main" xmlns="" Requires="p14">
+    <mc:Choice xmlns:p14="http://schemas.microsoft.com/office/powerpoint/2010/main" Requires="p14">
       <p:transition spd="med" advClick="1" p14:dur="1000">
         <p:wipe dir="r"/>
       </p:transition>
     </mc:Choice>
-    <mc:Fallback xmlns="">
+    <mc:Fallback>
       <p:transition spd="med">
         <p:fade/>
       </p:transition>
@@ -9673,7 +9065,7 @@
 </file>
 
 <file path=ppt/slides/slide36.xml><?xml version="1.0" encoding="utf-8"?>
-<p:sld xmlns:a="http://schemas.openxmlformats.org/drawingml/2006/main" xmlns:r="http://schemas.openxmlformats.org/officeDocument/2006/relationships" xmlns:p="http://schemas.openxmlformats.org/presentationml/2006/main">
+<p:sld xmlns:a="http://schemas.openxmlformats.org/drawingml/2006/main" xmlns:r="http://schemas.openxmlformats.org/officeDocument/2006/relationships" xmlns:p="http://schemas.openxmlformats.org/presentationml/2006/main" showMasterSp="1" showMasterPhAnim="1">
   <p:cSld>
     <p:spTree>
       <p:nvGrpSpPr>
@@ -9691,10 +9083,8 @@
       </p:grpSpPr>
       <p:sp>
         <p:nvSpPr>
-          <p:cNvPr id="273" name="Service"/>
-          <p:cNvSpPr txBox="1">
-            <a:spLocks noGrp="1"/>
-          </p:cNvSpPr>
+          <p:cNvPr id="274" name="Service"/>
+          <p:cNvSpPr txBox="1"/>
           <p:nvPr>
             <p:ph type="title"/>
           </p:nvPr>
@@ -9708,6 +9098,7 @@
           <a:bodyPr/>
           <a:lstStyle/>
           <a:p>
+            <a:pPr/>
             <a:r>
               <a:t>Service</a:t>
             </a:r>
@@ -9716,15 +9107,17 @@
       </p:sp>
       <p:sp>
         <p:nvSpPr>
-          <p:cNvPr id="274" name="Angular JS提供許多內建的Service(30個)，例如$http、$route、$window、$location等，內建的Service開頭都會加上$…"/>
-          <p:cNvSpPr txBox="1">
-            <a:spLocks noGrp="1"/>
-          </p:cNvSpPr>
+          <p:cNvPr id="275" name="Angular JS提供許多內建的Service(30個)，例如$http、$route、$window、$location等，內建的Service開頭都會加上$…"/>
+          <p:cNvSpPr txBox="1"/>
           <p:nvPr>
             <p:ph type="body" idx="1"/>
           </p:nvPr>
         </p:nvSpPr>
         <p:spPr>
+          <a:xfrm>
+            <a:off x="1282700" y="2819400"/>
+            <a:ext cx="10464800" cy="5842000"/>
+          </a:xfrm>
           <a:prstGeom prst="rect">
             <a:avLst/>
           </a:prstGeom>
@@ -9791,18 +9184,18 @@
   <p:clrMapOvr>
     <a:masterClrMapping/>
   </p:clrMapOvr>
-  <mc:AlternateContent xmlns:mc="http://schemas.openxmlformats.org/markup-compatibility/2006" xmlns:p15="http://schemas.microsoft.com/office/powerpoint/2012/main">
-    <mc:Choice Requires="p15">
-      <p:transition spd="slow">
+  <mc:AlternateContent xmlns:mc="http://schemas.openxmlformats.org/markup-compatibility/2006">
+    <mc:Choice xmlns:p15="http://schemas.microsoft.com/office/powerpoint/2012/main" Requires="p15">
+      <p:transition xmlns:p14="http://schemas.microsoft.com/office/powerpoint/2010/main" spd="med" advClick="1" p14:dur="1000">
         <p15:prstTrans prst="peelOff"/>
       </p:transition>
     </mc:Choice>
-    <mc:Choice xmlns:p14="http://schemas.microsoft.com/office/powerpoint/2010/main" xmlns="" Requires="p14">
+    <mc:Choice xmlns:p14="http://schemas.microsoft.com/office/powerpoint/2010/main" Requires="p14">
       <p:transition spd="med" advClick="1" p14:dur="1000">
         <p:wipe dir="r"/>
       </p:transition>
     </mc:Choice>
-    <mc:Fallback xmlns="">
+    <mc:Fallback>
       <p:transition spd="med">
         <p:fade/>
       </p:transition>
@@ -9812,7 +9205,7 @@
 </file>
 
 <file path=ppt/slides/slide37.xml><?xml version="1.0" encoding="utf-8"?>
-<p:sld xmlns:a="http://schemas.openxmlformats.org/drawingml/2006/main" xmlns:r="http://schemas.openxmlformats.org/officeDocument/2006/relationships" xmlns:p="http://schemas.openxmlformats.org/presentationml/2006/main">
+<p:sld xmlns:a="http://schemas.openxmlformats.org/drawingml/2006/main" xmlns:r="http://schemas.openxmlformats.org/officeDocument/2006/relationships" xmlns:p="http://schemas.openxmlformats.org/presentationml/2006/main" showMasterSp="1" showMasterPhAnim="1">
   <p:cSld>
     <p:spTree>
       <p:nvGrpSpPr>
@@ -9830,10 +9223,8 @@
       </p:grpSpPr>
       <p:sp>
         <p:nvSpPr>
-          <p:cNvPr id="278" name="自訂service與…"/>
-          <p:cNvSpPr txBox="1">
-            <a:spLocks noGrp="1"/>
-          </p:cNvSpPr>
+          <p:cNvPr id="279" name="自訂service與…"/>
+          <p:cNvSpPr txBox="1"/>
           <p:nvPr>
             <p:ph type="title"/>
           </p:nvPr>
@@ -9866,19 +9257,13 @@
       </p:sp>
       <p:sp>
         <p:nvSpPr>
-          <p:cNvPr id="279" name="使用factory method建立service…"/>
-          <p:cNvSpPr txBox="1">
-            <a:spLocks noGrp="1"/>
-          </p:cNvSpPr>
+          <p:cNvPr id="280" name="使用factory method建立service…"/>
+          <p:cNvSpPr txBox="1"/>
           <p:nvPr>
             <p:ph type="body" idx="1"/>
           </p:nvPr>
         </p:nvSpPr>
         <p:spPr>
-          <a:xfrm>
-            <a:off x="1270000" y="2272853"/>
-            <a:ext cx="10464800" cy="5842000"/>
-          </a:xfrm>
           <a:prstGeom prst="rect">
             <a:avLst/>
           </a:prstGeom>
@@ -9894,18 +9279,8 @@
               <a:defRPr sz="2400"/>
             </a:pPr>
             <a:r>
-              <a:rPr dirty="0" err="1"/>
-              <a:t>使用factory</a:t>
-            </a:r>
-            <a:r>
-              <a:rPr dirty="0"/>
-              <a:t> </a:t>
-            </a:r>
-            <a:r>
-              <a:rPr dirty="0" err="1"/>
-              <a:t>method建立service</a:t>
-            </a:r>
-            <a:endParaRPr lang="en-US" altLang="zh-TW" dirty="0"/>
+              <a:t>使用factory method建立service</a:t>
+            </a:r>
           </a:p>
           <a:p>
             <a:pPr>
@@ -9914,7 +9289,6 @@
               </a:buBlip>
               <a:defRPr sz="2400"/>
             </a:pPr>
-            <a:endParaRPr dirty="0"/>
           </a:p>
           <a:p>
             <a:pPr>
@@ -9923,7 +9297,6 @@
               </a:buBlip>
               <a:defRPr sz="2400"/>
             </a:pPr>
-            <a:endParaRPr dirty="0"/>
           </a:p>
           <a:p>
             <a:pPr>
@@ -9932,7 +9305,6 @@
               </a:buBlip>
               <a:defRPr sz="2400"/>
             </a:pPr>
-            <a:endParaRPr dirty="0"/>
           </a:p>
           <a:p>
             <a:pPr>
@@ -9941,7 +9313,9 @@
               </a:buBlip>
               <a:defRPr sz="2400"/>
             </a:pPr>
-            <a:endParaRPr dirty="0"/>
+            <a:r>
+              <a:t>使用service method建立service</a:t>
+            </a:r>
           </a:p>
           <a:p>
             <a:pPr>
@@ -9950,34 +9324,12 @@
               </a:buBlip>
               <a:defRPr sz="2400"/>
             </a:pPr>
-            <a:r>
-              <a:rPr dirty="0" err="1"/>
-              <a:t>使用service</a:t>
-            </a:r>
-            <a:r>
-              <a:rPr dirty="0"/>
-              <a:t> </a:t>
-            </a:r>
-            <a:r>
-              <a:rPr dirty="0" err="1"/>
-              <a:t>method建立service</a:t>
-            </a:r>
-            <a:endParaRPr dirty="0"/>
-          </a:p>
-          <a:p>
-            <a:pPr>
-              <a:buBlip>
-                <a:blip r:embed="rId2"/>
-              </a:buBlip>
-              <a:defRPr sz="2400"/>
-            </a:pPr>
-            <a:endParaRPr dirty="0"/>
           </a:p>
         </p:txBody>
       </p:sp>
       <p:pic>
         <p:nvPicPr>
-          <p:cNvPr id="280" name="螢幕快照 2018-02-09 下午2.53.59.png" descr="螢幕快照 2018-02-09 下午2.53.59.png"/>
+          <p:cNvPr id="281" name="螢幕快照 2018-02-09 下午2.53.59.png" descr="螢幕快照 2018-02-09 下午2.53.59.png"/>
           <p:cNvPicPr>
             <a:picLocks noChangeAspect="1"/>
           </p:cNvPicPr>
@@ -10006,7 +9358,7 @@
       </p:pic>
       <p:pic>
         <p:nvPicPr>
-          <p:cNvPr id="281" name="螢幕快照 2018-02-09 下午2.54.41.png" descr="螢幕快照 2018-02-09 下午2.54.41.png"/>
+          <p:cNvPr id="282" name="螢幕快照 2018-02-09 下午2.54.41.png" descr="螢幕快照 2018-02-09 下午2.54.41.png"/>
           <p:cNvPicPr>
             <a:picLocks noChangeAspect="1"/>
           </p:cNvPicPr>
@@ -10035,7 +9387,7 @@
       </p:pic>
       <p:sp>
         <p:nvSpPr>
-          <p:cNvPr id="282" name="線條"/>
+          <p:cNvPr id="283" name="線條"/>
           <p:cNvSpPr/>
           <p:nvPr/>
         </p:nvSpPr>
@@ -10062,13 +9414,12 @@
             <a:pPr>
               <a:defRPr sz="3000"/>
             </a:pPr>
-            <a:endParaRPr/>
-          </a:p>
-        </p:txBody>
-      </p:sp>
-      <p:sp>
-        <p:nvSpPr>
-          <p:cNvPr id="283" name="文字"/>
+          </a:p>
+        </p:txBody>
+      </p:sp>
+      <p:sp>
+        <p:nvSpPr>
+          <p:cNvPr id="284" name="文字"/>
           <p:cNvSpPr txBox="1"/>
           <p:nvPr/>
         </p:nvSpPr>
@@ -10090,13 +9441,13 @@
           </a:bodyPr>
           <a:lstStyle/>
           <a:p>
-            <a:endParaRPr/>
-          </a:p>
-        </p:txBody>
-      </p:sp>
-      <p:sp>
-        <p:nvSpPr>
-          <p:cNvPr id="284" name="注入使用"/>
+            <a:pPr/>
+          </a:p>
+        </p:txBody>
+      </p:sp>
+      <p:sp>
+        <p:nvSpPr>
+          <p:cNvPr id="285" name="注入使用"/>
           <p:cNvSpPr txBox="1"/>
           <p:nvPr/>
         </p:nvSpPr>
@@ -10113,7 +9464,7 @@
           </a:ln>
           <a:extLst>
             <a:ext uri="{C572A759-6A51-4108-AA02-DFA0A04FC94B}">
-              <ma14:wrappingTextBoxFlag xmlns:ma14="http://schemas.microsoft.com/office/mac/drawingml/2011/main" xmlns="" val="1"/>
+              <ma14:wrappingTextBoxFlag xmlns:ma14="http://schemas.microsoft.com/office/mac/drawingml/2011/main" val="1"/>
             </a:ext>
           </a:extLst>
         </p:spPr>
@@ -10135,6 +9486,7 @@
             </a:lvl1pPr>
           </a:lstStyle>
           <a:p>
+            <a:pPr/>
             <a:r>
               <a:t>注入使用</a:t>
             </a:r>
@@ -10146,18 +9498,18 @@
   <p:clrMapOvr>
     <a:masterClrMapping/>
   </p:clrMapOvr>
-  <mc:AlternateContent xmlns:mc="http://schemas.openxmlformats.org/markup-compatibility/2006" xmlns:p15="http://schemas.microsoft.com/office/powerpoint/2012/main">
-    <mc:Choice Requires="p15">
-      <p:transition spd="slow">
+  <mc:AlternateContent xmlns:mc="http://schemas.openxmlformats.org/markup-compatibility/2006">
+    <mc:Choice xmlns:p15="http://schemas.microsoft.com/office/powerpoint/2012/main" Requires="p15">
+      <p:transition xmlns:p14="http://schemas.microsoft.com/office/powerpoint/2010/main" spd="med" advClick="1" p14:dur="1000">
         <p15:prstTrans prst="peelOff"/>
       </p:transition>
     </mc:Choice>
-    <mc:Choice xmlns:p14="http://schemas.microsoft.com/office/powerpoint/2010/main" xmlns="" Requires="p14">
+    <mc:Choice xmlns:p14="http://schemas.microsoft.com/office/powerpoint/2010/main" Requires="p14">
       <p:transition spd="med" advClick="1" p14:dur="1000">
         <p:wipe dir="r"/>
       </p:transition>
     </mc:Choice>
-    <mc:Fallback xmlns="">
+    <mc:Fallback>
       <p:transition spd="med">
         <p:fade/>
       </p:transition>
@@ -10167,7 +9519,7 @@
 </file>
 
 <file path=ppt/slides/slide38.xml><?xml version="1.0" encoding="utf-8"?>
-<p:sld xmlns:a="http://schemas.openxmlformats.org/drawingml/2006/main" xmlns:r="http://schemas.openxmlformats.org/officeDocument/2006/relationships" xmlns:p="http://schemas.openxmlformats.org/presentationml/2006/main">
+<p:sld xmlns:a="http://schemas.openxmlformats.org/drawingml/2006/main" xmlns:r="http://schemas.openxmlformats.org/officeDocument/2006/relationships" xmlns:p="http://schemas.openxmlformats.org/presentationml/2006/main" showMasterSp="1" showMasterPhAnim="1">
   <p:cSld>
     <p:spTree>
       <p:nvGrpSpPr>
@@ -10185,10 +9537,8 @@
       </p:grpSpPr>
       <p:sp>
         <p:nvSpPr>
-          <p:cNvPr id="286" name="Case Study:ToDoList…"/>
-          <p:cNvSpPr txBox="1">
-            <a:spLocks noGrp="1"/>
-          </p:cNvSpPr>
+          <p:cNvPr id="287" name="Case Study:ToDoList…"/>
+          <p:cNvSpPr txBox="1"/>
           <p:nvPr>
             <p:ph type="title"/>
           </p:nvPr>
@@ -10221,7 +9571,7 @@
       </p:sp>
       <p:pic>
         <p:nvPicPr>
-          <p:cNvPr id="287" name="螢幕快照 2018-02-10 下午1.40.33.png" descr="螢幕快照 2018-02-10 下午1.40.33.png"/>
+          <p:cNvPr id="288" name="螢幕快照 2018-02-10 下午1.40.33.png" descr="螢幕快照 2018-02-10 下午1.40.33.png"/>
           <p:cNvPicPr>
             <a:picLocks noChangeAspect="1"/>
           </p:cNvPicPr>
@@ -10253,18 +9603,18 @@
   <p:clrMapOvr>
     <a:masterClrMapping/>
   </p:clrMapOvr>
-  <mc:AlternateContent xmlns:mc="http://schemas.openxmlformats.org/markup-compatibility/2006" xmlns:p15="http://schemas.microsoft.com/office/powerpoint/2012/main">
-    <mc:Choice Requires="p15">
-      <p:transition spd="slow">
+  <mc:AlternateContent xmlns:mc="http://schemas.openxmlformats.org/markup-compatibility/2006">
+    <mc:Choice xmlns:p15="http://schemas.microsoft.com/office/powerpoint/2012/main" Requires="p15">
+      <p:transition xmlns:p14="http://schemas.microsoft.com/office/powerpoint/2010/main" spd="med" advClick="1" p14:dur="1000">
         <p15:prstTrans prst="peelOff"/>
       </p:transition>
     </mc:Choice>
-    <mc:Choice xmlns:p14="http://schemas.microsoft.com/office/powerpoint/2010/main" xmlns="" Requires="p14">
+    <mc:Choice xmlns:p14="http://schemas.microsoft.com/office/powerpoint/2010/main" Requires="p14">
       <p:transition spd="med" advClick="1" p14:dur="1000">
         <p:wipe dir="r"/>
       </p:transition>
     </mc:Choice>
-    <mc:Fallback xmlns="">
+    <mc:Fallback>
       <p:transition spd="med">
         <p:fade/>
       </p:transition>
@@ -10274,7 +9624,7 @@
 </file>
 
 <file path=ppt/slides/slide39.xml><?xml version="1.0" encoding="utf-8"?>
-<p:sld xmlns:a="http://schemas.openxmlformats.org/drawingml/2006/main" xmlns:r="http://schemas.openxmlformats.org/officeDocument/2006/relationships" xmlns:p="http://schemas.openxmlformats.org/presentationml/2006/main">
+<p:sld xmlns:a="http://schemas.openxmlformats.org/drawingml/2006/main" xmlns:r="http://schemas.openxmlformats.org/officeDocument/2006/relationships" xmlns:p="http://schemas.openxmlformats.org/presentationml/2006/main" showMasterSp="1" showMasterPhAnim="1">
   <p:cSld>
     <p:spTree>
       <p:nvGrpSpPr>
@@ -10292,10 +9642,8 @@
       </p:grpSpPr>
       <p:sp>
         <p:nvSpPr>
-          <p:cNvPr id="289" name="Case Study:ToDoList…"/>
-          <p:cNvSpPr txBox="1">
-            <a:spLocks noGrp="1"/>
-          </p:cNvSpPr>
+          <p:cNvPr id="290" name="Case Study:ToDoList…"/>
+          <p:cNvSpPr txBox="1"/>
           <p:nvPr>
             <p:ph type="title"/>
           </p:nvPr>
@@ -10328,7 +9676,7 @@
       </p:sp>
       <p:pic>
         <p:nvPicPr>
-          <p:cNvPr id="290" name="螢幕快照 2018-02-10 下午1.40.47.png" descr="螢幕快照 2018-02-10 下午1.40.47.png"/>
+          <p:cNvPr id="291" name="螢幕快照 2018-02-10 下午1.40.47.png" descr="螢幕快照 2018-02-10 下午1.40.47.png"/>
           <p:cNvPicPr>
             <a:picLocks noChangeAspect="1"/>
           </p:cNvPicPr>
@@ -10360,18 +9708,18 @@
   <p:clrMapOvr>
     <a:masterClrMapping/>
   </p:clrMapOvr>
-  <mc:AlternateContent xmlns:mc="http://schemas.openxmlformats.org/markup-compatibility/2006" xmlns:p15="http://schemas.microsoft.com/office/powerpoint/2012/main">
-    <mc:Choice Requires="p15">
-      <p:transition spd="slow">
+  <mc:AlternateContent xmlns:mc="http://schemas.openxmlformats.org/markup-compatibility/2006">
+    <mc:Choice xmlns:p15="http://schemas.microsoft.com/office/powerpoint/2012/main" Requires="p15">
+      <p:transition xmlns:p14="http://schemas.microsoft.com/office/powerpoint/2010/main" spd="med" advClick="1" p14:dur="1000">
         <p15:prstTrans prst="peelOff"/>
       </p:transition>
     </mc:Choice>
-    <mc:Choice xmlns:p14="http://schemas.microsoft.com/office/powerpoint/2010/main" xmlns="" Requires="p14">
+    <mc:Choice xmlns:p14="http://schemas.microsoft.com/office/powerpoint/2010/main" Requires="p14">
       <p:transition spd="med" advClick="1" p14:dur="1000">
         <p:wipe dir="r"/>
       </p:transition>
     </mc:Choice>
-    <mc:Fallback xmlns="">
+    <mc:Fallback>
       <p:transition spd="med">
         <p:fade/>
       </p:transition>
@@ -10381,7 +9729,7 @@
 </file>
 
 <file path=ppt/slides/slide4.xml><?xml version="1.0" encoding="utf-8"?>
-<p:sld xmlns:a="http://schemas.openxmlformats.org/drawingml/2006/main" xmlns:r="http://schemas.openxmlformats.org/officeDocument/2006/relationships" xmlns:p="http://schemas.openxmlformats.org/presentationml/2006/main">
+<p:sld xmlns:a="http://schemas.openxmlformats.org/drawingml/2006/main" xmlns:r="http://schemas.openxmlformats.org/officeDocument/2006/relationships" xmlns:p="http://schemas.openxmlformats.org/presentationml/2006/main" showMasterSp="1" showMasterPhAnim="1">
   <p:cSld>
     <p:spTree>
       <p:nvGrpSpPr>
@@ -10400,9 +9748,7 @@
       <p:sp>
         <p:nvSpPr>
           <p:cNvPr id="132" name="Angular2緣起"/>
-          <p:cNvSpPr txBox="1">
-            <a:spLocks noGrp="1"/>
-          </p:cNvSpPr>
+          <p:cNvSpPr txBox="1"/>
           <p:nvPr>
             <p:ph type="title"/>
           </p:nvPr>
@@ -10416,6 +9762,7 @@
           <a:bodyPr/>
           <a:lstStyle/>
           <a:p>
+            <a:pPr/>
             <a:r>
               <a:t>Angular2</a:t>
             </a:r>
@@ -10429,9 +9776,7 @@
       <p:sp>
         <p:nvSpPr>
           <p:cNvPr id="133" name="2014年3月，官網預告正在打造全新的Angular 2架構。…"/>
-          <p:cNvSpPr txBox="1">
-            <a:spLocks noGrp="1"/>
-          </p:cNvSpPr>
+          <p:cNvSpPr txBox="1"/>
           <p:nvPr>
             <p:ph type="body" idx="1"/>
           </p:nvPr>
@@ -10521,18 +9866,18 @@
   <p:clrMapOvr>
     <a:masterClrMapping/>
   </p:clrMapOvr>
-  <mc:AlternateContent xmlns:mc="http://schemas.openxmlformats.org/markup-compatibility/2006" xmlns:p15="http://schemas.microsoft.com/office/powerpoint/2012/main">
-    <mc:Choice Requires="p15">
-      <p:transition spd="slow">
+  <mc:AlternateContent xmlns:mc="http://schemas.openxmlformats.org/markup-compatibility/2006">
+    <mc:Choice xmlns:p15="http://schemas.microsoft.com/office/powerpoint/2012/main" Requires="p15">
+      <p:transition xmlns:p14="http://schemas.microsoft.com/office/powerpoint/2010/main" spd="med" advClick="1" p14:dur="1000">
         <p15:prstTrans prst="peelOff"/>
       </p:transition>
     </mc:Choice>
-    <mc:Choice xmlns:p14="http://schemas.microsoft.com/office/powerpoint/2010/main" xmlns="" Requires="p14">
+    <mc:Choice xmlns:p14="http://schemas.microsoft.com/office/powerpoint/2010/main" Requires="p14">
       <p:transition spd="med" advClick="1" p14:dur="1000">
         <p:wipe dir="r"/>
       </p:transition>
     </mc:Choice>
-    <mc:Fallback xmlns="">
+    <mc:Fallback>
       <p:transition spd="med">
         <p:fade/>
       </p:transition>
@@ -10542,7 +9887,7 @@
 </file>
 
 <file path=ppt/slides/slide40.xml><?xml version="1.0" encoding="utf-8"?>
-<p:sld xmlns:a="http://schemas.openxmlformats.org/drawingml/2006/main" xmlns:r="http://schemas.openxmlformats.org/officeDocument/2006/relationships" xmlns:p="http://schemas.openxmlformats.org/presentationml/2006/main">
+<p:sld xmlns:a="http://schemas.openxmlformats.org/drawingml/2006/main" xmlns:r="http://schemas.openxmlformats.org/officeDocument/2006/relationships" xmlns:p="http://schemas.openxmlformats.org/presentationml/2006/main" showMasterSp="1" showMasterPhAnim="1">
   <p:cSld>
     <p:spTree>
       <p:nvGrpSpPr>
@@ -10560,10 +9905,8 @@
       </p:grpSpPr>
       <p:sp>
         <p:nvSpPr>
-          <p:cNvPr id="292" name="Case Study:ToDoList…"/>
-          <p:cNvSpPr txBox="1">
-            <a:spLocks noGrp="1"/>
-          </p:cNvSpPr>
+          <p:cNvPr id="293" name="Case Study:ToDoList…"/>
+          <p:cNvSpPr txBox="1"/>
           <p:nvPr>
             <p:ph type="title"/>
           </p:nvPr>
@@ -10596,7 +9939,7 @@
       </p:sp>
       <p:pic>
         <p:nvPicPr>
-          <p:cNvPr id="293" name="螢幕快照 2018-02-10 下午3.47.24.png" descr="螢幕快照 2018-02-10 下午3.47.24.png"/>
+          <p:cNvPr id="294" name="螢幕快照 2018-02-10 下午3.47.24.png" descr="螢幕快照 2018-02-10 下午3.47.24.png"/>
           <p:cNvPicPr>
             <a:picLocks noChangeAspect="1"/>
           </p:cNvPicPr>
@@ -10628,18 +9971,18 @@
   <p:clrMapOvr>
     <a:masterClrMapping/>
   </p:clrMapOvr>
-  <mc:AlternateContent xmlns:mc="http://schemas.openxmlformats.org/markup-compatibility/2006" xmlns:p15="http://schemas.microsoft.com/office/powerpoint/2012/main">
-    <mc:Choice Requires="p15">
-      <p:transition spd="slow">
+  <mc:AlternateContent xmlns:mc="http://schemas.openxmlformats.org/markup-compatibility/2006">
+    <mc:Choice xmlns:p15="http://schemas.microsoft.com/office/powerpoint/2012/main" Requires="p15">
+      <p:transition xmlns:p14="http://schemas.microsoft.com/office/powerpoint/2010/main" spd="med" advClick="1" p14:dur="1000">
         <p15:prstTrans prst="peelOff"/>
       </p:transition>
     </mc:Choice>
-    <mc:Choice xmlns:p14="http://schemas.microsoft.com/office/powerpoint/2010/main" xmlns="" Requires="p14">
+    <mc:Choice xmlns:p14="http://schemas.microsoft.com/office/powerpoint/2010/main" Requires="p14">
       <p:transition spd="med" advClick="1" p14:dur="1000">
         <p:wipe dir="r"/>
       </p:transition>
     </mc:Choice>
-    <mc:Fallback xmlns="">
+    <mc:Fallback>
       <p:transition spd="med">
         <p:fade/>
       </p:transition>
@@ -10649,7 +9992,7 @@
 </file>
 
 <file path=ppt/slides/slide41.xml><?xml version="1.0" encoding="utf-8"?>
-<p:sld xmlns:a="http://schemas.openxmlformats.org/drawingml/2006/main" xmlns:r="http://schemas.openxmlformats.org/officeDocument/2006/relationships" xmlns:p="http://schemas.openxmlformats.org/presentationml/2006/main">
+<p:sld xmlns:a="http://schemas.openxmlformats.org/drawingml/2006/main" xmlns:r="http://schemas.openxmlformats.org/officeDocument/2006/relationships" xmlns:p="http://schemas.openxmlformats.org/presentationml/2006/main" showMasterSp="1" showMasterPhAnim="1">
   <p:cSld>
     <p:spTree>
       <p:nvGrpSpPr>
@@ -10667,10 +10010,8 @@
       </p:grpSpPr>
       <p:sp>
         <p:nvSpPr>
-          <p:cNvPr id="295" name="ToDoList"/>
-          <p:cNvSpPr txBox="1">
-            <a:spLocks noGrp="1"/>
-          </p:cNvSpPr>
+          <p:cNvPr id="296" name="ToDoList"/>
+          <p:cNvSpPr txBox="1"/>
           <p:nvPr>
             <p:ph type="title"/>
           </p:nvPr>
@@ -10684,6 +10025,7 @@
           <a:bodyPr/>
           <a:lstStyle/>
           <a:p>
+            <a:pPr/>
             <a:r>
               <a:t>ToDoList</a:t>
             </a:r>
@@ -10692,7 +10034,7 @@
       </p:sp>
       <p:pic>
         <p:nvPicPr>
-          <p:cNvPr id="296" name="螢幕快照 2018-02-10 下午1.44.07.png" descr="螢幕快照 2018-02-10 下午1.44.07.png"/>
+          <p:cNvPr id="297" name="螢幕快照 2018-02-10 下午1.44.07.png" descr="螢幕快照 2018-02-10 下午1.44.07.png"/>
           <p:cNvPicPr>
             <a:picLocks noChangeAspect="1"/>
           </p:cNvPicPr>
@@ -10724,18 +10066,18 @@
   <p:clrMapOvr>
     <a:masterClrMapping/>
   </p:clrMapOvr>
-  <mc:AlternateContent xmlns:mc="http://schemas.openxmlformats.org/markup-compatibility/2006" xmlns:p15="http://schemas.microsoft.com/office/powerpoint/2012/main">
-    <mc:Choice Requires="p15">
-      <p:transition spd="slow">
+  <mc:AlternateContent xmlns:mc="http://schemas.openxmlformats.org/markup-compatibility/2006">
+    <mc:Choice xmlns:p15="http://schemas.microsoft.com/office/powerpoint/2012/main" Requires="p15">
+      <p:transition xmlns:p14="http://schemas.microsoft.com/office/powerpoint/2010/main" spd="med" advClick="1" p14:dur="1000">
         <p15:prstTrans prst="peelOff"/>
       </p:transition>
     </mc:Choice>
-    <mc:Choice xmlns:p14="http://schemas.microsoft.com/office/powerpoint/2010/main" xmlns="" Requires="p14">
+    <mc:Choice xmlns:p14="http://schemas.microsoft.com/office/powerpoint/2010/main" Requires="p14">
       <p:transition spd="med" advClick="1" p14:dur="1000">
         <p:wipe dir="r"/>
       </p:transition>
     </mc:Choice>
-    <mc:Fallback xmlns="">
+    <mc:Fallback>
       <p:transition spd="med">
         <p:fade/>
       </p:transition>
@@ -10745,7 +10087,7 @@
 </file>
 
 <file path=ppt/slides/slide42.xml><?xml version="1.0" encoding="utf-8"?>
-<p:sld xmlns:a="http://schemas.openxmlformats.org/drawingml/2006/main" xmlns:r="http://schemas.openxmlformats.org/officeDocument/2006/relationships" xmlns:p="http://schemas.openxmlformats.org/presentationml/2006/main">
+<p:sld xmlns:a="http://schemas.openxmlformats.org/drawingml/2006/main" xmlns:r="http://schemas.openxmlformats.org/officeDocument/2006/relationships" xmlns:p="http://schemas.openxmlformats.org/presentationml/2006/main" showMasterSp="1" showMasterPhAnim="1">
   <p:cSld>
     <p:spTree>
       <p:nvGrpSpPr>
@@ -10763,10 +10105,8 @@
       </p:grpSpPr>
       <p:sp>
         <p:nvSpPr>
-          <p:cNvPr id="298" name="實際應用…"/>
-          <p:cNvSpPr txBox="1">
-            <a:spLocks noGrp="1"/>
-          </p:cNvSpPr>
+          <p:cNvPr id="299" name="實際應用…"/>
+          <p:cNvSpPr txBox="1"/>
           <p:nvPr>
             <p:ph type="title"/>
           </p:nvPr>
@@ -10780,11 +10120,13 @@
           <a:bodyPr/>
           <a:lstStyle/>
           <a:p>
+            <a:pPr/>
             <a:r>
               <a:t>實際應用</a:t>
             </a:r>
           </a:p>
           <a:p>
+            <a:pPr/>
             <a:r>
               <a:t>公勝</a:t>
             </a:r>
@@ -10796,18 +10138,18 @@
   <p:clrMapOvr>
     <a:masterClrMapping/>
   </p:clrMapOvr>
-  <mc:AlternateContent xmlns:mc="http://schemas.openxmlformats.org/markup-compatibility/2006" xmlns:p15="http://schemas.microsoft.com/office/powerpoint/2012/main">
-    <mc:Choice Requires="p15">
-      <p:transition spd="slow">
+  <mc:AlternateContent xmlns:mc="http://schemas.openxmlformats.org/markup-compatibility/2006">
+    <mc:Choice xmlns:p15="http://schemas.microsoft.com/office/powerpoint/2012/main" Requires="p15">
+      <p:transition xmlns:p14="http://schemas.microsoft.com/office/powerpoint/2010/main" spd="med" advClick="1" p14:dur="1000">
         <p15:prstTrans prst="peelOff"/>
       </p:transition>
     </mc:Choice>
-    <mc:Choice xmlns:p14="http://schemas.microsoft.com/office/powerpoint/2010/main" xmlns="" Requires="p14">
+    <mc:Choice xmlns:p14="http://schemas.microsoft.com/office/powerpoint/2010/main" Requires="p14">
       <p:transition spd="med" advClick="1" p14:dur="1000">
         <p:wipe dir="r"/>
       </p:transition>
     </mc:Choice>
-    <mc:Fallback xmlns="">
+    <mc:Fallback>
       <p:transition spd="med">
         <p:fade/>
       </p:transition>
@@ -10817,7 +10159,7 @@
 </file>
 
 <file path=ppt/slides/slide43.xml><?xml version="1.0" encoding="utf-8"?>
-<p:sld xmlns:a="http://schemas.openxmlformats.org/drawingml/2006/main" xmlns:r="http://schemas.openxmlformats.org/officeDocument/2006/relationships" xmlns:p="http://schemas.openxmlformats.org/presentationml/2006/main">
+<p:sld xmlns:a="http://schemas.openxmlformats.org/drawingml/2006/main" xmlns:r="http://schemas.openxmlformats.org/officeDocument/2006/relationships" xmlns:p="http://schemas.openxmlformats.org/presentationml/2006/main" showMasterSp="1" showMasterPhAnim="1">
   <p:cSld>
     <p:spTree>
       <p:nvGrpSpPr>
@@ -10835,10 +10177,8 @@
       </p:grpSpPr>
       <p:sp>
         <p:nvSpPr>
-          <p:cNvPr id="300" name="Q&amp;A"/>
-          <p:cNvSpPr txBox="1">
-            <a:spLocks noGrp="1"/>
-          </p:cNvSpPr>
+          <p:cNvPr id="301" name="Q&amp;A"/>
+          <p:cNvSpPr txBox="1"/>
           <p:nvPr>
             <p:ph type="title"/>
           </p:nvPr>
@@ -10852,6 +10192,7 @@
           <a:bodyPr/>
           <a:lstStyle/>
           <a:p>
+            <a:pPr/>
             <a:r>
               <a:t>Q&amp;A</a:t>
             </a:r>
@@ -10863,18 +10204,18 @@
   <p:clrMapOvr>
     <a:masterClrMapping/>
   </p:clrMapOvr>
-  <mc:AlternateContent xmlns:mc="http://schemas.openxmlformats.org/markup-compatibility/2006" xmlns:p15="http://schemas.microsoft.com/office/powerpoint/2012/main">
-    <mc:Choice Requires="p15">
-      <p:transition spd="slow">
+  <mc:AlternateContent xmlns:mc="http://schemas.openxmlformats.org/markup-compatibility/2006">
+    <mc:Choice xmlns:p15="http://schemas.microsoft.com/office/powerpoint/2012/main" Requires="p15">
+      <p:transition xmlns:p14="http://schemas.microsoft.com/office/powerpoint/2010/main" spd="med" advClick="1" p14:dur="1000">
         <p15:prstTrans prst="peelOff"/>
       </p:transition>
     </mc:Choice>
-    <mc:Choice xmlns:p14="http://schemas.microsoft.com/office/powerpoint/2010/main" xmlns="" Requires="p14">
+    <mc:Choice xmlns:p14="http://schemas.microsoft.com/office/powerpoint/2010/main" Requires="p14">
       <p:transition spd="med" advClick="1" p14:dur="1000">
         <p:wipe dir="r"/>
       </p:transition>
     </mc:Choice>
-    <mc:Fallback xmlns="">
+    <mc:Fallback>
       <p:transition spd="med">
         <p:fade/>
       </p:transition>
@@ -10884,7 +10225,7 @@
 </file>
 
 <file path=ppt/slides/slide44.xml><?xml version="1.0" encoding="utf-8"?>
-<p:sld xmlns:a="http://schemas.openxmlformats.org/drawingml/2006/main" xmlns:r="http://schemas.openxmlformats.org/officeDocument/2006/relationships" xmlns:p="http://schemas.openxmlformats.org/presentationml/2006/main">
+<p:sld xmlns:a="http://schemas.openxmlformats.org/drawingml/2006/main" xmlns:r="http://schemas.openxmlformats.org/officeDocument/2006/relationships" xmlns:p="http://schemas.openxmlformats.org/presentationml/2006/main" showMasterSp="1" showMasterPhAnim="1">
   <p:cSld>
     <p:spTree>
       <p:nvGrpSpPr>
@@ -10902,10 +10243,8 @@
       </p:grpSpPr>
       <p:sp>
         <p:nvSpPr>
-          <p:cNvPr id="302" name="Thanks"/>
-          <p:cNvSpPr txBox="1">
-            <a:spLocks noGrp="1"/>
-          </p:cNvSpPr>
+          <p:cNvPr id="303" name="Thanks"/>
+          <p:cNvSpPr txBox="1"/>
           <p:nvPr>
             <p:ph type="title"/>
           </p:nvPr>
@@ -10919,6 +10258,7 @@
           <a:bodyPr/>
           <a:lstStyle/>
           <a:p>
+            <a:pPr/>
             <a:r>
               <a:t>Thanks</a:t>
             </a:r>
@@ -10930,18 +10270,18 @@
   <p:clrMapOvr>
     <a:masterClrMapping/>
   </p:clrMapOvr>
-  <mc:AlternateContent xmlns:mc="http://schemas.openxmlformats.org/markup-compatibility/2006" xmlns:p15="http://schemas.microsoft.com/office/powerpoint/2012/main">
-    <mc:Choice Requires="p15">
-      <p:transition spd="slow">
+  <mc:AlternateContent xmlns:mc="http://schemas.openxmlformats.org/markup-compatibility/2006">
+    <mc:Choice xmlns:p15="http://schemas.microsoft.com/office/powerpoint/2012/main" Requires="p15">
+      <p:transition xmlns:p14="http://schemas.microsoft.com/office/powerpoint/2010/main" spd="med" advClick="1" p14:dur="1000">
         <p15:prstTrans prst="peelOff"/>
       </p:transition>
     </mc:Choice>
-    <mc:Choice xmlns:p14="http://schemas.microsoft.com/office/powerpoint/2010/main" xmlns="" Requires="p14">
+    <mc:Choice xmlns:p14="http://schemas.microsoft.com/office/powerpoint/2010/main" Requires="p14">
       <p:transition spd="med" advClick="1" p14:dur="1000">
         <p:wipe dir="r"/>
       </p:transition>
     </mc:Choice>
-    <mc:Fallback xmlns="">
+    <mc:Fallback>
       <p:transition spd="med">
         <p:fade/>
       </p:transition>
@@ -10951,7 +10291,7 @@
 </file>
 
 <file path=ppt/slides/slide5.xml><?xml version="1.0" encoding="utf-8"?>
-<p:sld xmlns:a="http://schemas.openxmlformats.org/drawingml/2006/main" xmlns:r="http://schemas.openxmlformats.org/officeDocument/2006/relationships" xmlns:p="http://schemas.openxmlformats.org/presentationml/2006/main">
+<p:sld xmlns:a="http://schemas.openxmlformats.org/drawingml/2006/main" xmlns:r="http://schemas.openxmlformats.org/officeDocument/2006/relationships" xmlns:p="http://schemas.openxmlformats.org/presentationml/2006/main" showMasterSp="1" showMasterPhAnim="1">
   <p:cSld>
     <p:spTree>
       <p:nvGrpSpPr>
@@ -10970,9 +10310,7 @@
       <p:sp>
         <p:nvSpPr>
           <p:cNvPr id="137" name="Angular2緣起"/>
-          <p:cNvSpPr txBox="1">
-            <a:spLocks noGrp="1"/>
-          </p:cNvSpPr>
+          <p:cNvSpPr txBox="1"/>
           <p:nvPr>
             <p:ph type="title"/>
           </p:nvPr>
@@ -10986,6 +10324,7 @@
           <a:bodyPr/>
           <a:lstStyle/>
           <a:p>
+            <a:pPr/>
             <a:r>
               <a:t>Angular2</a:t>
             </a:r>
@@ -10999,9 +10338,7 @@
       <p:sp>
         <p:nvSpPr>
           <p:cNvPr id="138" name="2015年3月在鹽埕湖會議上，微軟的TypeScript和Google的Angular開發團隊共同宣布會把AtScript中不少新的功能特性加入TypeScript 1.5版中，同時Angular將放棄AtScript改使用TypeScript作為首選的開發語言。…"/>
-          <p:cNvSpPr txBox="1">
-            <a:spLocks noGrp="1"/>
-          </p:cNvSpPr>
+          <p:cNvSpPr txBox="1"/>
           <p:nvPr>
             <p:ph type="body" idx="1"/>
           </p:nvPr>
@@ -11065,18 +10402,18 @@
   <p:clrMapOvr>
     <a:masterClrMapping/>
   </p:clrMapOvr>
-  <mc:AlternateContent xmlns:mc="http://schemas.openxmlformats.org/markup-compatibility/2006" xmlns:p15="http://schemas.microsoft.com/office/powerpoint/2012/main">
-    <mc:Choice Requires="p15">
-      <p:transition spd="slow">
+  <mc:AlternateContent xmlns:mc="http://schemas.openxmlformats.org/markup-compatibility/2006">
+    <mc:Choice xmlns:p15="http://schemas.microsoft.com/office/powerpoint/2012/main" Requires="p15">
+      <p:transition xmlns:p14="http://schemas.microsoft.com/office/powerpoint/2010/main" spd="med" advClick="1" p14:dur="1000">
         <p15:prstTrans prst="peelOff"/>
       </p:transition>
     </mc:Choice>
-    <mc:Choice xmlns:p14="http://schemas.microsoft.com/office/powerpoint/2010/main" xmlns="" Requires="p14">
+    <mc:Choice xmlns:p14="http://schemas.microsoft.com/office/powerpoint/2010/main" Requires="p14">
       <p:transition spd="med" advClick="1" p14:dur="1000">
         <p:wipe dir="r"/>
       </p:transition>
     </mc:Choice>
-    <mc:Fallback xmlns="">
+    <mc:Fallback>
       <p:transition spd="med">
         <p:fade/>
       </p:transition>
@@ -11086,7 +10423,7 @@
 </file>
 
 <file path=ppt/slides/slide6.xml><?xml version="1.0" encoding="utf-8"?>
-<p:sld xmlns:a="http://schemas.openxmlformats.org/drawingml/2006/main" xmlns:r="http://schemas.openxmlformats.org/officeDocument/2006/relationships" xmlns:p="http://schemas.openxmlformats.org/presentationml/2006/main">
+<p:sld xmlns:a="http://schemas.openxmlformats.org/drawingml/2006/main" xmlns:r="http://schemas.openxmlformats.org/officeDocument/2006/relationships" xmlns:p="http://schemas.openxmlformats.org/presentationml/2006/main" showMasterSp="1" showMasterPhAnim="1">
   <p:cSld>
     <p:spTree>
       <p:nvGrpSpPr>
@@ -11105,9 +10442,7 @@
       <p:sp>
         <p:nvSpPr>
           <p:cNvPr id="142" name="Angular JS架構圖"/>
-          <p:cNvSpPr txBox="1">
-            <a:spLocks noGrp="1"/>
-          </p:cNvSpPr>
+          <p:cNvSpPr txBox="1"/>
           <p:nvPr>
             <p:ph type="title"/>
           </p:nvPr>
@@ -11121,6 +10456,7 @@
           <a:bodyPr/>
           <a:lstStyle/>
           <a:p>
+            <a:pPr/>
             <a:r>
               <a:t>Angular JS</a:t>
             </a:r>
@@ -11164,7 +10500,7 @@
         <p:nvPicPr>
           <p:cNvPr id="144" name="線條" descr="線條"/>
           <p:cNvPicPr>
-            <a:picLocks/>
+            <a:picLocks noChangeAspect="0"/>
           </p:cNvPicPr>
           <p:nvPr/>
         </p:nvPicPr>
@@ -11191,18 +10527,18 @@
   <p:clrMapOvr>
     <a:masterClrMapping/>
   </p:clrMapOvr>
-  <mc:AlternateContent xmlns:mc="http://schemas.openxmlformats.org/markup-compatibility/2006" xmlns:p15="http://schemas.microsoft.com/office/powerpoint/2012/main">
-    <mc:Choice Requires="p15">
-      <p:transition spd="slow">
+  <mc:AlternateContent xmlns:mc="http://schemas.openxmlformats.org/markup-compatibility/2006">
+    <mc:Choice xmlns:p15="http://schemas.microsoft.com/office/powerpoint/2012/main" Requires="p15">
+      <p:transition xmlns:p14="http://schemas.microsoft.com/office/powerpoint/2010/main" spd="med" advClick="1" p14:dur="1000">
         <p15:prstTrans prst="peelOff"/>
       </p:transition>
     </mc:Choice>
-    <mc:Choice xmlns:p14="http://schemas.microsoft.com/office/powerpoint/2010/main" xmlns="" Requires="p14">
+    <mc:Choice xmlns:p14="http://schemas.microsoft.com/office/powerpoint/2010/main" Requires="p14">
       <p:transition spd="med" advClick="1" p14:dur="1000">
         <p:wipe dir="r"/>
       </p:transition>
     </mc:Choice>
-    <mc:Fallback xmlns="">
+    <mc:Fallback>
       <p:transition spd="med">
         <p:fade/>
       </p:transition>
@@ -11212,7 +10548,7 @@
 </file>
 
 <file path=ppt/slides/slide7.xml><?xml version="1.0" encoding="utf-8"?>
-<p:sld xmlns:a="http://schemas.openxmlformats.org/drawingml/2006/main" xmlns:r="http://schemas.openxmlformats.org/officeDocument/2006/relationships" xmlns:p="http://schemas.openxmlformats.org/presentationml/2006/main">
+<p:sld xmlns:a="http://schemas.openxmlformats.org/drawingml/2006/main" xmlns:r="http://schemas.openxmlformats.org/officeDocument/2006/relationships" xmlns:p="http://schemas.openxmlformats.org/presentationml/2006/main" showMasterSp="1" showMasterPhAnim="1">
   <p:cSld>
     <p:spTree>
       <p:nvGrpSpPr>
@@ -11231,9 +10567,7 @@
       <p:sp>
         <p:nvSpPr>
           <p:cNvPr id="149" name="Angular JS重要特性"/>
-          <p:cNvSpPr txBox="1">
-            <a:spLocks noGrp="1"/>
-          </p:cNvSpPr>
+          <p:cNvSpPr txBox="1"/>
           <p:nvPr>
             <p:ph type="title"/>
           </p:nvPr>
@@ -11247,6 +10581,7 @@
           <a:bodyPr/>
           <a:lstStyle/>
           <a:p>
+            <a:pPr/>
             <a:r>
               <a:t>Angular JS</a:t>
             </a:r>
@@ -11260,9 +10595,7 @@
       <p:sp>
         <p:nvSpPr>
           <p:cNvPr id="150" name="功能強大的JavaScript MVC框架…"/>
-          <p:cNvSpPr txBox="1">
-            <a:spLocks noGrp="1"/>
-          </p:cNvSpPr>
+          <p:cNvSpPr txBox="1"/>
           <p:nvPr>
             <p:ph type="body" idx="1"/>
           </p:nvPr>
@@ -11337,18 +10670,18 @@
   <p:clrMapOvr>
     <a:masterClrMapping/>
   </p:clrMapOvr>
-  <mc:AlternateContent xmlns:mc="http://schemas.openxmlformats.org/markup-compatibility/2006" xmlns:p15="http://schemas.microsoft.com/office/powerpoint/2012/main">
-    <mc:Choice Requires="p15">
-      <p:transition spd="slow">
+  <mc:AlternateContent xmlns:mc="http://schemas.openxmlformats.org/markup-compatibility/2006">
+    <mc:Choice xmlns:p15="http://schemas.microsoft.com/office/powerpoint/2012/main" Requires="p15">
+      <p:transition xmlns:p14="http://schemas.microsoft.com/office/powerpoint/2010/main" spd="med" advClick="1" p14:dur="1000">
         <p15:prstTrans prst="peelOff"/>
       </p:transition>
     </mc:Choice>
-    <mc:Choice xmlns:p14="http://schemas.microsoft.com/office/powerpoint/2010/main" xmlns="" Requires="p14">
+    <mc:Choice xmlns:p14="http://schemas.microsoft.com/office/powerpoint/2010/main" Requires="p14">
       <p:transition spd="med" advClick="1" p14:dur="1000">
         <p:wipe dir="r"/>
       </p:transition>
     </mc:Choice>
-    <mc:Fallback xmlns="">
+    <mc:Fallback>
       <p:transition spd="med">
         <p:fade/>
       </p:transition>
@@ -11358,7 +10691,7 @@
 </file>
 
 <file path=ppt/slides/slide8.xml><?xml version="1.0" encoding="utf-8"?>
-<p:sld xmlns:a="http://schemas.openxmlformats.org/drawingml/2006/main" xmlns:r="http://schemas.openxmlformats.org/officeDocument/2006/relationships" xmlns:p="http://schemas.openxmlformats.org/presentationml/2006/main">
+<p:sld xmlns:a="http://schemas.openxmlformats.org/drawingml/2006/main" xmlns:r="http://schemas.openxmlformats.org/officeDocument/2006/relationships" xmlns:p="http://schemas.openxmlformats.org/presentationml/2006/main" showMasterSp="1" showMasterPhAnim="1">
   <p:cSld>
     <p:spTree>
       <p:nvGrpSpPr>
@@ -11377,9 +10710,7 @@
       <p:sp>
         <p:nvSpPr>
           <p:cNvPr id="154" name="AngularJS核心技術"/>
-          <p:cNvSpPr txBox="1">
-            <a:spLocks noGrp="1"/>
-          </p:cNvSpPr>
+          <p:cNvSpPr txBox="1"/>
           <p:nvPr>
             <p:ph type="title"/>
           </p:nvPr>
@@ -11393,6 +10724,7 @@
           <a:bodyPr/>
           <a:lstStyle/>
           <a:p>
+            <a:pPr/>
             <a:r>
               <a:t>AngularJS</a:t>
             </a:r>
@@ -11406,9 +10738,7 @@
       <p:sp>
         <p:nvSpPr>
           <p:cNvPr id="155" name="Data Binding…"/>
-          <p:cNvSpPr txBox="1">
-            <a:spLocks noGrp="1"/>
-          </p:cNvSpPr>
+          <p:cNvSpPr txBox="1"/>
           <p:nvPr>
             <p:ph type="body" idx="1"/>
           </p:nvPr>
@@ -11554,18 +10884,18 @@
   <p:clrMapOvr>
     <a:masterClrMapping/>
   </p:clrMapOvr>
-  <mc:AlternateContent xmlns:mc="http://schemas.openxmlformats.org/markup-compatibility/2006" xmlns:p15="http://schemas.microsoft.com/office/powerpoint/2012/main">
-    <mc:Choice Requires="p15">
-      <p:transition spd="slow">
+  <mc:AlternateContent xmlns:mc="http://schemas.openxmlformats.org/markup-compatibility/2006">
+    <mc:Choice xmlns:p15="http://schemas.microsoft.com/office/powerpoint/2012/main" Requires="p15">
+      <p:transition xmlns:p14="http://schemas.microsoft.com/office/powerpoint/2010/main" spd="med" advClick="1" p14:dur="1000">
         <p15:prstTrans prst="peelOff"/>
       </p:transition>
     </mc:Choice>
-    <mc:Choice xmlns:p14="http://schemas.microsoft.com/office/powerpoint/2010/main" xmlns="" Requires="p14">
+    <mc:Choice xmlns:p14="http://schemas.microsoft.com/office/powerpoint/2010/main" Requires="p14">
       <p:transition spd="med" advClick="1" p14:dur="1000">
         <p:wipe dir="r"/>
       </p:transition>
     </mc:Choice>
-    <mc:Fallback xmlns="">
+    <mc:Fallback>
       <p:transition spd="med">
         <p:fade/>
       </p:transition>
@@ -11575,7 +10905,7 @@
 </file>
 
 <file path=ppt/slides/slide9.xml><?xml version="1.0" encoding="utf-8"?>
-<p:sld xmlns:a="http://schemas.openxmlformats.org/drawingml/2006/main" xmlns:r="http://schemas.openxmlformats.org/officeDocument/2006/relationships" xmlns:p="http://schemas.openxmlformats.org/presentationml/2006/main">
+<p:sld xmlns:a="http://schemas.openxmlformats.org/drawingml/2006/main" xmlns:r="http://schemas.openxmlformats.org/officeDocument/2006/relationships" xmlns:p="http://schemas.openxmlformats.org/presentationml/2006/main" showMasterSp="1" showMasterPhAnim="1">
   <p:cSld>
     <p:spTree>
       <p:nvGrpSpPr>
@@ -11594,9 +10924,7 @@
       <p:sp>
         <p:nvSpPr>
           <p:cNvPr id="159" name="Angular 2架構"/>
-          <p:cNvSpPr txBox="1">
-            <a:spLocks noGrp="1"/>
-          </p:cNvSpPr>
+          <p:cNvSpPr txBox="1"/>
           <p:nvPr>
             <p:ph type="title"/>
           </p:nvPr>
@@ -11610,6 +10938,7 @@
           <a:bodyPr/>
           <a:lstStyle/>
           <a:p>
+            <a:pPr/>
             <a:r>
               <a:t>Angular 2架構</a:t>
             </a:r>
@@ -11650,18 +10979,18 @@
   <p:clrMapOvr>
     <a:masterClrMapping/>
   </p:clrMapOvr>
-  <mc:AlternateContent xmlns:mc="http://schemas.openxmlformats.org/markup-compatibility/2006" xmlns:p15="http://schemas.microsoft.com/office/powerpoint/2012/main">
-    <mc:Choice Requires="p15">
-      <p:transition spd="slow">
+  <mc:AlternateContent xmlns:mc="http://schemas.openxmlformats.org/markup-compatibility/2006">
+    <mc:Choice xmlns:p15="http://schemas.microsoft.com/office/powerpoint/2012/main" Requires="p15">
+      <p:transition xmlns:p14="http://schemas.microsoft.com/office/powerpoint/2010/main" spd="med" advClick="1" p14:dur="1000">
         <p15:prstTrans prst="peelOff"/>
       </p:transition>
     </mc:Choice>
-    <mc:Choice xmlns:p14="http://schemas.microsoft.com/office/powerpoint/2010/main" xmlns="" Requires="p14">
+    <mc:Choice xmlns:p14="http://schemas.microsoft.com/office/powerpoint/2010/main" Requires="p14">
       <p:transition spd="med" advClick="1" p14:dur="1000">
         <p:wipe dir="r"/>
       </p:transition>
     </mc:Choice>
-    <mc:Fallback xmlns="">
+    <mc:Fallback>
       <p:transition spd="med">
         <p:fade/>
       </p:transition>
@@ -11671,7 +11000,7 @@
 </file>
 
 <file path=ppt/theme/theme1.xml><?xml version="1.0" encoding="utf-8"?>
-<a:theme xmlns:a="http://schemas.openxmlformats.org/drawingml/2006/main" name="Parchment">
+<a:theme xmlns:a="http://schemas.openxmlformats.org/drawingml/2006/main" xmlns:r="http://schemas.openxmlformats.org/officeDocument/2006/relationships" name="Parchment">
   <a:themeElements>
     <a:clrScheme name="Parchment">
       <a:dk1>
@@ -11797,7 +11126,7 @@
       <a:effectStyleLst>
         <a:effectStyle>
           <a:effectLst>
-            <a:outerShdw blurRad="50800" dist="25400" dir="5400000" rotWithShape="0">
+            <a:outerShdw sx="100000" sy="100000" kx="0" ky="0" algn="b" rotWithShape="0" blurRad="50800" dist="25400" dir="5400000">
               <a:srgbClr val="000000">
                 <a:alpha val="25000"/>
               </a:srgbClr>
@@ -11806,7 +11135,7 @@
         </a:effectStyle>
         <a:effectStyle>
           <a:effectLst>
-            <a:outerShdw blurRad="50800" dist="25400" dir="5400000" rotWithShape="0">
+            <a:outerShdw sx="100000" sy="100000" kx="0" ky="0" algn="b" rotWithShape="0" blurRad="50800" dist="25400" dir="5400000">
               <a:srgbClr val="000000">
                 <a:alpha val="25000"/>
               </a:srgbClr>
@@ -11815,7 +11144,7 @@
         </a:effectStyle>
         <a:effectStyle>
           <a:effectLst>
-            <a:outerShdw blurRad="50800" dist="25400" dir="5400000" rotWithShape="0">
+            <a:outerShdw sx="100000" sy="100000" kx="0" ky="0" algn="b" rotWithShape="0" blurRad="50800" dist="25400" dir="5400000">
               <a:srgbClr val="000000">
                 <a:alpha val="25000"/>
               </a:srgbClr>
@@ -11879,8 +11208,8 @@
     <a:spDef>
       <a:spPr>
         <a:blipFill rotWithShape="1">
-          <a:blip xmlns:r="http://schemas.openxmlformats.org/officeDocument/2006/relationships" r:embed="rId1"/>
-          <a:srcRect/>
+          <a:blip r:embed="rId1"/>
+          <a:srcRect l="0" t="0" r="0" b="0"/>
           <a:tile tx="0" ty="0" sx="100000" sy="100000" flip="none" algn="tl"/>
         </a:blipFill>
         <a:ln w="12700" cap="flat">
@@ -11888,7 +11217,7 @@
           <a:miter lim="400000"/>
         </a:ln>
         <a:effectLst>
-          <a:outerShdw blurRad="50800" dist="25400" dir="5400000" rotWithShape="0">
+          <a:outerShdw sx="100000" sy="100000" kx="0" ky="0" algn="b" rotWithShape="0" blurRad="50800" dist="25400" dir="5400000">
             <a:srgbClr val="000000">
               <a:alpha val="25000"/>
             </a:srgbClr>
@@ -11896,7 +11225,7 @@
         </a:effectLst>
         <a:sp3d/>
       </a:spPr>
-      <a:bodyPr rot="0" spcFirstLastPara="1" vertOverflow="overflow" horzOverflow="overflow" vert="horz" wrap="square" lIns="50800" tIns="50800" rIns="50800" bIns="50800" numCol="1" spcCol="38100" rtlCol="0" anchor="ctr">
+      <a:bodyPr rot="0" spcFirstLastPara="1" vertOverflow="overflow" horzOverflow="overflow" vert="horz" wrap="square" lIns="50800" tIns="50800" rIns="50800" bIns="50800" numCol="1" spcCol="38100" rtlCol="0" anchor="ctr" upright="0">
         <a:spAutoFit/>
       </a:bodyPr>
       <a:lstStyle>
@@ -11915,7 +11244,7 @@
           <a:buFontTx/>
           <a:buNone/>
           <a:tabLst/>
-          <a:defRPr kumimoji="0" sz="3000" b="0" i="0" u="none" strike="noStrike" cap="none" spc="0" normalizeH="0" baseline="0">
+          <a:defRPr b="0" baseline="0" cap="none" i="0" spc="0" strike="noStrike" sz="3000" u="none" kumimoji="0" normalizeH="0">
             <a:ln>
               <a:noFill/>
             </a:ln>
@@ -11923,7 +11252,7 @@
               <a:srgbClr val="FFFFFF"/>
             </a:solidFill>
             <a:effectLst>
-              <a:outerShdw blurRad="76200" dist="12700" dir="5400000" rotWithShape="0">
+              <a:outerShdw sx="100000" sy="100000" kx="0" ky="0" algn="b" rotWithShape="0" blurRad="76200" dist="12700" dir="5400000">
                 <a:srgbClr val="000000">
                   <a:alpha val="50000"/>
                 </a:srgbClr>
@@ -11951,7 +11280,7 @@
           <a:buFontTx/>
           <a:buNone/>
           <a:tabLst/>
-          <a:defRPr kumimoji="0" sz="1800" b="0" i="0" u="none" strike="noStrike" cap="none" spc="0" normalizeH="0" baseline="0">
+          <a:defRPr b="0" baseline="0" cap="none" i="0" spc="0" strike="noStrike" sz="1800" u="none" kumimoji="0" normalizeH="0">
             <a:ln>
               <a:noFill/>
             </a:ln>
@@ -11977,7 +11306,7 @@
           <a:buFontTx/>
           <a:buNone/>
           <a:tabLst/>
-          <a:defRPr kumimoji="0" sz="1800" b="0" i="0" u="none" strike="noStrike" cap="none" spc="0" normalizeH="0" baseline="0">
+          <a:defRPr b="0" baseline="0" cap="none" i="0" spc="0" strike="noStrike" sz="1800" u="none" kumimoji="0" normalizeH="0">
             <a:ln>
               <a:noFill/>
             </a:ln>
@@ -12003,7 +11332,7 @@
           <a:buFontTx/>
           <a:buNone/>
           <a:tabLst/>
-          <a:defRPr kumimoji="0" sz="1800" b="0" i="0" u="none" strike="noStrike" cap="none" spc="0" normalizeH="0" baseline="0">
+          <a:defRPr b="0" baseline="0" cap="none" i="0" spc="0" strike="noStrike" sz="1800" u="none" kumimoji="0" normalizeH="0">
             <a:ln>
               <a:noFill/>
             </a:ln>
@@ -12029,7 +11358,7 @@
           <a:buFontTx/>
           <a:buNone/>
           <a:tabLst/>
-          <a:defRPr kumimoji="0" sz="1800" b="0" i="0" u="none" strike="noStrike" cap="none" spc="0" normalizeH="0" baseline="0">
+          <a:defRPr b="0" baseline="0" cap="none" i="0" spc="0" strike="noStrike" sz="1800" u="none" kumimoji="0" normalizeH="0">
             <a:ln>
               <a:noFill/>
             </a:ln>
@@ -12055,7 +11384,7 @@
           <a:buFontTx/>
           <a:buNone/>
           <a:tabLst/>
-          <a:defRPr kumimoji="0" sz="1800" b="0" i="0" u="none" strike="noStrike" cap="none" spc="0" normalizeH="0" baseline="0">
+          <a:defRPr b="0" baseline="0" cap="none" i="0" spc="0" strike="noStrike" sz="1800" u="none" kumimoji="0" normalizeH="0">
             <a:ln>
               <a:noFill/>
             </a:ln>
@@ -12081,7 +11410,7 @@
           <a:buFontTx/>
           <a:buNone/>
           <a:tabLst/>
-          <a:defRPr kumimoji="0" sz="1800" b="0" i="0" u="none" strike="noStrike" cap="none" spc="0" normalizeH="0" baseline="0">
+          <a:defRPr b="0" baseline="0" cap="none" i="0" spc="0" strike="noStrike" sz="1800" u="none" kumimoji="0" normalizeH="0">
             <a:ln>
               <a:noFill/>
             </a:ln>
@@ -12107,7 +11436,7 @@
           <a:buFontTx/>
           <a:buNone/>
           <a:tabLst/>
-          <a:defRPr kumimoji="0" sz="1800" b="0" i="0" u="none" strike="noStrike" cap="none" spc="0" normalizeH="0" baseline="0">
+          <a:defRPr b="0" baseline="0" cap="none" i="0" spc="0" strike="noStrike" sz="1800" u="none" kumimoji="0" normalizeH="0">
             <a:ln>
               <a:noFill/>
             </a:ln>
@@ -12133,7 +11462,7 @@
           <a:buFontTx/>
           <a:buNone/>
           <a:tabLst/>
-          <a:defRPr kumimoji="0" sz="1800" b="0" i="0" u="none" strike="noStrike" cap="none" spc="0" normalizeH="0" baseline="0">
+          <a:defRPr b="0" baseline="0" cap="none" i="0" spc="0" strike="noStrike" sz="1800" u="none" kumimoji="0" normalizeH="0">
             <a:ln>
               <a:noFill/>
             </a:ln>
@@ -12159,7 +11488,7 @@
           <a:buFontTx/>
           <a:buNone/>
           <a:tabLst/>
-          <a:defRPr kumimoji="0" sz="1800" b="0" i="0" u="none" strike="noStrike" cap="none" spc="0" normalizeH="0" baseline="0">
+          <a:defRPr b="0" baseline="0" cap="none" i="0" spc="0" strike="noStrike" sz="1800" u="none" kumimoji="0" normalizeH="0">
             <a:ln>
               <a:noFill/>
             </a:ln>
@@ -12172,15 +11501,9 @@
         </a:lvl9pPr>
       </a:lstStyle>
       <a:style>
-        <a:lnRef idx="0">
-          <a:scrgbClr r="0" g="0" b="0"/>
-        </a:lnRef>
-        <a:fillRef idx="0">
-          <a:scrgbClr r="0" g="0" b="0"/>
-        </a:fillRef>
-        <a:effectRef idx="0">
-          <a:scrgbClr r="0" g="0" b="0"/>
-        </a:effectRef>
+        <a:lnRef idx="0"/>
+        <a:fillRef idx="0"/>
+        <a:effectRef idx="0"/>
         <a:fontRef idx="none"/>
       </a:style>
     </a:spDef>
@@ -12197,7 +11520,7 @@
         <a:effectLst/>
         <a:sp3d/>
       </a:spPr>
-      <a:bodyPr rot="0" spcFirstLastPara="1" vertOverflow="overflow" horzOverflow="overflow" vert="horz" wrap="square" lIns="91439" tIns="45719" rIns="91439" bIns="45719" numCol="1" spcCol="38100" rtlCol="0" anchor="t">
+      <a:bodyPr rot="0" spcFirstLastPara="1" vertOverflow="overflow" horzOverflow="overflow" vert="horz" wrap="square" lIns="91439" tIns="45719" rIns="91439" bIns="45719" numCol="1" spcCol="38100" rtlCol="0" anchor="t" upright="0">
         <a:noAutofit/>
       </a:bodyPr>
       <a:lstStyle>
@@ -12216,7 +11539,7 @@
           <a:buFontTx/>
           <a:buNone/>
           <a:tabLst/>
-          <a:defRPr kumimoji="0" sz="1800" b="0" i="0" u="none" strike="noStrike" cap="none" spc="0" normalizeH="0" baseline="0">
+          <a:defRPr b="0" baseline="0" cap="none" i="0" spc="0" strike="noStrike" sz="1800" u="none" kumimoji="0" normalizeH="0">
             <a:ln>
               <a:noFill/>
             </a:ln>
@@ -12242,7 +11565,7 @@
           <a:buFontTx/>
           <a:buNone/>
           <a:tabLst/>
-          <a:defRPr kumimoji="0" sz="1800" b="0" i="0" u="none" strike="noStrike" cap="none" spc="0" normalizeH="0" baseline="0">
+          <a:defRPr b="0" baseline="0" cap="none" i="0" spc="0" strike="noStrike" sz="1800" u="none" kumimoji="0" normalizeH="0">
             <a:ln>
               <a:noFill/>
             </a:ln>
@@ -12268,7 +11591,7 @@
           <a:buFontTx/>
           <a:buNone/>
           <a:tabLst/>
-          <a:defRPr kumimoji="0" sz="1800" b="0" i="0" u="none" strike="noStrike" cap="none" spc="0" normalizeH="0" baseline="0">
+          <a:defRPr b="0" baseline="0" cap="none" i="0" spc="0" strike="noStrike" sz="1800" u="none" kumimoji="0" normalizeH="0">
             <a:ln>
               <a:noFill/>
             </a:ln>
@@ -12294,7 +11617,7 @@
           <a:buFontTx/>
           <a:buNone/>
           <a:tabLst/>
-          <a:defRPr kumimoji="0" sz="1800" b="0" i="0" u="none" strike="noStrike" cap="none" spc="0" normalizeH="0" baseline="0">
+          <a:defRPr b="0" baseline="0" cap="none" i="0" spc="0" strike="noStrike" sz="1800" u="none" kumimoji="0" normalizeH="0">
             <a:ln>
               <a:noFill/>
             </a:ln>
@@ -12320,7 +11643,7 @@
           <a:buFontTx/>
           <a:buNone/>
           <a:tabLst/>
-          <a:defRPr kumimoji="0" sz="1800" b="0" i="0" u="none" strike="noStrike" cap="none" spc="0" normalizeH="0" baseline="0">
+          <a:defRPr b="0" baseline="0" cap="none" i="0" spc="0" strike="noStrike" sz="1800" u="none" kumimoji="0" normalizeH="0">
             <a:ln>
               <a:noFill/>
             </a:ln>
@@ -12346,7 +11669,7 @@
           <a:buFontTx/>
           <a:buNone/>
           <a:tabLst/>
-          <a:defRPr kumimoji="0" sz="1800" b="0" i="0" u="none" strike="noStrike" cap="none" spc="0" normalizeH="0" baseline="0">
+          <a:defRPr b="0" baseline="0" cap="none" i="0" spc="0" strike="noStrike" sz="1800" u="none" kumimoji="0" normalizeH="0">
             <a:ln>
               <a:noFill/>
             </a:ln>
@@ -12372,7 +11695,7 @@
           <a:buFontTx/>
           <a:buNone/>
           <a:tabLst/>
-          <a:defRPr kumimoji="0" sz="1800" b="0" i="0" u="none" strike="noStrike" cap="none" spc="0" normalizeH="0" baseline="0">
+          <a:defRPr b="0" baseline="0" cap="none" i="0" spc="0" strike="noStrike" sz="1800" u="none" kumimoji="0" normalizeH="0">
             <a:ln>
               <a:noFill/>
             </a:ln>
@@ -12398,7 +11721,7 @@
           <a:buFontTx/>
           <a:buNone/>
           <a:tabLst/>
-          <a:defRPr kumimoji="0" sz="1800" b="0" i="0" u="none" strike="noStrike" cap="none" spc="0" normalizeH="0" baseline="0">
+          <a:defRPr b="0" baseline="0" cap="none" i="0" spc="0" strike="noStrike" sz="1800" u="none" kumimoji="0" normalizeH="0">
             <a:ln>
               <a:noFill/>
             </a:ln>
@@ -12424,7 +11747,7 @@
           <a:buFontTx/>
           <a:buNone/>
           <a:tabLst/>
-          <a:defRPr kumimoji="0" sz="1800" b="0" i="0" u="none" strike="noStrike" cap="none" spc="0" normalizeH="0" baseline="0">
+          <a:defRPr b="0" baseline="0" cap="none" i="0" spc="0" strike="noStrike" sz="1800" u="none" kumimoji="0" normalizeH="0">
             <a:ln>
               <a:noFill/>
             </a:ln>
@@ -12450,7 +11773,7 @@
           <a:buFontTx/>
           <a:buNone/>
           <a:tabLst/>
-          <a:defRPr kumimoji="0" sz="1800" b="0" i="0" u="none" strike="noStrike" cap="none" spc="0" normalizeH="0" baseline="0">
+          <a:defRPr b="0" baseline="0" cap="none" i="0" spc="0" strike="noStrike" sz="1800" u="none" kumimoji="0" normalizeH="0">
             <a:ln>
               <a:noFill/>
             </a:ln>
@@ -12463,15 +11786,9 @@
         </a:lvl9pPr>
       </a:lstStyle>
       <a:style>
-        <a:lnRef idx="0">
-          <a:scrgbClr r="0" g="0" b="0"/>
-        </a:lnRef>
-        <a:fillRef idx="0">
-          <a:scrgbClr r="0" g="0" b="0"/>
-        </a:fillRef>
-        <a:effectRef idx="0">
-          <a:scrgbClr r="0" g="0" b="0"/>
-        </a:effectRef>
+        <a:lnRef idx="0"/>
+        <a:fillRef idx="0"/>
+        <a:effectRef idx="0"/>
         <a:fontRef idx="none"/>
       </a:style>
     </a:lnDef>
@@ -12485,7 +11802,7 @@
         <a:effectLst/>
         <a:sp3d/>
       </a:spPr>
-      <a:bodyPr rot="0" spcFirstLastPara="1" vertOverflow="overflow" horzOverflow="overflow" vert="horz" wrap="square" lIns="50800" tIns="50800" rIns="50800" bIns="50800" numCol="1" spcCol="38100" rtlCol="0" anchor="ctr">
+      <a:bodyPr rot="0" spcFirstLastPara="1" vertOverflow="overflow" horzOverflow="overflow" vert="horz" wrap="square" lIns="50800" tIns="50800" rIns="50800" bIns="50800" numCol="1" spcCol="38100" rtlCol="0" anchor="ctr" upright="0">
         <a:spAutoFit/>
       </a:bodyPr>
       <a:lstStyle>
@@ -12504,7 +11821,7 @@
           <a:buFontTx/>
           <a:buNone/>
           <a:tabLst/>
-          <a:defRPr kumimoji="0" sz="3600" b="0" i="0" u="none" strike="noStrike" cap="none" spc="0" normalizeH="0" baseline="0">
+          <a:defRPr b="0" baseline="0" cap="none" i="0" spc="0" strike="noStrike" sz="3600" u="none" kumimoji="0" normalizeH="0">
             <a:ln>
               <a:noFill/>
             </a:ln>
@@ -12534,7 +11851,7 @@
           <a:buFontTx/>
           <a:buNone/>
           <a:tabLst/>
-          <a:defRPr kumimoji="0" sz="1800" b="0" i="0" u="none" strike="noStrike" cap="none" spc="0" normalizeH="0" baseline="0">
+          <a:defRPr b="0" baseline="0" cap="none" i="0" spc="0" strike="noStrike" sz="1800" u="none" kumimoji="0" normalizeH="0">
             <a:ln>
               <a:noFill/>
             </a:ln>
@@ -12560,7 +11877,7 @@
           <a:buFontTx/>
           <a:buNone/>
           <a:tabLst/>
-          <a:defRPr kumimoji="0" sz="1800" b="0" i="0" u="none" strike="noStrike" cap="none" spc="0" normalizeH="0" baseline="0">
+          <a:defRPr b="0" baseline="0" cap="none" i="0" spc="0" strike="noStrike" sz="1800" u="none" kumimoji="0" normalizeH="0">
             <a:ln>
               <a:noFill/>
             </a:ln>
@@ -12586,7 +11903,7 @@
           <a:buFontTx/>
           <a:buNone/>
           <a:tabLst/>
-          <a:defRPr kumimoji="0" sz="1800" b="0" i="0" u="none" strike="noStrike" cap="none" spc="0" normalizeH="0" baseline="0">
+          <a:defRPr b="0" baseline="0" cap="none" i="0" spc="0" strike="noStrike" sz="1800" u="none" kumimoji="0" normalizeH="0">
             <a:ln>
               <a:noFill/>
             </a:ln>
@@ -12612,7 +11929,7 @@
           <a:buFontTx/>
           <a:buNone/>
           <a:tabLst/>
-          <a:defRPr kumimoji="0" sz="1800" b="0" i="0" u="none" strike="noStrike" cap="none" spc="0" normalizeH="0" baseline="0">
+          <a:defRPr b="0" baseline="0" cap="none" i="0" spc="0" strike="noStrike" sz="1800" u="none" kumimoji="0" normalizeH="0">
             <a:ln>
               <a:noFill/>
             </a:ln>
@@ -12638,7 +11955,7 @@
           <a:buFontTx/>
           <a:buNone/>
           <a:tabLst/>
-          <a:defRPr kumimoji="0" sz="1800" b="0" i="0" u="none" strike="noStrike" cap="none" spc="0" normalizeH="0" baseline="0">
+          <a:defRPr b="0" baseline="0" cap="none" i="0" spc="0" strike="noStrike" sz="1800" u="none" kumimoji="0" normalizeH="0">
             <a:ln>
               <a:noFill/>
             </a:ln>
@@ -12664,7 +11981,7 @@
           <a:buFontTx/>
           <a:buNone/>
           <a:tabLst/>
-          <a:defRPr kumimoji="0" sz="1800" b="0" i="0" u="none" strike="noStrike" cap="none" spc="0" normalizeH="0" baseline="0">
+          <a:defRPr b="0" baseline="0" cap="none" i="0" spc="0" strike="noStrike" sz="1800" u="none" kumimoji="0" normalizeH="0">
             <a:ln>
               <a:noFill/>
             </a:ln>
@@ -12690,7 +12007,7 @@
           <a:buFontTx/>
           <a:buNone/>
           <a:tabLst/>
-          <a:defRPr kumimoji="0" sz="1800" b="0" i="0" u="none" strike="noStrike" cap="none" spc="0" normalizeH="0" baseline="0">
+          <a:defRPr b="0" baseline="0" cap="none" i="0" spc="0" strike="noStrike" sz="1800" u="none" kumimoji="0" normalizeH="0">
             <a:ln>
               <a:noFill/>
             </a:ln>
@@ -12716,7 +12033,7 @@
           <a:buFontTx/>
           <a:buNone/>
           <a:tabLst/>
-          <a:defRPr kumimoji="0" sz="1800" b="0" i="0" u="none" strike="noStrike" cap="none" spc="0" normalizeH="0" baseline="0">
+          <a:defRPr b="0" baseline="0" cap="none" i="0" spc="0" strike="noStrike" sz="1800" u="none" kumimoji="0" normalizeH="0">
             <a:ln>
               <a:noFill/>
             </a:ln>
@@ -12742,7 +12059,7 @@
           <a:buFontTx/>
           <a:buNone/>
           <a:tabLst/>
-          <a:defRPr kumimoji="0" sz="1800" b="0" i="0" u="none" strike="noStrike" cap="none" spc="0" normalizeH="0" baseline="0">
+          <a:defRPr b="0" baseline="0" cap="none" i="0" spc="0" strike="noStrike" sz="1800" u="none" kumimoji="0" normalizeH="0">
             <a:ln>
               <a:noFill/>
             </a:ln>
@@ -12755,25 +12072,18 @@
         </a:lvl9pPr>
       </a:lstStyle>
       <a:style>
-        <a:lnRef idx="0">
-          <a:scrgbClr r="0" g="0" b="0"/>
-        </a:lnRef>
-        <a:fillRef idx="0">
-          <a:scrgbClr r="0" g="0" b="0"/>
-        </a:fillRef>
-        <a:effectRef idx="0">
-          <a:scrgbClr r="0" g="0" b="0"/>
-        </a:effectRef>
+        <a:lnRef idx="0"/>
+        <a:fillRef idx="0"/>
+        <a:effectRef idx="0"/>
         <a:fontRef idx="none"/>
       </a:style>
     </a:txDef>
   </a:objectDefaults>
-  <a:extraClrSchemeLst/>
 </a:theme>
 </file>
 
 <file path=ppt/theme/theme2.xml><?xml version="1.0" encoding="utf-8"?>
-<a:theme xmlns:a="http://schemas.openxmlformats.org/drawingml/2006/main" name="Parchment">
+<a:theme xmlns:a="http://schemas.openxmlformats.org/drawingml/2006/main" xmlns:r="http://schemas.openxmlformats.org/officeDocument/2006/relationships" name="Parchment">
   <a:themeElements>
     <a:clrScheme name="Parchment">
       <a:dk1>
@@ -12899,7 +12209,7 @@
       <a:effectStyleLst>
         <a:effectStyle>
           <a:effectLst>
-            <a:outerShdw blurRad="50800" dist="25400" dir="5400000" rotWithShape="0">
+            <a:outerShdw sx="100000" sy="100000" kx="0" ky="0" algn="b" rotWithShape="0" blurRad="50800" dist="25400" dir="5400000">
               <a:srgbClr val="000000">
                 <a:alpha val="25000"/>
               </a:srgbClr>
@@ -12908,7 +12218,7 @@
         </a:effectStyle>
         <a:effectStyle>
           <a:effectLst>
-            <a:outerShdw blurRad="50800" dist="25400" dir="5400000" rotWithShape="0">
+            <a:outerShdw sx="100000" sy="100000" kx="0" ky="0" algn="b" rotWithShape="0" blurRad="50800" dist="25400" dir="5400000">
               <a:srgbClr val="000000">
                 <a:alpha val="25000"/>
               </a:srgbClr>
@@ -12917,7 +12227,7 @@
         </a:effectStyle>
         <a:effectStyle>
           <a:effectLst>
-            <a:outerShdw blurRad="50800" dist="25400" dir="5400000" rotWithShape="0">
+            <a:outerShdw sx="100000" sy="100000" kx="0" ky="0" algn="b" rotWithShape="0" blurRad="50800" dist="25400" dir="5400000">
               <a:srgbClr val="000000">
                 <a:alpha val="25000"/>
               </a:srgbClr>
@@ -12981,8 +12291,8 @@
     <a:spDef>
       <a:spPr>
         <a:blipFill rotWithShape="1">
-          <a:blip xmlns:r="http://schemas.openxmlformats.org/officeDocument/2006/relationships" r:embed="rId1"/>
-          <a:srcRect/>
+          <a:blip r:embed="rId1"/>
+          <a:srcRect l="0" t="0" r="0" b="0"/>
           <a:tile tx="0" ty="0" sx="100000" sy="100000" flip="none" algn="tl"/>
         </a:blipFill>
         <a:ln w="12700" cap="flat">
@@ -12990,7 +12300,7 @@
           <a:miter lim="400000"/>
         </a:ln>
         <a:effectLst>
-          <a:outerShdw blurRad="50800" dist="25400" dir="5400000" rotWithShape="0">
+          <a:outerShdw sx="100000" sy="100000" kx="0" ky="0" algn="b" rotWithShape="0" blurRad="50800" dist="25400" dir="5400000">
             <a:srgbClr val="000000">
               <a:alpha val="25000"/>
             </a:srgbClr>
@@ -12998,7 +12308,7 @@
         </a:effectLst>
         <a:sp3d/>
       </a:spPr>
-      <a:bodyPr rot="0" spcFirstLastPara="1" vertOverflow="overflow" horzOverflow="overflow" vert="horz" wrap="square" lIns="50800" tIns="50800" rIns="50800" bIns="50800" numCol="1" spcCol="38100" rtlCol="0" anchor="ctr">
+      <a:bodyPr rot="0" spcFirstLastPara="1" vertOverflow="overflow" horzOverflow="overflow" vert="horz" wrap="square" lIns="50800" tIns="50800" rIns="50800" bIns="50800" numCol="1" spcCol="38100" rtlCol="0" anchor="ctr" upright="0">
         <a:spAutoFit/>
       </a:bodyPr>
       <a:lstStyle>
@@ -13017,7 +12327,7 @@
           <a:buFontTx/>
           <a:buNone/>
           <a:tabLst/>
-          <a:defRPr kumimoji="0" sz="3000" b="0" i="0" u="none" strike="noStrike" cap="none" spc="0" normalizeH="0" baseline="0">
+          <a:defRPr b="0" baseline="0" cap="none" i="0" spc="0" strike="noStrike" sz="3000" u="none" kumimoji="0" normalizeH="0">
             <a:ln>
               <a:noFill/>
             </a:ln>
@@ -13025,7 +12335,7 @@
               <a:srgbClr val="FFFFFF"/>
             </a:solidFill>
             <a:effectLst>
-              <a:outerShdw blurRad="76200" dist="12700" dir="5400000" rotWithShape="0">
+              <a:outerShdw sx="100000" sy="100000" kx="0" ky="0" algn="b" rotWithShape="0" blurRad="76200" dist="12700" dir="5400000">
                 <a:srgbClr val="000000">
                   <a:alpha val="50000"/>
                 </a:srgbClr>
@@ -13053,7 +12363,7 @@
           <a:buFontTx/>
           <a:buNone/>
           <a:tabLst/>
-          <a:defRPr kumimoji="0" sz="1800" b="0" i="0" u="none" strike="noStrike" cap="none" spc="0" normalizeH="0" baseline="0">
+          <a:defRPr b="0" baseline="0" cap="none" i="0" spc="0" strike="noStrike" sz="1800" u="none" kumimoji="0" normalizeH="0">
             <a:ln>
               <a:noFill/>
             </a:ln>
@@ -13079,7 +12389,7 @@
           <a:buFontTx/>
           <a:buNone/>
           <a:tabLst/>
-          <a:defRPr kumimoji="0" sz="1800" b="0" i="0" u="none" strike="noStrike" cap="none" spc="0" normalizeH="0" baseline="0">
+          <a:defRPr b="0" baseline="0" cap="none" i="0" spc="0" strike="noStrike" sz="1800" u="none" kumimoji="0" normalizeH="0">
             <a:ln>
               <a:noFill/>
             </a:ln>
@@ -13105,7 +12415,7 @@
           <a:buFontTx/>
           <a:buNone/>
           <a:tabLst/>
-          <a:defRPr kumimoji="0" sz="1800" b="0" i="0" u="none" strike="noStrike" cap="none" spc="0" normalizeH="0" baseline="0">
+          <a:defRPr b="0" baseline="0" cap="none" i="0" spc="0" strike="noStrike" sz="1800" u="none" kumimoji="0" normalizeH="0">
             <a:ln>
               <a:noFill/>
             </a:ln>
@@ -13131,7 +12441,7 @@
           <a:buFontTx/>
           <a:buNone/>
           <a:tabLst/>
-          <a:defRPr kumimoji="0" sz="1800" b="0" i="0" u="none" strike="noStrike" cap="none" spc="0" normalizeH="0" baseline="0">
+          <a:defRPr b="0" baseline="0" cap="none" i="0" spc="0" strike="noStrike" sz="1800" u="none" kumimoji="0" normalizeH="0">
             <a:ln>
               <a:noFill/>
             </a:ln>
@@ -13157,7 +12467,7 @@
           <a:buFontTx/>
           <a:buNone/>
           <a:tabLst/>
-          <a:defRPr kumimoji="0" sz="1800" b="0" i="0" u="none" strike="noStrike" cap="none" spc="0" normalizeH="0" baseline="0">
+          <a:defRPr b="0" baseline="0" cap="none" i="0" spc="0" strike="noStrike" sz="1800" u="none" kumimoji="0" normalizeH="0">
             <a:ln>
               <a:noFill/>
             </a:ln>
@@ -13183,7 +12493,7 @@
           <a:buFontTx/>
           <a:buNone/>
           <a:tabLst/>
-          <a:defRPr kumimoji="0" sz="1800" b="0" i="0" u="none" strike="noStrike" cap="none" spc="0" normalizeH="0" baseline="0">
+          <a:defRPr b="0" baseline="0" cap="none" i="0" spc="0" strike="noStrike" sz="1800" u="none" kumimoji="0" normalizeH="0">
             <a:ln>
               <a:noFill/>
             </a:ln>
@@ -13209,7 +12519,7 @@
           <a:buFontTx/>
           <a:buNone/>
           <a:tabLst/>
-          <a:defRPr kumimoji="0" sz="1800" b="0" i="0" u="none" strike="noStrike" cap="none" spc="0" normalizeH="0" baseline="0">
+          <a:defRPr b="0" baseline="0" cap="none" i="0" spc="0" strike="noStrike" sz="1800" u="none" kumimoji="0" normalizeH="0">
             <a:ln>
               <a:noFill/>
             </a:ln>
@@ -13235,7 +12545,7 @@
           <a:buFontTx/>
           <a:buNone/>
           <a:tabLst/>
-          <a:defRPr kumimoji="0" sz="1800" b="0" i="0" u="none" strike="noStrike" cap="none" spc="0" normalizeH="0" baseline="0">
+          <a:defRPr b="0" baseline="0" cap="none" i="0" spc="0" strike="noStrike" sz="1800" u="none" kumimoji="0" normalizeH="0">
             <a:ln>
               <a:noFill/>
             </a:ln>
@@ -13261,7 +12571,7 @@
           <a:buFontTx/>
           <a:buNone/>
           <a:tabLst/>
-          <a:defRPr kumimoji="0" sz="1800" b="0" i="0" u="none" strike="noStrike" cap="none" spc="0" normalizeH="0" baseline="0">
+          <a:defRPr b="0" baseline="0" cap="none" i="0" spc="0" strike="noStrike" sz="1800" u="none" kumimoji="0" normalizeH="0">
             <a:ln>
               <a:noFill/>
             </a:ln>
@@ -13274,15 +12584,9 @@
         </a:lvl9pPr>
       </a:lstStyle>
       <a:style>
-        <a:lnRef idx="0">
-          <a:scrgbClr r="0" g="0" b="0"/>
-        </a:lnRef>
-        <a:fillRef idx="0">
-          <a:scrgbClr r="0" g="0" b="0"/>
-        </a:fillRef>
-        <a:effectRef idx="0">
-          <a:scrgbClr r="0" g="0" b="0"/>
-        </a:effectRef>
+        <a:lnRef idx="0"/>
+        <a:fillRef idx="0"/>
+        <a:effectRef idx="0"/>
         <a:fontRef idx="none"/>
       </a:style>
     </a:spDef>
@@ -13299,7 +12603,7 @@
         <a:effectLst/>
         <a:sp3d/>
       </a:spPr>
-      <a:bodyPr rot="0" spcFirstLastPara="1" vertOverflow="overflow" horzOverflow="overflow" vert="horz" wrap="square" lIns="91439" tIns="45719" rIns="91439" bIns="45719" numCol="1" spcCol="38100" rtlCol="0" anchor="t">
+      <a:bodyPr rot="0" spcFirstLastPara="1" vertOverflow="overflow" horzOverflow="overflow" vert="horz" wrap="square" lIns="91439" tIns="45719" rIns="91439" bIns="45719" numCol="1" spcCol="38100" rtlCol="0" anchor="t" upright="0">
         <a:noAutofit/>
       </a:bodyPr>
       <a:lstStyle>
@@ -13318,7 +12622,7 @@
           <a:buFontTx/>
           <a:buNone/>
           <a:tabLst/>
-          <a:defRPr kumimoji="0" sz="1800" b="0" i="0" u="none" strike="noStrike" cap="none" spc="0" normalizeH="0" baseline="0">
+          <a:defRPr b="0" baseline="0" cap="none" i="0" spc="0" strike="noStrike" sz="1800" u="none" kumimoji="0" normalizeH="0">
             <a:ln>
               <a:noFill/>
             </a:ln>
@@ -13344,7 +12648,7 @@
           <a:buFontTx/>
           <a:buNone/>
           <a:tabLst/>
-          <a:defRPr kumimoji="0" sz="1800" b="0" i="0" u="none" strike="noStrike" cap="none" spc="0" normalizeH="0" baseline="0">
+          <a:defRPr b="0" baseline="0" cap="none" i="0" spc="0" strike="noStrike" sz="1800" u="none" kumimoji="0" normalizeH="0">
             <a:ln>
               <a:noFill/>
             </a:ln>
@@ -13370,7 +12674,7 @@
           <a:buFontTx/>
           <a:buNone/>
           <a:tabLst/>
-          <a:defRPr kumimoji="0" sz="1800" b="0" i="0" u="none" strike="noStrike" cap="none" spc="0" normalizeH="0" baseline="0">
+          <a:defRPr b="0" baseline="0" cap="none" i="0" spc="0" strike="noStrike" sz="1800" u="none" kumimoji="0" normalizeH="0">
             <a:ln>
               <a:noFill/>
             </a:ln>
@@ -13396,7 +12700,7 @@
           <a:buFontTx/>
           <a:buNone/>
           <a:tabLst/>
-          <a:defRPr kumimoji="0" sz="1800" b="0" i="0" u="none" strike="noStrike" cap="none" spc="0" normalizeH="0" baseline="0">
+          <a:defRPr b="0" baseline="0" cap="none" i="0" spc="0" strike="noStrike" sz="1800" u="none" kumimoji="0" normalizeH="0">
             <a:ln>
               <a:noFill/>
             </a:ln>
@@ -13422,7 +12726,7 @@
           <a:buFontTx/>
           <a:buNone/>
           <a:tabLst/>
-          <a:defRPr kumimoji="0" sz="1800" b="0" i="0" u="none" strike="noStrike" cap="none" spc="0" normalizeH="0" baseline="0">
+          <a:defRPr b="0" baseline="0" cap="none" i="0" spc="0" strike="noStrike" sz="1800" u="none" kumimoji="0" normalizeH="0">
             <a:ln>
               <a:noFill/>
             </a:ln>
@@ -13448,7 +12752,7 @@
           <a:buFontTx/>
           <a:buNone/>
           <a:tabLst/>
-          <a:defRPr kumimoji="0" sz="1800" b="0" i="0" u="none" strike="noStrike" cap="none" spc="0" normalizeH="0" baseline="0">
+          <a:defRPr b="0" baseline="0" cap="none" i="0" spc="0" strike="noStrike" sz="1800" u="none" kumimoji="0" normalizeH="0">
             <a:ln>
               <a:noFill/>
             </a:ln>
@@ -13474,7 +12778,7 @@
           <a:buFontTx/>
           <a:buNone/>
           <a:tabLst/>
-          <a:defRPr kumimoji="0" sz="1800" b="0" i="0" u="none" strike="noStrike" cap="none" spc="0" normalizeH="0" baseline="0">
+          <a:defRPr b="0" baseline="0" cap="none" i="0" spc="0" strike="noStrike" sz="1800" u="none" kumimoji="0" normalizeH="0">
             <a:ln>
               <a:noFill/>
             </a:ln>
@@ -13500,7 +12804,7 @@
           <a:buFontTx/>
           <a:buNone/>
           <a:tabLst/>
-          <a:defRPr kumimoji="0" sz="1800" b="0" i="0" u="none" strike="noStrike" cap="none" spc="0" normalizeH="0" baseline="0">
+          <a:defRPr b="0" baseline="0" cap="none" i="0" spc="0" strike="noStrike" sz="1800" u="none" kumimoji="0" normalizeH="0">
             <a:ln>
               <a:noFill/>
             </a:ln>
@@ -13526,7 +12830,7 @@
           <a:buFontTx/>
           <a:buNone/>
           <a:tabLst/>
-          <a:defRPr kumimoji="0" sz="1800" b="0" i="0" u="none" strike="noStrike" cap="none" spc="0" normalizeH="0" baseline="0">
+          <a:defRPr b="0" baseline="0" cap="none" i="0" spc="0" strike="noStrike" sz="1800" u="none" kumimoji="0" normalizeH="0">
             <a:ln>
               <a:noFill/>
             </a:ln>
@@ -13552,7 +12856,7 @@
           <a:buFontTx/>
           <a:buNone/>
           <a:tabLst/>
-          <a:defRPr kumimoji="0" sz="1800" b="0" i="0" u="none" strike="noStrike" cap="none" spc="0" normalizeH="0" baseline="0">
+          <a:defRPr b="0" baseline="0" cap="none" i="0" spc="0" strike="noStrike" sz="1800" u="none" kumimoji="0" normalizeH="0">
             <a:ln>
               <a:noFill/>
             </a:ln>
@@ -13565,15 +12869,9 @@
         </a:lvl9pPr>
       </a:lstStyle>
       <a:style>
-        <a:lnRef idx="0">
-          <a:scrgbClr r="0" g="0" b="0"/>
-        </a:lnRef>
-        <a:fillRef idx="0">
-          <a:scrgbClr r="0" g="0" b="0"/>
-        </a:fillRef>
-        <a:effectRef idx="0">
-          <a:scrgbClr r="0" g="0" b="0"/>
-        </a:effectRef>
+        <a:lnRef idx="0"/>
+        <a:fillRef idx="0"/>
+        <a:effectRef idx="0"/>
         <a:fontRef idx="none"/>
       </a:style>
     </a:lnDef>
@@ -13587,7 +12885,7 @@
         <a:effectLst/>
         <a:sp3d/>
       </a:spPr>
-      <a:bodyPr rot="0" spcFirstLastPara="1" vertOverflow="overflow" horzOverflow="overflow" vert="horz" wrap="square" lIns="50800" tIns="50800" rIns="50800" bIns="50800" numCol="1" spcCol="38100" rtlCol="0" anchor="ctr">
+      <a:bodyPr rot="0" spcFirstLastPara="1" vertOverflow="overflow" horzOverflow="overflow" vert="horz" wrap="square" lIns="50800" tIns="50800" rIns="50800" bIns="50800" numCol="1" spcCol="38100" rtlCol="0" anchor="ctr" upright="0">
         <a:spAutoFit/>
       </a:bodyPr>
       <a:lstStyle>
@@ -13606,7 +12904,7 @@
           <a:buFontTx/>
           <a:buNone/>
           <a:tabLst/>
-          <a:defRPr kumimoji="0" sz="3600" b="0" i="0" u="none" strike="noStrike" cap="none" spc="0" normalizeH="0" baseline="0">
+          <a:defRPr b="0" baseline="0" cap="none" i="0" spc="0" strike="noStrike" sz="3600" u="none" kumimoji="0" normalizeH="0">
             <a:ln>
               <a:noFill/>
             </a:ln>
@@ -13636,7 +12934,7 @@
           <a:buFontTx/>
           <a:buNone/>
           <a:tabLst/>
-          <a:defRPr kumimoji="0" sz="1800" b="0" i="0" u="none" strike="noStrike" cap="none" spc="0" normalizeH="0" baseline="0">
+          <a:defRPr b="0" baseline="0" cap="none" i="0" spc="0" strike="noStrike" sz="1800" u="none" kumimoji="0" normalizeH="0">
             <a:ln>
               <a:noFill/>
             </a:ln>
@@ -13662,7 +12960,7 @@
           <a:buFontTx/>
           <a:buNone/>
           <a:tabLst/>
-          <a:defRPr kumimoji="0" sz="1800" b="0" i="0" u="none" strike="noStrike" cap="none" spc="0" normalizeH="0" baseline="0">
+          <a:defRPr b="0" baseline="0" cap="none" i="0" spc="0" strike="noStrike" sz="1800" u="none" kumimoji="0" normalizeH="0">
             <a:ln>
               <a:noFill/>
             </a:ln>
@@ -13688,7 +12986,7 @@
           <a:buFontTx/>
           <a:buNone/>
           <a:tabLst/>
-          <a:defRPr kumimoji="0" sz="1800" b="0" i="0" u="none" strike="noStrike" cap="none" spc="0" normalizeH="0" baseline="0">
+          <a:defRPr b="0" baseline="0" cap="none" i="0" spc="0" strike="noStrike" sz="1800" u="none" kumimoji="0" normalizeH="0">
             <a:ln>
               <a:noFill/>
             </a:ln>
@@ -13714,7 +13012,7 @@
           <a:buFontTx/>
           <a:buNone/>
           <a:tabLst/>
-          <a:defRPr kumimoji="0" sz="1800" b="0" i="0" u="none" strike="noStrike" cap="none" spc="0" normalizeH="0" baseline="0">
+          <a:defRPr b="0" baseline="0" cap="none" i="0" spc="0" strike="noStrike" sz="1800" u="none" kumimoji="0" normalizeH="0">
             <a:ln>
               <a:noFill/>
             </a:ln>
@@ -13740,7 +13038,7 @@
           <a:buFontTx/>
           <a:buNone/>
           <a:tabLst/>
-          <a:defRPr kumimoji="0" sz="1800" b="0" i="0" u="none" strike="noStrike" cap="none" spc="0" normalizeH="0" baseline="0">
+          <a:defRPr b="0" baseline="0" cap="none" i="0" spc="0" strike="noStrike" sz="1800" u="none" kumimoji="0" normalizeH="0">
             <a:ln>
               <a:noFill/>
             </a:ln>
@@ -13766,7 +13064,7 @@
           <a:buFontTx/>
           <a:buNone/>
           <a:tabLst/>
-          <a:defRPr kumimoji="0" sz="1800" b="0" i="0" u="none" strike="noStrike" cap="none" spc="0" normalizeH="0" baseline="0">
+          <a:defRPr b="0" baseline="0" cap="none" i="0" spc="0" strike="noStrike" sz="1800" u="none" kumimoji="0" normalizeH="0">
             <a:ln>
               <a:noFill/>
             </a:ln>
@@ -13792,7 +13090,7 @@
           <a:buFontTx/>
           <a:buNone/>
           <a:tabLst/>
-          <a:defRPr kumimoji="0" sz="1800" b="0" i="0" u="none" strike="noStrike" cap="none" spc="0" normalizeH="0" baseline="0">
+          <a:defRPr b="0" baseline="0" cap="none" i="0" spc="0" strike="noStrike" sz="1800" u="none" kumimoji="0" normalizeH="0">
             <a:ln>
               <a:noFill/>
             </a:ln>
@@ -13818,7 +13116,7 @@
           <a:buFontTx/>
           <a:buNone/>
           <a:tabLst/>
-          <a:defRPr kumimoji="0" sz="1800" b="0" i="0" u="none" strike="noStrike" cap="none" spc="0" normalizeH="0" baseline="0">
+          <a:defRPr b="0" baseline="0" cap="none" i="0" spc="0" strike="noStrike" sz="1800" u="none" kumimoji="0" normalizeH="0">
             <a:ln>
               <a:noFill/>
             </a:ln>
@@ -13844,7 +13142,7 @@
           <a:buFontTx/>
           <a:buNone/>
           <a:tabLst/>
-          <a:defRPr kumimoji="0" sz="1800" b="0" i="0" u="none" strike="noStrike" cap="none" spc="0" normalizeH="0" baseline="0">
+          <a:defRPr b="0" baseline="0" cap="none" i="0" spc="0" strike="noStrike" sz="1800" u="none" kumimoji="0" normalizeH="0">
             <a:ln>
               <a:noFill/>
             </a:ln>
@@ -13857,19 +13155,12 @@
         </a:lvl9pPr>
       </a:lstStyle>
       <a:style>
-        <a:lnRef idx="0">
-          <a:scrgbClr r="0" g="0" b="0"/>
-        </a:lnRef>
-        <a:fillRef idx="0">
-          <a:scrgbClr r="0" g="0" b="0"/>
-        </a:fillRef>
-        <a:effectRef idx="0">
-          <a:scrgbClr r="0" g="0" b="0"/>
-        </a:effectRef>
+        <a:lnRef idx="0"/>
+        <a:fillRef idx="0"/>
+        <a:effectRef idx="0"/>
         <a:fontRef idx="none"/>
       </a:style>
     </a:txDef>
   </a:objectDefaults>
-  <a:extraClrSchemeLst/>
 </a:theme>
 </file>